--- a/Poster/SwissCheese.pptx
+++ b/Poster/SwissCheese.pptx
@@ -13,24 +13,23 @@
     <p:sldMasterId id="2147483849" r:id="rId9"/>
   </p:sldMasterIdLst>
   <p:notesMasterIdLst>
-    <p:notesMasterId r:id="rId22"/>
+    <p:notesMasterId r:id="rId21"/>
   </p:notesMasterIdLst>
   <p:handoutMasterIdLst>
-    <p:handoutMasterId r:id="rId23"/>
+    <p:handoutMasterId r:id="rId22"/>
   </p:handoutMasterIdLst>
   <p:sldIdLst>
     <p:sldId id="268" r:id="rId10"/>
-    <p:sldId id="271" r:id="rId11"/>
-    <p:sldId id="269" r:id="rId12"/>
-    <p:sldId id="270" r:id="rId13"/>
-    <p:sldId id="272" r:id="rId14"/>
-    <p:sldId id="273" r:id="rId15"/>
-    <p:sldId id="274" r:id="rId16"/>
-    <p:sldId id="275" r:id="rId17"/>
-    <p:sldId id="267" r:id="rId18"/>
-    <p:sldId id="276" r:id="rId19"/>
-    <p:sldId id="277" r:id="rId20"/>
-    <p:sldId id="266" r:id="rId21"/>
+    <p:sldId id="278" r:id="rId11"/>
+    <p:sldId id="270" r:id="rId12"/>
+    <p:sldId id="272" r:id="rId13"/>
+    <p:sldId id="273" r:id="rId14"/>
+    <p:sldId id="274" r:id="rId15"/>
+    <p:sldId id="275" r:id="rId16"/>
+    <p:sldId id="267" r:id="rId17"/>
+    <p:sldId id="276" r:id="rId18"/>
+    <p:sldId id="277" r:id="rId19"/>
+    <p:sldId id="266" r:id="rId20"/>
   </p:sldIdLst>
   <p:sldSz cx="12187238" cy="6858000"/>
   <p:notesSz cx="7099300" cy="10234613"/>
@@ -131,7 +130,7 @@
   </p:defaultTextStyle>
   <p:extLst>
     <p:ext uri="{EFAFB233-063F-42B5-8137-9DF3F51BA10A}">
-      <p15:sldGuideLst xmlns="" xmlns:p15="http://schemas.microsoft.com/office/powerpoint/2012/main">
+      <p15:sldGuideLst xmlns:p15="http://schemas.microsoft.com/office/powerpoint/2012/main" xmlns="">
         <p15:guide id="1" orient="horz" pos="391">
           <p15:clr>
             <a:srgbClr val="A4A3A4"/>
@@ -357,11 +356,11 @@
           <c:showBubbleSize val="0"/>
         </c:dLbls>
         <c:gapWidth val="150"/>
-        <c:axId val="163707520"/>
-        <c:axId val="176675456"/>
+        <c:axId val="201643520"/>
+        <c:axId val="201645056"/>
       </c:barChart>
       <c:catAx>
-        <c:axId val="163707520"/>
+        <c:axId val="201643520"/>
         <c:scaling>
           <c:orientation val="minMax"/>
         </c:scaling>
@@ -370,7 +369,7 @@
         <c:majorTickMark val="out"/>
         <c:minorTickMark val="none"/>
         <c:tickLblPos val="nextTo"/>
-        <c:crossAx val="176675456"/>
+        <c:crossAx val="201645056"/>
         <c:crosses val="autoZero"/>
         <c:auto val="1"/>
         <c:lblAlgn val="ctr"/>
@@ -378,7 +377,7 @@
         <c:noMultiLvlLbl val="0"/>
       </c:catAx>
       <c:valAx>
-        <c:axId val="176675456"/>
+        <c:axId val="201645056"/>
         <c:scaling>
           <c:orientation val="minMax"/>
           <c:min val="50"/>
@@ -390,7 +389,7 @@
         <c:majorTickMark val="out"/>
         <c:minorTickMark val="none"/>
         <c:tickLblPos val="nextTo"/>
-        <c:crossAx val="163707520"/>
+        <c:crossAx val="201643520"/>
         <c:crosses val="autoZero"/>
         <c:crossBetween val="between"/>
       </c:valAx>
@@ -717,11 +716,11 @@
         </c:dLbls>
         <c:marker val="1"/>
         <c:smooth val="0"/>
-        <c:axId val="242547328"/>
-        <c:axId val="254301312"/>
+        <c:axId val="201574272"/>
+        <c:axId val="201576448"/>
       </c:lineChart>
       <c:catAx>
-        <c:axId val="242547328"/>
+        <c:axId val="201574272"/>
         <c:scaling>
           <c:orientation val="minMax"/>
         </c:scaling>
@@ -730,7 +729,7 @@
         <c:majorTickMark val="none"/>
         <c:minorTickMark val="none"/>
         <c:tickLblPos val="nextTo"/>
-        <c:crossAx val="254301312"/>
+        <c:crossAx val="201576448"/>
         <c:crosses val="autoZero"/>
         <c:auto val="1"/>
         <c:lblAlgn val="ctr"/>
@@ -738,7 +737,7 @@
         <c:noMultiLvlLbl val="0"/>
       </c:catAx>
       <c:valAx>
-        <c:axId val="254301312"/>
+        <c:axId val="201576448"/>
         <c:scaling>
           <c:orientation val="minMax"/>
           <c:min val="59"/>
@@ -774,7 +773,7 @@
         <c:majorTickMark val="none"/>
         <c:minorTickMark val="none"/>
         <c:tickLblPos val="nextTo"/>
-        <c:crossAx val="242547328"/>
+        <c:crossAx val="201574272"/>
         <c:crosses val="autoZero"/>
         <c:crossBetween val="between"/>
       </c:valAx>
@@ -1958,6 +1957,13 @@
         </dgm:presLayoutVars>
       </dgm:prSet>
       <dgm:spPr/>
+      <dgm:t>
+        <a:bodyPr/>
+        <a:lstStyle/>
+        <a:p>
+          <a:endParaRPr lang="de-CH"/>
+        </a:p>
+      </dgm:t>
     </dgm:pt>
     <dgm:pt modelId="{55CEFD13-34F2-4932-908F-87C72B0F0C94}" type="pres">
       <dgm:prSet presAssocID="{754F5E66-E4DE-4A9C-BF5E-1A5E4B99F5D8}" presName="composite" presStyleCnt="0"/>
@@ -2089,8 +2095,8 @@
     <dgm:cxn modelId="{A2C50978-A375-4D23-8266-3ADC24C83256}" srcId="{56C36CE5-0D39-460D-8610-733E95CA7F0A}" destId="{F27E1170-218F-4286-BA3E-445E65940EEB}" srcOrd="2" destOrd="0" parTransId="{72418974-FCF5-4CEB-8DB7-654618D55909}" sibTransId="{B8865510-04E1-44D8-A90C-D812D512BFB6}"/>
     <dgm:cxn modelId="{7F79F107-B3C6-4DD9-AA5F-727D2EC0FC69}" srcId="{9AD4E185-BA31-4034-9935-DD80D2280751}" destId="{754F5E66-E4DE-4A9C-BF5E-1A5E4B99F5D8}" srcOrd="0" destOrd="0" parTransId="{494F29CA-B38A-461E-A479-6E8DA08E6C69}" sibTransId="{A0B89A44-185D-4DFB-BE27-E0FAC43AE245}"/>
     <dgm:cxn modelId="{33002D36-3969-4C36-BB3C-A665AB7D0CC2}" srcId="{56C36CE5-0D39-460D-8610-733E95CA7F0A}" destId="{E3A18876-CA3D-4323-9DCF-C2B10569F091}" srcOrd="1" destOrd="0" parTransId="{19C0E281-57B9-41C1-B691-DCEF0955D4EA}" sibTransId="{C4B79819-341D-459E-A21B-C2642DA6C429}"/>
+    <dgm:cxn modelId="{05206209-467C-4472-BDAB-B62ABCB3C4F2}" type="presOf" srcId="{E3A18876-CA3D-4323-9DCF-C2B10569F091}" destId="{FFE11DEC-94C9-4EB2-BF41-246B9D3A25E7}" srcOrd="0" destOrd="1" presId="urn:microsoft.com/office/officeart/2005/8/layout/chevron2"/>
     <dgm:cxn modelId="{9CD71218-E4AF-4BC1-A5CD-7842E5F8ECB0}" srcId="{754F5E66-E4DE-4A9C-BF5E-1A5E4B99F5D8}" destId="{F363C58D-A0C1-4517-BE32-F48A5E8AC9EB}" srcOrd="0" destOrd="0" parTransId="{B4971AFF-C442-4B97-9EE9-0F27CEF56940}" sibTransId="{6275FA20-0DB1-4D2C-A1EB-43F38A8C1688}"/>
-    <dgm:cxn modelId="{05206209-467C-4472-BDAB-B62ABCB3C4F2}" type="presOf" srcId="{E3A18876-CA3D-4323-9DCF-C2B10569F091}" destId="{FFE11DEC-94C9-4EB2-BF41-246B9D3A25E7}" srcOrd="0" destOrd="1" presId="urn:microsoft.com/office/officeart/2005/8/layout/chevron2"/>
     <dgm:cxn modelId="{7B1A5F71-2EAC-48CD-8E6F-0E3B6690860A}" type="presOf" srcId="{B1F77A99-6D94-44B4-B30D-B51ADE348298}" destId="{F504BE5E-B656-4CBA-9DD1-BA04FEDB37F0}" srcOrd="0" destOrd="1" presId="urn:microsoft.com/office/officeart/2005/8/layout/chevron2"/>
     <dgm:cxn modelId="{C5891E89-511E-4BCC-9C1F-E4C33701DD17}" srcId="{EA9E53E3-1EB4-4703-B447-EE6EF5F74F18}" destId="{BE0DBC9F-5FE7-40FB-8097-295446180BC3}" srcOrd="0" destOrd="0" parTransId="{FF4CF3A2-2DE5-4806-B9F3-1029EEFACA23}" sibTransId="{19C2C942-281B-4526-BB77-0A16E9EBED15}"/>
     <dgm:cxn modelId="{B5C7ACDA-DEFF-4821-8C69-BB1F01D27470}" type="presParOf" srcId="{8958F812-F13C-4429-B3DE-D730762FF1D6}" destId="{55CEFD13-34F2-4932-908F-87C72B0F0C94}" srcOrd="0" destOrd="0" presId="urn:microsoft.com/office/officeart/2005/8/layout/chevron2"/>
@@ -4042,7 +4048,7 @@
               <a:rPr lang="de-DE" smtClean="0">
                 <a:latin typeface="Arial" panose="020B0604020202020204" pitchFamily="34" charset="0"/>
               </a:rPr>
-              <a:t>11.06.2016</a:t>
+              <a:t>14.06.2016</a:t>
             </a:fld>
             <a:endParaRPr lang="de-DE" dirty="0">
               <a:latin typeface="Arial" panose="020B0604020202020204" pitchFamily="34" charset="0"/>
@@ -4221,7 +4227,7 @@
             <a:fld id="{BCDB334D-D17F-49C4-91DD-37BB7E818209}" type="datetimeFigureOut">
               <a:rPr lang="de-CH" smtClean="0"/>
               <a:pPr/>
-              <a:t>11.06.2016</a:t>
+              <a:t>14.06.2016</a:t>
             </a:fld>
             <a:endParaRPr lang="de-CH" dirty="0"/>
           </a:p>
@@ -4560,7 +4566,7 @@
           <a:p>
             <a:fld id="{A51C0C35-A9A2-4EFD-9BAF-1E52E29E03D1}" type="slidenum">
               <a:rPr lang="de-CH" smtClean="0"/>
-              <a:t>4</a:t>
+              <a:t>3</a:t>
             </a:fld>
             <a:endParaRPr lang="de-CH"/>
           </a:p>
@@ -4736,7 +4742,7 @@
           <a:p>
             <a:fld id="{6A7B04B9-9AC5-4743-BF2D-5134D1823B07}" type="datetime1">
               <a:rPr lang="en-US" smtClean="0"/>
-              <a:t>6/11/2016</a:t>
+              <a:t>6/14/2016</a:t>
             </a:fld>
             <a:endParaRPr lang="en-GB" dirty="0"/>
           </a:p>
@@ -5041,7 +5047,7 @@
           <a:p>
             <a:fld id="{4FC3C4BB-92EC-4277-AA05-728BE23471C6}" type="datetime1">
               <a:rPr lang="en-US" smtClean="0"/>
-              <a:t>6/11/2016</a:t>
+              <a:t>6/14/2016</a:t>
             </a:fld>
             <a:endParaRPr lang="en-GB" dirty="0"/>
           </a:p>
@@ -5389,7 +5395,7 @@
           <a:p>
             <a:fld id="{6F1F84AB-0E5D-493A-AAE0-1A1B41795646}" type="datetime1">
               <a:rPr lang="en-US" smtClean="0"/>
-              <a:t>6/11/2016</a:t>
+              <a:t>6/14/2016</a:t>
             </a:fld>
             <a:endParaRPr lang="en-GB" dirty="0"/>
           </a:p>
@@ -5697,7 +5703,7 @@
           <a:p>
             <a:fld id="{2DD4AEAC-29AA-4CF4-87B6-7EBC9CD7C65F}" type="datetime1">
               <a:rPr lang="en-US" smtClean="0"/>
-              <a:t>6/11/2016</a:t>
+              <a:t>6/14/2016</a:t>
             </a:fld>
             <a:endParaRPr lang="en-GB" dirty="0"/>
           </a:p>
@@ -5804,7 +5810,7 @@
   </p:timing>
   <p:extLst mod="1">
     <p:ext uri="{DCECCB84-F9BA-43D5-87BE-67443E8EF086}">
-      <p15:sldGuideLst xmlns="" xmlns:p15="http://schemas.microsoft.com/office/powerpoint/2012/main"/>
+      <p15:sldGuideLst xmlns:p15="http://schemas.microsoft.com/office/powerpoint/2012/main" xmlns=""/>
     </p:ext>
   </p:extLst>
 </p:sldLayout>
@@ -6990,7 +6996,7 @@
           <a:p>
             <a:fld id="{1FB59854-AA05-4C6F-AA61-4145EE0421BF}" type="datetime1">
               <a:rPr lang="en-US" smtClean="0"/>
-              <a:t>6/11/2016</a:t>
+              <a:t>6/14/2016</a:t>
             </a:fld>
             <a:endParaRPr lang="en-GB" dirty="0"/>
           </a:p>
@@ -7408,7 +7414,7 @@
           <a:p>
             <a:fld id="{3A62AFEC-574A-40CF-B51D-BAB997A79D93}" type="datetime1">
               <a:rPr lang="en-US" smtClean="0"/>
-              <a:t>6/11/2016</a:t>
+              <a:t>6/14/2016</a:t>
             </a:fld>
             <a:endParaRPr lang="en-GB" dirty="0"/>
           </a:p>
@@ -7552,7 +7558,7 @@
           <a:p>
             <a:fld id="{0DB09B45-BDA3-41BB-885D-35647899D581}" type="datetime1">
               <a:rPr lang="en-US" smtClean="0"/>
-              <a:t>6/11/2016</a:t>
+              <a:t>6/14/2016</a:t>
             </a:fld>
             <a:endParaRPr lang="en-GB" dirty="0"/>
           </a:p>
@@ -7693,7 +7699,7 @@
           <a:p>
             <a:fld id="{B12E0BD5-1749-492D-A18B-AFFC2B11E56E}" type="datetime1">
               <a:rPr lang="en-US" smtClean="0"/>
-              <a:t>6/11/2016</a:t>
+              <a:t>6/14/2016</a:t>
             </a:fld>
             <a:endParaRPr lang="en-GB" dirty="0"/>
           </a:p>
@@ -7881,7 +7887,7 @@
           <a:p>
             <a:fld id="{AD828B19-E35F-493E-8E5B-6E5769F62EAA}" type="datetime1">
               <a:rPr lang="en-US" smtClean="0"/>
-              <a:t>6/11/2016</a:t>
+              <a:t>6/14/2016</a:t>
             </a:fld>
             <a:endParaRPr lang="en-GB" dirty="0"/>
           </a:p>
@@ -8143,7 +8149,7 @@
           <a:p>
             <a:fld id="{7F0E1CA0-1120-470C-B2E9-CF5854E1E1E9}" type="datetime1">
               <a:rPr lang="en-US" smtClean="0"/>
-              <a:t>6/11/2016</a:t>
+              <a:t>6/14/2016</a:t>
             </a:fld>
             <a:endParaRPr lang="en-GB" dirty="0"/>
           </a:p>
@@ -8491,7 +8497,7 @@
           <a:p>
             <a:fld id="{075D72B4-5C16-422F-B700-29142F7AC408}" type="datetime1">
               <a:rPr lang="en-US" smtClean="0"/>
-              <a:t>6/11/2016</a:t>
+              <a:t>6/14/2016</a:t>
             </a:fld>
             <a:endParaRPr lang="en-GB" dirty="0"/>
           </a:p>
@@ -8803,7 +8809,7 @@
           <a:p>
             <a:fld id="{9F07C485-FF53-4D95-A343-6DDE70705EB1}" type="datetime1">
               <a:rPr lang="en-US" smtClean="0"/>
-              <a:t>6/11/2016</a:t>
+              <a:t>6/14/2016</a:t>
             </a:fld>
             <a:endParaRPr lang="en-GB" dirty="0"/>
           </a:p>
@@ -9111,7 +9117,7 @@
           <a:p>
             <a:fld id="{EB0137D9-F2C4-4909-BC5A-FFE1FDFEBBF7}" type="datetime1">
               <a:rPr lang="en-US" smtClean="0"/>
-              <a:t>6/11/2016</a:t>
+              <a:t>6/14/2016</a:t>
             </a:fld>
             <a:endParaRPr lang="en-GB" dirty="0"/>
           </a:p>
@@ -9218,7 +9224,7 @@
   </p:timing>
   <p:extLst mod="1">
     <p:ext uri="{DCECCB84-F9BA-43D5-87BE-67443E8EF086}">
-      <p15:sldGuideLst xmlns="" xmlns:p15="http://schemas.microsoft.com/office/powerpoint/2012/main"/>
+      <p15:sldGuideLst xmlns:p15="http://schemas.microsoft.com/office/powerpoint/2012/main" xmlns=""/>
     </p:ext>
   </p:extLst>
 </p:sldLayout>
@@ -10404,7 +10410,7 @@
           <a:p>
             <a:fld id="{696567E5-AED8-446B-B59E-54A5D7266EFB}" type="datetime1">
               <a:rPr lang="en-US" smtClean="0"/>
-              <a:t>6/11/2016</a:t>
+              <a:t>6/14/2016</a:t>
             </a:fld>
             <a:endParaRPr lang="en-GB" dirty="0"/>
           </a:p>
@@ -10822,7 +10828,7 @@
           <a:p>
             <a:fld id="{F9059B79-89B6-421D-8E35-A5C05358A1C6}" type="datetime1">
               <a:rPr lang="en-US" smtClean="0"/>
-              <a:t>6/11/2016</a:t>
+              <a:t>6/14/2016</a:t>
             </a:fld>
             <a:endParaRPr lang="en-GB" dirty="0"/>
           </a:p>
@@ -10966,7 +10972,7 @@
           <a:p>
             <a:fld id="{819AE76F-7490-4EF1-BC12-E6DB4DD56235}" type="datetime1">
               <a:rPr lang="en-US" smtClean="0"/>
-              <a:t>6/11/2016</a:t>
+              <a:t>6/14/2016</a:t>
             </a:fld>
             <a:endParaRPr lang="en-GB" dirty="0"/>
           </a:p>
@@ -11107,7 +11113,7 @@
           <a:p>
             <a:fld id="{D1DEF222-2203-4EB6-9B63-B8B6C8E275D6}" type="datetime1">
               <a:rPr lang="en-US" smtClean="0"/>
-              <a:t>6/11/2016</a:t>
+              <a:t>6/14/2016</a:t>
             </a:fld>
             <a:endParaRPr lang="en-GB" dirty="0"/>
           </a:p>
@@ -11295,7 +11301,7 @@
           <a:p>
             <a:fld id="{50313CB5-34C0-49E6-BB22-0757E4871D9A}" type="datetime1">
               <a:rPr lang="en-US" smtClean="0"/>
-              <a:t>6/11/2016</a:t>
+              <a:t>6/14/2016</a:t>
             </a:fld>
             <a:endParaRPr lang="en-GB" dirty="0"/>
           </a:p>
@@ -11557,7 +11563,7 @@
           <a:p>
             <a:fld id="{86D44FCE-D02B-4A4A-B856-568EB044BC67}" type="datetime1">
               <a:rPr lang="en-US" smtClean="0"/>
-              <a:t>6/11/2016</a:t>
+              <a:t>6/14/2016</a:t>
             </a:fld>
             <a:endParaRPr lang="en-GB" dirty="0"/>
           </a:p>
@@ -11905,7 +11911,7 @@
           <a:p>
             <a:fld id="{BADD32F3-2B15-404A-9157-F58009A178F8}" type="datetime1">
               <a:rPr lang="en-US" smtClean="0"/>
-              <a:t>6/11/2016</a:t>
+              <a:t>6/14/2016</a:t>
             </a:fld>
             <a:endParaRPr lang="en-GB" dirty="0"/>
           </a:p>
@@ -12213,7 +12219,7 @@
           <a:p>
             <a:fld id="{DAA9486E-A38E-435F-A640-5F5DEB0566A8}" type="datetime1">
               <a:rPr lang="en-US" smtClean="0"/>
-              <a:t>6/11/2016</a:t>
+              <a:t>6/14/2016</a:t>
             </a:fld>
             <a:endParaRPr lang="en-GB" dirty="0"/>
           </a:p>
@@ -12320,7 +12326,7 @@
   </p:timing>
   <p:extLst mod="1">
     <p:ext uri="{DCECCB84-F9BA-43D5-87BE-67443E8EF086}">
-      <p15:sldGuideLst xmlns="" xmlns:p15="http://schemas.microsoft.com/office/powerpoint/2012/main"/>
+      <p15:sldGuideLst xmlns:p15="http://schemas.microsoft.com/office/powerpoint/2012/main" xmlns=""/>
     </p:ext>
   </p:extLst>
 </p:sldLayout>
@@ -12526,7 +12532,7 @@
           <a:p>
             <a:fld id="{C72DEBC2-9CA8-458F-94CD-B3588D840EE0}" type="datetime1">
               <a:rPr lang="en-US" smtClean="0"/>
-              <a:t>6/11/2016</a:t>
+              <a:t>6/14/2016</a:t>
             </a:fld>
             <a:endParaRPr lang="en-GB" dirty="0"/>
           </a:p>
@@ -12633,7 +12639,7 @@
   </p:timing>
   <p:extLst mod="1">
     <p:ext uri="{DCECCB84-F9BA-43D5-87BE-67443E8EF086}">
-      <p15:sldGuideLst xmlns="" xmlns:p15="http://schemas.microsoft.com/office/powerpoint/2012/main"/>
+      <p15:sldGuideLst xmlns:p15="http://schemas.microsoft.com/office/powerpoint/2012/main" xmlns=""/>
     </p:ext>
   </p:extLst>
 </p:sldLayout>
@@ -13819,7 +13825,7 @@
           <a:p>
             <a:fld id="{9C9D0E88-030B-41DB-AE2D-52FF1F8D1872}" type="datetime1">
               <a:rPr lang="en-US" smtClean="0"/>
-              <a:t>6/11/2016</a:t>
+              <a:t>6/14/2016</a:t>
             </a:fld>
             <a:endParaRPr lang="en-GB" dirty="0"/>
           </a:p>
@@ -14237,7 +14243,7 @@
           <a:p>
             <a:fld id="{2DE91492-1921-4C04-A0F2-C13038DC4959}" type="datetime1">
               <a:rPr lang="en-US" smtClean="0"/>
-              <a:t>6/11/2016</a:t>
+              <a:t>6/14/2016</a:t>
             </a:fld>
             <a:endParaRPr lang="en-GB" dirty="0"/>
           </a:p>
@@ -14381,7 +14387,7 @@
           <a:p>
             <a:fld id="{20CDF2AB-5B4F-42B5-AA18-52F99DB78B32}" type="datetime1">
               <a:rPr lang="en-US" smtClean="0"/>
-              <a:t>6/11/2016</a:t>
+              <a:t>6/14/2016</a:t>
             </a:fld>
             <a:endParaRPr lang="en-GB" dirty="0"/>
           </a:p>
@@ -14522,7 +14528,7 @@
           <a:p>
             <a:fld id="{F5841912-212A-48D5-8F13-E762F4E3D330}" type="datetime1">
               <a:rPr lang="en-US" smtClean="0"/>
-              <a:t>6/11/2016</a:t>
+              <a:t>6/14/2016</a:t>
             </a:fld>
             <a:endParaRPr lang="en-GB" dirty="0"/>
           </a:p>
@@ -14710,7 +14716,7 @@
           <a:p>
             <a:fld id="{7862A90D-743A-45B6-92CA-66A7CDD7B5BD}" type="datetime1">
               <a:rPr lang="en-US" smtClean="0"/>
-              <a:t>6/11/2016</a:t>
+              <a:t>6/14/2016</a:t>
             </a:fld>
             <a:endParaRPr lang="en-GB" dirty="0"/>
           </a:p>
@@ -14972,7 +14978,7 @@
           <a:p>
             <a:fld id="{FAB5C8E8-1D9F-4B1B-AB53-6FAEA3CBF467}" type="datetime1">
               <a:rPr lang="en-US" smtClean="0"/>
-              <a:t>6/11/2016</a:t>
+              <a:t>6/14/2016</a:t>
             </a:fld>
             <a:endParaRPr lang="en-GB" dirty="0"/>
           </a:p>
@@ -15320,7 +15326,7 @@
           <a:p>
             <a:fld id="{392AFB38-E72D-489B-A0BC-EC99D551F4F1}" type="datetime1">
               <a:rPr lang="en-US" smtClean="0"/>
-              <a:t>6/11/2016</a:t>
+              <a:t>6/14/2016</a:t>
             </a:fld>
             <a:endParaRPr lang="en-GB" dirty="0"/>
           </a:p>
@@ -15628,7 +15634,7 @@
           <a:p>
             <a:fld id="{B20CF3FE-3215-4F5A-BB68-1AC94D5C3131}" type="datetime1">
               <a:rPr lang="en-US" smtClean="0"/>
-              <a:t>6/11/2016</a:t>
+              <a:t>6/14/2016</a:t>
             </a:fld>
             <a:endParaRPr lang="en-GB" dirty="0"/>
           </a:p>
@@ -15735,7 +15741,7 @@
   </p:timing>
   <p:extLst mod="1">
     <p:ext uri="{DCECCB84-F9BA-43D5-87BE-67443E8EF086}">
-      <p15:sldGuideLst xmlns="" xmlns:p15="http://schemas.microsoft.com/office/powerpoint/2012/main"/>
+      <p15:sldGuideLst xmlns:p15="http://schemas.microsoft.com/office/powerpoint/2012/main" xmlns=""/>
     </p:ext>
   </p:extLst>
 </p:sldLayout>
@@ -17962,7 +17968,7 @@
           <a:p>
             <a:fld id="{9AC3A63B-15F6-48DD-A19F-70D462FFBE4B}" type="datetime1">
               <a:rPr lang="en-US" smtClean="0"/>
-              <a:t>6/11/2016</a:t>
+              <a:t>6/14/2016</a:t>
             </a:fld>
             <a:endParaRPr lang="en-GB" dirty="0"/>
           </a:p>
@@ -18380,7 +18386,7 @@
           <a:p>
             <a:fld id="{ED0127FD-C8E1-4DF4-8724-07D0384925A0}" type="datetime1">
               <a:rPr lang="en-US" smtClean="0"/>
-              <a:t>6/11/2016</a:t>
+              <a:t>6/14/2016</a:t>
             </a:fld>
             <a:endParaRPr lang="en-GB" dirty="0"/>
           </a:p>
@@ -18524,7 +18530,7 @@
           <a:p>
             <a:fld id="{F3216040-88C3-48F5-9938-992EAA66ADA5}" type="datetime1">
               <a:rPr lang="en-US" smtClean="0"/>
-              <a:t>6/11/2016</a:t>
+              <a:t>6/14/2016</a:t>
             </a:fld>
             <a:endParaRPr lang="en-GB" dirty="0"/>
           </a:p>
@@ -18665,7 +18671,7 @@
           <a:p>
             <a:fld id="{7DA0D912-8CF0-4E65-98C3-6E2C8B3C031B}" type="datetime1">
               <a:rPr lang="en-US" smtClean="0"/>
-              <a:t>6/11/2016</a:t>
+              <a:t>6/14/2016</a:t>
             </a:fld>
             <a:endParaRPr lang="en-GB" dirty="0"/>
           </a:p>
@@ -18853,7 +18859,7 @@
           <a:p>
             <a:fld id="{6BA246C4-F248-4762-A3F1-A827E4E7B9C7}" type="datetime1">
               <a:rPr lang="en-US" smtClean="0"/>
-              <a:t>6/11/2016</a:t>
+              <a:t>6/14/2016</a:t>
             </a:fld>
             <a:endParaRPr lang="en-GB" dirty="0"/>
           </a:p>
@@ -19115,7 +19121,7 @@
           <a:p>
             <a:fld id="{9A55D6B4-AC1A-413D-A42C-79437AE675CD}" type="datetime1">
               <a:rPr lang="en-US" smtClean="0"/>
-              <a:t>6/11/2016</a:t>
+              <a:t>6/14/2016</a:t>
             </a:fld>
             <a:endParaRPr lang="en-GB" dirty="0"/>
           </a:p>
@@ -19463,7 +19469,7 @@
           <a:p>
             <a:fld id="{6BFD2898-44B1-413B-89C0-8D19583B15F2}" type="datetime1">
               <a:rPr lang="en-US" smtClean="0"/>
-              <a:t>6/11/2016</a:t>
+              <a:t>6/14/2016</a:t>
             </a:fld>
             <a:endParaRPr lang="en-GB" dirty="0"/>
           </a:p>
@@ -19771,7 +19777,7 @@
           <a:p>
             <a:fld id="{CD15F820-ADDA-41F5-9F1B-38581F420DB2}" type="datetime1">
               <a:rPr lang="en-US" smtClean="0"/>
-              <a:t>6/11/2016</a:t>
+              <a:t>6/14/2016</a:t>
             </a:fld>
             <a:endParaRPr lang="en-GB" dirty="0"/>
           </a:p>
@@ -19878,7 +19884,7 @@
   </p:timing>
   <p:extLst mod="1">
     <p:ext uri="{DCECCB84-F9BA-43D5-87BE-67443E8EF086}">
-      <p15:sldGuideLst xmlns="" xmlns:p15="http://schemas.microsoft.com/office/powerpoint/2012/main"/>
+      <p15:sldGuideLst xmlns:p15="http://schemas.microsoft.com/office/powerpoint/2012/main" xmlns=""/>
     </p:ext>
   </p:extLst>
 </p:sldLayout>
@@ -21064,7 +21070,7 @@
           <a:p>
             <a:fld id="{6BECE804-E277-4628-BF60-AC7558D59A6B}" type="datetime1">
               <a:rPr lang="en-US" smtClean="0"/>
-              <a:t>6/11/2016</a:t>
+              <a:t>6/14/2016</a:t>
             </a:fld>
             <a:endParaRPr lang="en-GB" dirty="0"/>
           </a:p>
@@ -21308,7 +21314,7 @@
           <a:p>
             <a:fld id="{C797275A-E172-44BE-9CFC-C3168AEF5C6F}" type="datetime1">
               <a:rPr lang="en-US" smtClean="0"/>
-              <a:t>6/11/2016</a:t>
+              <a:t>6/14/2016</a:t>
             </a:fld>
             <a:endParaRPr lang="en-GB" dirty="0"/>
           </a:p>
@@ -21726,7 +21732,7 @@
           <a:p>
             <a:fld id="{1AEA0BE4-1BD2-42DD-B229-1B8DAD9BC421}" type="datetime1">
               <a:rPr lang="en-US" smtClean="0"/>
-              <a:t>6/11/2016</a:t>
+              <a:t>6/14/2016</a:t>
             </a:fld>
             <a:endParaRPr lang="en-GB" dirty="0"/>
           </a:p>
@@ -21870,7 +21876,7 @@
           <a:p>
             <a:fld id="{B02C2020-E7BE-46BC-B4A2-7F5E65370E92}" type="datetime1">
               <a:rPr lang="en-US" smtClean="0"/>
-              <a:t>6/11/2016</a:t>
+              <a:t>6/14/2016</a:t>
             </a:fld>
             <a:endParaRPr lang="en-GB" dirty="0"/>
           </a:p>
@@ -22011,7 +22017,7 @@
           <a:p>
             <a:fld id="{8DCA095F-DBC7-48FA-89B7-C7880B4D48B5}" type="datetime1">
               <a:rPr lang="en-US" smtClean="0"/>
-              <a:t>6/11/2016</a:t>
+              <a:t>6/14/2016</a:t>
             </a:fld>
             <a:endParaRPr lang="en-GB" dirty="0"/>
           </a:p>
@@ -22199,7 +22205,7 @@
           <a:p>
             <a:fld id="{E491384C-515E-4BF4-8C20-E8B19802AEB2}" type="datetime1">
               <a:rPr lang="en-US" smtClean="0"/>
-              <a:t>6/11/2016</a:t>
+              <a:t>6/14/2016</a:t>
             </a:fld>
             <a:endParaRPr lang="en-GB" dirty="0"/>
           </a:p>
@@ -22461,7 +22467,7 @@
           <a:p>
             <a:fld id="{1354CA01-5410-4D64-954E-80584FFCA751}" type="datetime1">
               <a:rPr lang="en-US" smtClean="0"/>
-              <a:t>6/11/2016</a:t>
+              <a:t>6/14/2016</a:t>
             </a:fld>
             <a:endParaRPr lang="en-GB" dirty="0"/>
           </a:p>
@@ -22809,7 +22815,7 @@
           <a:p>
             <a:fld id="{FE945507-B485-4BE0-A049-7B787839054D}" type="datetime1">
               <a:rPr lang="en-US" smtClean="0"/>
-              <a:t>6/11/2016</a:t>
+              <a:t>6/14/2016</a:t>
             </a:fld>
             <a:endParaRPr lang="en-GB" dirty="0"/>
           </a:p>
@@ -23117,7 +23123,7 @@
           <a:p>
             <a:fld id="{56C049AC-E14A-447C-9581-B0A214A0D4BD}" type="datetime1">
               <a:rPr lang="en-US" smtClean="0"/>
-              <a:t>6/11/2016</a:t>
+              <a:t>6/14/2016</a:t>
             </a:fld>
             <a:endParaRPr lang="en-GB" dirty="0"/>
           </a:p>
@@ -23224,7 +23230,7 @@
   </p:timing>
   <p:extLst mod="1">
     <p:ext uri="{DCECCB84-F9BA-43D5-87BE-67443E8EF086}">
-      <p15:sldGuideLst xmlns="" xmlns:p15="http://schemas.microsoft.com/office/powerpoint/2012/main"/>
+      <p15:sldGuideLst xmlns:p15="http://schemas.microsoft.com/office/powerpoint/2012/main" xmlns=""/>
     </p:ext>
   </p:extLst>
 </p:sldLayout>
@@ -24410,7 +24416,7 @@
           <a:p>
             <a:fld id="{3A8972DF-ED09-4DDB-89D7-CA454FD959E8}" type="datetime1">
               <a:rPr lang="en-US" smtClean="0"/>
-              <a:t>6/11/2016</a:t>
+              <a:t>6/14/2016</a:t>
             </a:fld>
             <a:endParaRPr lang="en-GB" dirty="0"/>
           </a:p>
@@ -24828,7 +24834,7 @@
           <a:p>
             <a:fld id="{782CF910-7AD8-4202-9FFA-CB6293889387}" type="datetime1">
               <a:rPr lang="en-US" smtClean="0"/>
-              <a:t>6/11/2016</a:t>
+              <a:t>6/14/2016</a:t>
             </a:fld>
             <a:endParaRPr lang="en-GB" dirty="0"/>
           </a:p>
@@ -25241,7 +25247,7 @@
           <a:p>
             <a:fld id="{43AA01B7-1D8E-4E5A-ABB7-25B135A2E02A}" type="datetime1">
               <a:rPr lang="en-US" smtClean="0"/>
-              <a:t>6/11/2016</a:t>
+              <a:t>6/14/2016</a:t>
             </a:fld>
             <a:endParaRPr lang="en-GB" dirty="0"/>
           </a:p>
@@ -25385,7 +25391,7 @@
           <a:p>
             <a:fld id="{51B16C9D-A602-4CD7-B64A-B57955D9BACE}" type="datetime1">
               <a:rPr lang="en-US" smtClean="0"/>
-              <a:t>6/11/2016</a:t>
+              <a:t>6/14/2016</a:t>
             </a:fld>
             <a:endParaRPr lang="en-GB" dirty="0"/>
           </a:p>
@@ -25526,7 +25532,7 @@
           <a:p>
             <a:fld id="{C9B1975D-BA2A-41EF-92EB-D5193678D4C2}" type="datetime1">
               <a:rPr lang="en-US" smtClean="0"/>
-              <a:t>6/11/2016</a:t>
+              <a:t>6/14/2016</a:t>
             </a:fld>
             <a:endParaRPr lang="en-GB" dirty="0"/>
           </a:p>
@@ -25714,7 +25720,7 @@
           <a:p>
             <a:fld id="{50CE462B-C5B3-45EF-8366-4120DCB830C5}" type="datetime1">
               <a:rPr lang="en-US" smtClean="0"/>
-              <a:t>6/11/2016</a:t>
+              <a:t>6/14/2016</a:t>
             </a:fld>
             <a:endParaRPr lang="en-GB" dirty="0"/>
           </a:p>
@@ -25976,7 +25982,7 @@
           <a:p>
             <a:fld id="{DDD8E68C-C6F0-4A1F-86C6-3F4E5F730CBD}" type="datetime1">
               <a:rPr lang="en-US" smtClean="0"/>
-              <a:t>6/11/2016</a:t>
+              <a:t>6/14/2016</a:t>
             </a:fld>
             <a:endParaRPr lang="en-GB" dirty="0"/>
           </a:p>
@@ -26324,7 +26330,7 @@
           <a:p>
             <a:fld id="{E396D49C-3D7E-4135-8E7C-6A81E7E84611}" type="datetime1">
               <a:rPr lang="en-US" smtClean="0"/>
-              <a:t>6/11/2016</a:t>
+              <a:t>6/14/2016</a:t>
             </a:fld>
             <a:endParaRPr lang="en-GB" dirty="0"/>
           </a:p>
@@ -26632,7 +26638,7 @@
           <a:p>
             <a:fld id="{BDCCA45A-67D7-460C-94A7-F85CB4028C36}" type="datetime1">
               <a:rPr lang="en-US" smtClean="0"/>
-              <a:t>6/11/2016</a:t>
+              <a:t>6/14/2016</a:t>
             </a:fld>
             <a:endParaRPr lang="en-GB" dirty="0"/>
           </a:p>
@@ -26739,7 +26745,7 @@
   </p:timing>
   <p:extLst mod="1">
     <p:ext uri="{DCECCB84-F9BA-43D5-87BE-67443E8EF086}">
-      <p15:sldGuideLst xmlns="" xmlns:p15="http://schemas.microsoft.com/office/powerpoint/2012/main"/>
+      <p15:sldGuideLst xmlns:p15="http://schemas.microsoft.com/office/powerpoint/2012/main" xmlns=""/>
     </p:ext>
   </p:extLst>
 </p:sldLayout>
@@ -27925,7 +27931,7 @@
           <a:p>
             <a:fld id="{C02ED278-B7A8-469A-8E71-547AF8912FAF}" type="datetime1">
               <a:rPr lang="en-US" smtClean="0"/>
-              <a:t>6/11/2016</a:t>
+              <a:t>6/14/2016</a:t>
             </a:fld>
             <a:endParaRPr lang="en-GB" dirty="0"/>
           </a:p>
@@ -28343,7 +28349,7 @@
           <a:p>
             <a:fld id="{91B0549C-8580-4EE0-88ED-530574F906B4}" type="datetime1">
               <a:rPr lang="en-US" smtClean="0"/>
-              <a:t>6/11/2016</a:t>
+              <a:t>6/14/2016</a:t>
             </a:fld>
             <a:endParaRPr lang="en-GB" dirty="0"/>
           </a:p>
@@ -28487,7 +28493,7 @@
           <a:p>
             <a:fld id="{37D84958-4D9A-4DFA-BE76-D07513FE2EF4}" type="datetime1">
               <a:rPr lang="en-US" smtClean="0"/>
-              <a:t>6/11/2016</a:t>
+              <a:t>6/14/2016</a:t>
             </a:fld>
             <a:endParaRPr lang="en-GB" dirty="0"/>
           </a:p>
@@ -28623,7 +28629,7 @@
           <a:p>
             <a:fld id="{F238C8A7-3A43-4BCD-BAB3-67E208D82E7B}" type="datetime1">
               <a:rPr lang="en-US" smtClean="0"/>
-              <a:t>6/11/2016</a:t>
+              <a:t>6/14/2016</a:t>
             </a:fld>
             <a:endParaRPr lang="en-GB" dirty="0"/>
           </a:p>
@@ -28764,7 +28770,7 @@
           <a:p>
             <a:fld id="{07C31D46-BDA5-4F47-8C11-30560B4D268F}" type="datetime1">
               <a:rPr lang="en-US" smtClean="0"/>
-              <a:t>6/11/2016</a:t>
+              <a:t>6/14/2016</a:t>
             </a:fld>
             <a:endParaRPr lang="en-GB" dirty="0"/>
           </a:p>
@@ -28952,7 +28958,7 @@
           <a:p>
             <a:fld id="{58819A6B-8DEF-4632-A029-A39E9463BAE7}" type="datetime1">
               <a:rPr lang="en-US" smtClean="0"/>
-              <a:t>6/11/2016</a:t>
+              <a:t>6/14/2016</a:t>
             </a:fld>
             <a:endParaRPr lang="en-GB" dirty="0"/>
           </a:p>
@@ -29214,7 +29220,7 @@
           <a:p>
             <a:fld id="{C735D59A-2A62-4395-BD49-69E513778E1A}" type="datetime1">
               <a:rPr lang="en-US" smtClean="0"/>
-              <a:t>6/11/2016</a:t>
+              <a:t>6/14/2016</a:t>
             </a:fld>
             <a:endParaRPr lang="en-GB" dirty="0"/>
           </a:p>
@@ -29562,7 +29568,7 @@
           <a:p>
             <a:fld id="{F529ACE0-2BBC-4AA3-AFB6-BC83197D40DF}" type="datetime1">
               <a:rPr lang="en-US" smtClean="0"/>
-              <a:t>6/11/2016</a:t>
+              <a:t>6/14/2016</a:t>
             </a:fld>
             <a:endParaRPr lang="en-GB" dirty="0"/>
           </a:p>
@@ -29870,7 +29876,7 @@
           <a:p>
             <a:fld id="{1EC5E99E-0B8C-4216-9F4B-A605D97D5BA0}" type="datetime1">
               <a:rPr lang="en-US" smtClean="0"/>
-              <a:t>6/11/2016</a:t>
+              <a:t>6/14/2016</a:t>
             </a:fld>
             <a:endParaRPr lang="en-GB" dirty="0"/>
           </a:p>
@@ -29977,7 +29983,7 @@
   </p:timing>
   <p:extLst mod="1">
     <p:ext uri="{DCECCB84-F9BA-43D5-87BE-67443E8EF086}">
-      <p15:sldGuideLst xmlns="" xmlns:p15="http://schemas.microsoft.com/office/powerpoint/2012/main"/>
+      <p15:sldGuideLst xmlns:p15="http://schemas.microsoft.com/office/powerpoint/2012/main" xmlns=""/>
     </p:ext>
   </p:extLst>
 </p:sldLayout>
@@ -31163,7 +31169,7 @@
           <a:p>
             <a:fld id="{2B203643-CD52-4376-BD23-A85D6D2B73C7}" type="datetime1">
               <a:rPr lang="en-US" smtClean="0"/>
-              <a:t>6/11/2016</a:t>
+              <a:t>6/14/2016</a:t>
             </a:fld>
             <a:endParaRPr lang="en-GB" dirty="0"/>
           </a:p>
@@ -31581,7 +31587,7 @@
           <a:p>
             <a:fld id="{AEC1A687-9411-4652-8B97-7508ADA2CCA9}" type="datetime1">
               <a:rPr lang="en-US" smtClean="0"/>
-              <a:t>6/11/2016</a:t>
+              <a:t>6/14/2016</a:t>
             </a:fld>
             <a:endParaRPr lang="en-GB" dirty="0"/>
           </a:p>
@@ -31725,7 +31731,7 @@
           <a:p>
             <a:fld id="{CA0D0B5F-7D17-42BE-A6E4-C95C5EEC3558}" type="datetime1">
               <a:rPr lang="en-US" smtClean="0"/>
-              <a:t>6/11/2016</a:t>
+              <a:t>6/14/2016</a:t>
             </a:fld>
             <a:endParaRPr lang="en-GB" dirty="0"/>
           </a:p>
@@ -31866,7 +31872,7 @@
           <a:p>
             <a:fld id="{3FE87F81-5497-4C59-98AC-AB4C39FCC140}" type="datetime1">
               <a:rPr lang="en-US" smtClean="0"/>
-              <a:t>6/11/2016</a:t>
+              <a:t>6/14/2016</a:t>
             </a:fld>
             <a:endParaRPr lang="en-GB" dirty="0"/>
           </a:p>
@@ -32008,7 +32014,7 @@
           <a:p>
             <a:fld id="{E9555C18-FD7A-418B-973F-88E5D820445B}" type="datetime1">
               <a:rPr lang="en-US" smtClean="0"/>
-              <a:t>6/11/2016</a:t>
+              <a:t>6/14/2016</a:t>
             </a:fld>
             <a:endParaRPr lang="en-GB" dirty="0"/>
           </a:p>
@@ -32196,7 +32202,7 @@
           <a:p>
             <a:fld id="{09DCDB52-5292-49CC-8396-BD2F75DB0C4F}" type="datetime1">
               <a:rPr lang="en-US" smtClean="0"/>
-              <a:t>6/11/2016</a:t>
+              <a:t>6/14/2016</a:t>
             </a:fld>
             <a:endParaRPr lang="en-GB" dirty="0"/>
           </a:p>
@@ -32381,7 +32387,7 @@
           <a:p>
             <a:fld id="{907A73EC-D0C7-4375-871E-F24FBC8EC939}" type="datetime1">
               <a:rPr lang="en-US" smtClean="0"/>
-              <a:t>6/11/2016</a:t>
+              <a:t>6/14/2016</a:t>
             </a:fld>
             <a:endParaRPr lang="en-GB" dirty="0"/>
           </a:p>
@@ -33226,7 +33232,7 @@
           <a:p>
             <a:fld id="{5385EC9C-8A6E-47C6-B150-7DB08793E12F}" type="datetime1">
               <a:rPr lang="en-US" smtClean="0"/>
-              <a:t>6/11/2016</a:t>
+              <a:t>6/14/2016</a:t>
             </a:fld>
             <a:endParaRPr lang="en-GB" dirty="0"/>
           </a:p>
@@ -33879,7 +33885,7 @@
   </p:txStyles>
   <p:extLst mod="1">
     <p:ext uri="{27BBF7A9-308A-43DC-89C8-2F10F3537804}">
-      <p15:sldGuideLst xmlns="" xmlns:p15="http://schemas.microsoft.com/office/powerpoint/2012/main">
+      <p15:sldGuideLst xmlns:p15="http://schemas.microsoft.com/office/powerpoint/2012/main" xmlns="">
         <p15:guide id="1" pos="92" userDrawn="1">
           <p15:clr>
             <a:srgbClr val="F26B43"/>
@@ -34681,7 +34687,7 @@
           <a:p>
             <a:fld id="{6EF57FE9-98F9-432E-AC70-7677CCD42196}" type="datetime1">
               <a:rPr lang="en-US" smtClean="0"/>
-              <a:t>6/11/2016</a:t>
+              <a:t>6/14/2016</a:t>
             </a:fld>
             <a:endParaRPr lang="en-GB" dirty="0"/>
           </a:p>
@@ -35379,7 +35385,7 @@
   </p:txStyles>
   <p:extLst mod="1">
     <p:ext uri="{27BBF7A9-308A-43DC-89C8-2F10F3537804}">
-      <p15:sldGuideLst xmlns="" xmlns:p15="http://schemas.microsoft.com/office/powerpoint/2012/main">
+      <p15:sldGuideLst xmlns:p15="http://schemas.microsoft.com/office/powerpoint/2012/main" xmlns="">
         <p15:guide id="1" pos="92" userDrawn="1">
           <p15:clr>
             <a:srgbClr val="F26B43"/>
@@ -36181,7 +36187,7 @@
           <a:p>
             <a:fld id="{97839D77-1687-4253-A53A-4E73B54291DC}" type="datetime1">
               <a:rPr lang="en-US" smtClean="0"/>
-              <a:t>6/11/2016</a:t>
+              <a:t>6/14/2016</a:t>
             </a:fld>
             <a:endParaRPr lang="en-GB" dirty="0"/>
           </a:p>
@@ -36879,7 +36885,7 @@
   </p:txStyles>
   <p:extLst mod="1">
     <p:ext uri="{27BBF7A9-308A-43DC-89C8-2F10F3537804}">
-      <p15:sldGuideLst xmlns="" xmlns:p15="http://schemas.microsoft.com/office/powerpoint/2012/main">
+      <p15:sldGuideLst xmlns:p15="http://schemas.microsoft.com/office/powerpoint/2012/main" xmlns="">
         <p15:guide id="1" pos="92" userDrawn="1">
           <p15:clr>
             <a:srgbClr val="F26B43"/>
@@ -37681,7 +37687,7 @@
           <a:p>
             <a:fld id="{2E44BD0A-0D45-4899-B58A-8982333AB5E7}" type="datetime1">
               <a:rPr lang="en-US" smtClean="0"/>
-              <a:t>6/11/2016</a:t>
+              <a:t>6/14/2016</a:t>
             </a:fld>
             <a:endParaRPr lang="en-GB" dirty="0"/>
           </a:p>
@@ -38379,7 +38385,7 @@
   </p:txStyles>
   <p:extLst mod="1">
     <p:ext uri="{27BBF7A9-308A-43DC-89C8-2F10F3537804}">
-      <p15:sldGuideLst xmlns="" xmlns:p15="http://schemas.microsoft.com/office/powerpoint/2012/main">
+      <p15:sldGuideLst xmlns:p15="http://schemas.microsoft.com/office/powerpoint/2012/main" xmlns="">
         <p15:guide id="1" pos="92" userDrawn="1">
           <p15:clr>
             <a:srgbClr val="F26B43"/>
@@ -39181,7 +39187,7 @@
           <a:p>
             <a:fld id="{46572082-A843-4DFD-BD6B-D8F0268CA42E}" type="datetime1">
               <a:rPr lang="en-US" smtClean="0"/>
-              <a:t>6/11/2016</a:t>
+              <a:t>6/14/2016</a:t>
             </a:fld>
             <a:endParaRPr lang="en-GB" dirty="0"/>
           </a:p>
@@ -39879,7 +39885,7 @@
   </p:txStyles>
   <p:extLst mod="1">
     <p:ext uri="{27BBF7A9-308A-43DC-89C8-2F10F3537804}">
-      <p15:sldGuideLst xmlns="" xmlns:p15="http://schemas.microsoft.com/office/powerpoint/2012/main">
+      <p15:sldGuideLst xmlns:p15="http://schemas.microsoft.com/office/powerpoint/2012/main" xmlns="">
         <p15:guide id="1" pos="92" userDrawn="1">
           <p15:clr>
             <a:srgbClr val="F26B43"/>
@@ -40681,7 +40687,7 @@
           <a:p>
             <a:fld id="{72B4157D-E943-4631-AEF2-1C1B92F2CECB}" type="datetime1">
               <a:rPr lang="en-US" smtClean="0"/>
-              <a:t>6/11/2016</a:t>
+              <a:t>6/14/2016</a:t>
             </a:fld>
             <a:endParaRPr lang="en-GB" dirty="0"/>
           </a:p>
@@ -41379,7 +41385,7 @@
   </p:txStyles>
   <p:extLst mod="1">
     <p:ext uri="{27BBF7A9-308A-43DC-89C8-2F10F3537804}">
-      <p15:sldGuideLst xmlns="" xmlns:p15="http://schemas.microsoft.com/office/powerpoint/2012/main">
+      <p15:sldGuideLst xmlns:p15="http://schemas.microsoft.com/office/powerpoint/2012/main" xmlns="">
         <p15:guide id="1" pos="92" userDrawn="1">
           <p15:clr>
             <a:srgbClr val="F26B43"/>
@@ -42181,7 +42187,7 @@
           <a:p>
             <a:fld id="{FF46E5E2-F28F-42A1-BA7D-A071CD0D7504}" type="datetime1">
               <a:rPr lang="en-US" smtClean="0"/>
-              <a:t>6/11/2016</a:t>
+              <a:t>6/14/2016</a:t>
             </a:fld>
             <a:endParaRPr lang="en-GB" dirty="0"/>
           </a:p>
@@ -42879,7 +42885,7 @@
   </p:txStyles>
   <p:extLst mod="1">
     <p:ext uri="{27BBF7A9-308A-43DC-89C8-2F10F3537804}">
-      <p15:sldGuideLst xmlns="" xmlns:p15="http://schemas.microsoft.com/office/powerpoint/2012/main">
+      <p15:sldGuideLst xmlns:p15="http://schemas.microsoft.com/office/powerpoint/2012/main" xmlns="">
         <p15:guide id="1" pos="92" userDrawn="1">
           <p15:clr>
             <a:srgbClr val="F26B43"/>
@@ -43681,7 +43687,7 @@
           <a:p>
             <a:fld id="{6A31644F-E21F-4802-9BCB-0E3CD82F05A8}" type="datetime1">
               <a:rPr lang="en-US" smtClean="0"/>
-              <a:t>6/11/2016</a:t>
+              <a:t>6/14/2016</a:t>
             </a:fld>
             <a:endParaRPr lang="en-GB" dirty="0"/>
           </a:p>
@@ -44379,7 +44385,7 @@
   </p:txStyles>
   <p:extLst mod="1">
     <p:ext uri="{27BBF7A9-308A-43DC-89C8-2F10F3537804}">
-      <p15:sldGuideLst xmlns="" xmlns:p15="http://schemas.microsoft.com/office/powerpoint/2012/main">
+      <p15:sldGuideLst xmlns:p15="http://schemas.microsoft.com/office/powerpoint/2012/main" xmlns="">
         <p15:guide id="1" pos="92" userDrawn="1">
           <p15:clr>
             <a:srgbClr val="F26B43"/>
@@ -45181,7 +45187,7 @@
           <a:p>
             <a:fld id="{61648ABE-87B9-4651-A134-A20DFBAF1EF0}" type="datetime1">
               <a:rPr lang="en-US" smtClean="0"/>
-              <a:t>6/11/2016</a:t>
+              <a:t>6/14/2016</a:t>
             </a:fld>
             <a:endParaRPr lang="en-GB" dirty="0"/>
           </a:p>
@@ -45879,7 +45885,7 @@
   </p:txStyles>
   <p:extLst mod="1">
     <p:ext uri="{27BBF7A9-308A-43DC-89C8-2F10F3537804}">
-      <p15:sldGuideLst xmlns="" xmlns:p15="http://schemas.microsoft.com/office/powerpoint/2012/main">
+      <p15:sldGuideLst xmlns:p15="http://schemas.microsoft.com/office/powerpoint/2012/main" xmlns="">
         <p15:guide id="1" pos="92" userDrawn="1">
           <p15:clr>
             <a:srgbClr val="F26B43"/>
@@ -46405,7 +46411,7 @@
           <a:p>
             <a:fld id="{EEE2D816-90E4-4105-8795-5E6A0518533F}" type="datetime1">
               <a:rPr lang="en-US" smtClean="0"/>
-              <a:t>6/11/2016</a:t>
+              <a:t>6/14/2016</a:t>
             </a:fld>
             <a:endParaRPr lang="en-GB" dirty="0"/>
           </a:p>
@@ -46538,277 +46544,6 @@
 </file>
 
 <file path=ppt/slides/slide10.xml><?xml version="1.0" encoding="utf-8"?>
-<p:sld xmlns:a="http://schemas.openxmlformats.org/drawingml/2006/main" xmlns:r="http://schemas.openxmlformats.org/officeDocument/2006/relationships" xmlns:p="http://schemas.openxmlformats.org/presentationml/2006/main">
-  <p:cSld>
-    <p:spTree>
-      <p:nvGrpSpPr>
-        <p:cNvPr id="1" name=""/>
-        <p:cNvGrpSpPr/>
-        <p:nvPr/>
-      </p:nvGrpSpPr>
-      <p:grpSpPr>
-        <a:xfrm>
-          <a:off x="0" y="0"/>
-          <a:ext cx="0" cy="0"/>
-          <a:chOff x="0" y="0"/>
-          <a:chExt cx="0" cy="0"/>
-        </a:xfrm>
-      </p:grpSpPr>
-      <p:sp>
-        <p:nvSpPr>
-          <p:cNvPr id="2" name="Content Placeholder 1"/>
-          <p:cNvSpPr>
-            <a:spLocks noGrp="1"/>
-          </p:cNvSpPr>
-          <p:nvPr>
-            <p:ph idx="1"/>
-          </p:nvPr>
-        </p:nvSpPr>
-        <p:spPr/>
-        <p:txBody>
-          <a:bodyPr/>
-          <a:lstStyle/>
-          <a:p>
-            <a:pPr marL="0" indent="0">
-              <a:buNone/>
-            </a:pPr>
-            <a:r>
-              <a:rPr lang="de-CH" b="1" dirty="0" smtClean="0"/>
-              <a:t>Supervised Phase: </a:t>
-            </a:r>
-            <a:r>
-              <a:rPr lang="de-CH" dirty="0" smtClean="0"/>
-              <a:t>Shows a lot of variance</a:t>
-            </a:r>
-          </a:p>
-          <a:p>
-            <a:pPr marL="0" indent="0">
-              <a:buNone/>
-            </a:pPr>
-            <a:r>
-              <a:rPr lang="de-CH" b="1" dirty="0" smtClean="0"/>
-              <a:t>Goal: </a:t>
-            </a:r>
-            <a:r>
-              <a:rPr lang="de-CH" dirty="0" smtClean="0"/>
-              <a:t>Increase Robustness</a:t>
-            </a:r>
-            <a:endParaRPr lang="de-CH" b="1" dirty="0"/>
-          </a:p>
-          <a:p>
-            <a:pPr marL="0" indent="0">
-              <a:buNone/>
-            </a:pPr>
-            <a:r>
-              <a:rPr lang="de-CH" b="1" dirty="0" smtClean="0"/>
-              <a:t>Solution: </a:t>
-            </a:r>
-            <a:r>
-              <a:rPr lang="de-CH" dirty="0" smtClean="0"/>
-              <a:t>Use Meta Classifier</a:t>
-            </a:r>
-            <a:r>
-              <a:rPr lang="de-CH" b="1" dirty="0"/>
-              <a:t>	 </a:t>
-            </a:r>
-            <a:r>
-              <a:rPr lang="de-CH" b="1" dirty="0" smtClean="0"/>
-              <a:t>     </a:t>
-            </a:r>
-          </a:p>
-          <a:p>
-            <a:pPr marL="0" indent="0">
-              <a:buNone/>
-            </a:pPr>
-            <a:endParaRPr lang="de-CH" b="1" dirty="0"/>
-          </a:p>
-          <a:p>
-            <a:pPr marL="0" indent="0">
-              <a:buNone/>
-            </a:pPr>
-            <a:endParaRPr lang="de-CH" b="1" dirty="0" smtClean="0"/>
-          </a:p>
-          <a:p>
-            <a:pPr marL="0" indent="0">
-              <a:buNone/>
-            </a:pPr>
-            <a:endParaRPr lang="de-CH" b="1" dirty="0" smtClean="0"/>
-          </a:p>
-          <a:p>
-            <a:pPr marL="0" indent="0">
-              <a:buNone/>
-            </a:pPr>
-            <a:r>
-              <a:rPr lang="de-CH" b="1" dirty="0" smtClean="0"/>
-              <a:t>System 1: </a:t>
-            </a:r>
-            <a:r>
-              <a:rPr lang="de-CH" dirty="0" smtClean="0"/>
-              <a:t>Trained for different number of epochs</a:t>
-            </a:r>
-            <a:endParaRPr lang="de-CH" b="1" dirty="0" smtClean="0"/>
-          </a:p>
-          <a:p>
-            <a:pPr marL="0" indent="0">
-              <a:buNone/>
-            </a:pPr>
-            <a:r>
-              <a:rPr lang="de-CH" b="1" dirty="0" smtClean="0"/>
-              <a:t>System 2: </a:t>
-            </a:r>
-            <a:r>
-              <a:rPr lang="de-CH" dirty="0" smtClean="0"/>
-              <a:t>Trained until it reached good scores on all validation sets</a:t>
-            </a:r>
-            <a:endParaRPr lang="de-CH" b="1" dirty="0"/>
-          </a:p>
-        </p:txBody>
-      </p:sp>
-      <p:sp>
-        <p:nvSpPr>
-          <p:cNvPr id="3" name="Date Placeholder 2"/>
-          <p:cNvSpPr>
-            <a:spLocks noGrp="1"/>
-          </p:cNvSpPr>
-          <p:nvPr>
-            <p:ph type="dt" sz="half" idx="10"/>
-          </p:nvPr>
-        </p:nvSpPr>
-        <p:spPr/>
-        <p:txBody>
-          <a:bodyPr/>
-          <a:lstStyle/>
-          <a:p>
-            <a:fld id="{6BECE804-E277-4628-BF60-AC7558D59A6B}" type="datetime1">
-              <a:rPr lang="en-US" smtClean="0"/>
-              <a:t>6/11/2016</a:t>
-            </a:fld>
-            <a:endParaRPr lang="en-GB" dirty="0"/>
-          </a:p>
-        </p:txBody>
-      </p:sp>
-      <p:sp>
-        <p:nvSpPr>
-          <p:cNvPr id="4" name="Footer Placeholder 3"/>
-          <p:cNvSpPr>
-            <a:spLocks noGrp="1"/>
-          </p:cNvSpPr>
-          <p:nvPr>
-            <p:ph type="ftr" sz="quarter" idx="11"/>
-          </p:nvPr>
-        </p:nvSpPr>
-        <p:spPr/>
-        <p:txBody>
-          <a:bodyPr/>
-          <a:lstStyle/>
-          <a:p>
-            <a:r>
-              <a:rPr lang="en-GB" smtClean="0"/>
-              <a:t>Jan Deriu</a:t>
-            </a:r>
-            <a:endParaRPr lang="en-GB" dirty="0"/>
-          </a:p>
-        </p:txBody>
-      </p:sp>
-      <p:sp>
-        <p:nvSpPr>
-          <p:cNvPr id="5" name="Slide Number Placeholder 4"/>
-          <p:cNvSpPr>
-            <a:spLocks noGrp="1"/>
-          </p:cNvSpPr>
-          <p:nvPr>
-            <p:ph type="sldNum" sz="quarter" idx="12"/>
-          </p:nvPr>
-        </p:nvSpPr>
-        <p:spPr/>
-        <p:txBody>
-          <a:bodyPr/>
-          <a:lstStyle/>
-          <a:p>
-            <a:fld id="{6C6AE60A-B69C-4790-82F7-3882EDF23186}" type="slidenum">
-              <a:rPr lang="en-GB" smtClean="0"/>
-              <a:t>10</a:t>
-            </a:fld>
-            <a:endParaRPr lang="en-GB" dirty="0"/>
-          </a:p>
-        </p:txBody>
-      </p:sp>
-      <p:sp>
-        <p:nvSpPr>
-          <p:cNvPr id="6" name="Title 5"/>
-          <p:cNvSpPr>
-            <a:spLocks noGrp="1"/>
-          </p:cNvSpPr>
-          <p:nvPr>
-            <p:ph type="title"/>
-          </p:nvPr>
-        </p:nvSpPr>
-        <p:spPr/>
-        <p:txBody>
-          <a:bodyPr/>
-          <a:lstStyle/>
-          <a:p>
-            <a:r>
-              <a:rPr lang="de-CH" dirty="0" smtClean="0"/>
-              <a:t>Meta Classifier</a:t>
-            </a:r>
-            <a:endParaRPr lang="de-CH" dirty="0"/>
-          </a:p>
-        </p:txBody>
-      </p:sp>
-      <p:pic>
-        <p:nvPicPr>
-          <p:cNvPr id="7" name="Picture 6" descr="training_score_over_time_L3A.pdf - Adobe Acrobat Reader DC"/>
-          <p:cNvPicPr>
-            <a:picLocks noChangeAspect="1"/>
-          </p:cNvPicPr>
-          <p:nvPr/>
-        </p:nvPicPr>
-        <p:blipFill rotWithShape="1">
-          <a:blip r:embed="rId2" cstate="print">
-            <a:extLst>
-              <a:ext uri="{28A0092B-C50C-407E-A947-70E740481C1C}">
-                <a14:useLocalDpi xmlns:a14="http://schemas.microsoft.com/office/drawing/2010/main" val="0"/>
-              </a:ext>
-            </a:extLst>
-          </a:blip>
-          <a:srcRect l="9614" t="18048" r="27705" b="3576"/>
-          <a:stretch/>
-        </p:blipFill>
-        <p:spPr>
-          <a:xfrm>
-            <a:off x="6453659" y="1268760"/>
-            <a:ext cx="4971032" cy="3390468"/>
-          </a:xfrm>
-          <a:prstGeom prst="rect">
-            <a:avLst/>
-          </a:prstGeom>
-        </p:spPr>
-      </p:pic>
-    </p:spTree>
-    <p:extLst>
-      <p:ext uri="{BB962C8B-B14F-4D97-AF65-F5344CB8AC3E}">
-        <p14:creationId xmlns:p14="http://schemas.microsoft.com/office/powerpoint/2010/main" val="1115327486"/>
-      </p:ext>
-    </p:extLst>
-  </p:cSld>
-  <p:clrMapOvr>
-    <a:masterClrMapping/>
-  </p:clrMapOvr>
-  <p:transition>
-    <p:fade/>
-  </p:transition>
-  <p:timing>
-    <p:tnLst>
-      <p:par>
-        <p:cTn id="1" dur="indefinite" restart="never" nodeType="tmRoot"/>
-      </p:par>
-    </p:tnLst>
-  </p:timing>
-</p:sld>
-</file>
-
-<file path=ppt/slides/slide11.xml><?xml version="1.0" encoding="utf-8"?>
 <p:sld xmlns:a="http://schemas.openxmlformats.org/drawingml/2006/main" xmlns:r="http://schemas.openxmlformats.org/officeDocument/2006/relationships" xmlns:p="http://schemas.openxmlformats.org/presentationml/2006/main">
   <p:cSld>
     <p:spTree>
@@ -47931,7 +47666,7 @@
           <a:p>
             <a:fld id="{6BECE804-E277-4628-BF60-AC7558D59A6B}" type="datetime1">
               <a:rPr lang="en-US" smtClean="0"/>
-              <a:t>6/11/2016</a:t>
+              <a:t>6/14/2016</a:t>
             </a:fld>
             <a:endParaRPr lang="en-GB" dirty="0"/>
           </a:p>
@@ -47977,7 +47712,7 @@
           <a:p>
             <a:fld id="{6C6AE60A-B69C-4790-82F7-3882EDF23186}" type="slidenum">
               <a:rPr lang="en-GB" smtClean="0"/>
-              <a:t>11</a:t>
+              <a:t>10</a:t>
             </a:fld>
             <a:endParaRPr lang="en-GB" dirty="0"/>
           </a:p>
@@ -48029,7 +47764,7 @@
 </p:sld>
 </file>
 
-<file path=ppt/slides/slide12.xml><?xml version="1.0" encoding="utf-8"?>
+<file path=ppt/slides/slide11.xml><?xml version="1.0" encoding="utf-8"?>
 <p:sld xmlns:a="http://schemas.openxmlformats.org/drawingml/2006/main" xmlns:r="http://schemas.openxmlformats.org/officeDocument/2006/relationships" xmlns:p="http://schemas.openxmlformats.org/presentationml/2006/main">
   <p:cSld>
     <p:spTree>
@@ -48056,7 +47791,12 @@
             <p:ph idx="1"/>
           </p:nvPr>
         </p:nvSpPr>
-        <p:spPr/>
+        <p:spPr>
+          <a:xfrm>
+            <a:off x="323850" y="1772816"/>
+            <a:ext cx="11537950" cy="4210046"/>
+          </a:xfrm>
+        </p:spPr>
         <p:txBody>
           <a:bodyPr/>
           <a:lstStyle/>
@@ -48074,21 +47814,22 @@
               <a:buNone/>
             </a:pPr>
             <a:r>
-              <a:rPr lang="en-GB" sz="1800" dirty="0"/>
-              <a:t>Organisational </a:t>
-            </a:r>
-            <a:r>
               <a:rPr lang="en-GB" sz="1800" dirty="0" smtClean="0"/>
-              <a:t>unit</a:t>
-            </a:r>
+              <a:t>Data Analytics Lab</a:t>
+            </a:r>
+            <a:endParaRPr lang="en-GB" sz="1800" dirty="0" smtClean="0"/>
           </a:p>
           <a:p>
             <a:pPr marL="0" indent="0">
               <a:buNone/>
             </a:pPr>
             <a:r>
-              <a:rPr lang="en-GB" sz="1800" dirty="0"/>
-              <a:t>Street address</a:t>
+              <a:rPr lang="de-CH" sz="1800" dirty="0"/>
+              <a:t>Universitätstrasse </a:t>
+            </a:r>
+            <a:r>
+              <a:rPr lang="de-CH" sz="1800" dirty="0" smtClean="0"/>
+              <a:t>6</a:t>
             </a:r>
           </a:p>
           <a:p>
@@ -48096,8 +47837,12 @@
               <a:buNone/>
             </a:pPr>
             <a:r>
-              <a:rPr lang="en-GB" sz="1800" dirty="0"/>
-              <a:t>Postcode City</a:t>
+              <a:rPr lang="de-CH" sz="1800" dirty="0"/>
+              <a:t>8092 </a:t>
+            </a:r>
+            <a:r>
+              <a:rPr lang="de-CH" sz="1800" dirty="0" smtClean="0"/>
+              <a:t>Zürich</a:t>
             </a:r>
           </a:p>
           <a:p>
@@ -48130,16 +47875,12 @@
               <a:t>Publisher: </a:t>
             </a:r>
             <a:r>
+              <a:rPr lang="en-GB" sz="1800" dirty="0"/>
+              <a:t>Data Analytics </a:t>
+            </a:r>
+            <a:r>
               <a:rPr lang="en-GB" sz="1800" dirty="0" smtClean="0"/>
-              <a:t>Organisational</a:t>
-            </a:r>
-            <a:r>
-              <a:rPr lang="en-US" sz="1800" dirty="0" smtClean="0"/>
-              <a:t> </a:t>
-            </a:r>
-            <a:r>
-              <a:rPr lang="en-US" sz="1800" dirty="0"/>
-              <a:t>unit of ETH Zurich</a:t>
+              <a:t>Lab</a:t>
             </a:r>
           </a:p>
           <a:p>
@@ -48147,22 +47888,53 @@
               <a:buNone/>
             </a:pPr>
             <a:r>
-              <a:rPr lang="en-GB" sz="1800" dirty="0"/>
-              <a:t>Design: Designer Name</a:t>
-            </a:r>
+              <a:rPr lang="en-US" sz="1800" dirty="0" smtClean="0"/>
+              <a:t>Images</a:t>
+            </a:r>
+            <a:r>
+              <a:rPr lang="en-US" sz="1800" dirty="0"/>
+              <a:t>: </a:t>
+            </a:r>
+            <a:endParaRPr lang="en-US" sz="1800" dirty="0" smtClean="0"/>
           </a:p>
           <a:p>
             <a:pPr marL="0" indent="0">
               <a:buNone/>
             </a:pPr>
             <a:r>
+              <a:rPr lang="en-US" sz="1800" dirty="0" smtClean="0"/>
+              <a:t>https</a:t>
+            </a:r>
+            <a:r>
               <a:rPr lang="en-US" sz="1800" dirty="0"/>
-              <a:t>Images: Credit (slide xx), Credit (slide xx</a:t>
+              <a:t>://oprahismyreligion.files.wordpress.com/2015/09/positive-negative.png (</a:t>
+            </a:r>
+            <a:r>
+              <a:rPr lang="en-US" sz="1800" dirty="0"/>
+              <a:t>slide </a:t>
             </a:r>
             <a:r>
               <a:rPr lang="en-US" sz="1800" dirty="0" smtClean="0"/>
-              <a:t>)</a:t>
-            </a:r>
+              <a:t>2), </a:t>
+            </a:r>
+          </a:p>
+          <a:p>
+            <a:pPr marL="0" indent="0">
+              <a:buNone/>
+            </a:pPr>
+            <a:r>
+              <a:rPr lang="en-US" sz="1800" dirty="0" smtClean="0"/>
+              <a:t>Jan </a:t>
+            </a:r>
+            <a:r>
+              <a:rPr lang="en-US" sz="1800" dirty="0" err="1" smtClean="0"/>
+              <a:t>Deriu</a:t>
+            </a:r>
+            <a:r>
+              <a:rPr lang="en-US" sz="1800" dirty="0" smtClean="0"/>
+              <a:t> 2016 (slide 3,6,8,9)</a:t>
+            </a:r>
+            <a:endParaRPr lang="en-US" sz="1800" dirty="0" smtClean="0"/>
           </a:p>
           <a:p>
             <a:pPr marL="0" indent="0">
@@ -48198,7 +47970,7 @@
           <a:p>
             <a:fld id="{B70A900D-201B-4EE2-A83E-277BE7D79119}" type="datetime1">
               <a:rPr lang="en-US" smtClean="0"/>
-              <a:t>6/11/2016</a:t>
+              <a:t>6/14/2016</a:t>
             </a:fld>
             <a:endParaRPr lang="en-GB" dirty="0"/>
           </a:p>
@@ -48244,7 +48016,7 @@
           <a:p>
             <a:fld id="{6C6AE60A-B69C-4790-82F7-3882EDF23186}" type="slidenum">
               <a:rPr lang="en-GB" smtClean="0"/>
-              <a:t>12</a:t>
+              <a:t>11</a:t>
             </a:fld>
             <a:endParaRPr lang="en-GB" dirty="0"/>
           </a:p>
@@ -48312,15 +48084,124 @@
           <a:chExt cx="0" cy="0"/>
         </a:xfrm>
       </p:grpSpPr>
+      <p:sp>
+        <p:nvSpPr>
+          <p:cNvPr id="9" name="Content Placeholder 8"/>
+          <p:cNvSpPr>
+            <a:spLocks noGrp="1"/>
+          </p:cNvSpPr>
+          <p:nvPr>
+            <p:ph idx="1"/>
+          </p:nvPr>
+        </p:nvSpPr>
+        <p:spPr/>
+        <p:txBody>
+          <a:bodyPr/>
+          <a:lstStyle/>
+          <a:p>
+            <a:endParaRPr lang="de-CH" dirty="0"/>
+          </a:p>
+        </p:txBody>
+      </p:sp>
+      <p:sp>
+        <p:nvSpPr>
+          <p:cNvPr id="4" name="Date Placeholder 3"/>
+          <p:cNvSpPr>
+            <a:spLocks noGrp="1"/>
+          </p:cNvSpPr>
+          <p:nvPr>
+            <p:ph type="dt" sz="half" idx="10"/>
+          </p:nvPr>
+        </p:nvSpPr>
+        <p:spPr/>
+        <p:txBody>
+          <a:bodyPr/>
+          <a:lstStyle/>
+          <a:p>
+            <a:fld id="{075D72B4-5C16-422F-B700-29142F7AC408}" type="datetime1">
+              <a:rPr lang="en-US" smtClean="0"/>
+              <a:t>6/14/2016</a:t>
+            </a:fld>
+            <a:endParaRPr lang="en-GB" dirty="0"/>
+          </a:p>
+        </p:txBody>
+      </p:sp>
+      <p:sp>
+        <p:nvSpPr>
+          <p:cNvPr id="5" name="Footer Placeholder 4"/>
+          <p:cNvSpPr>
+            <a:spLocks noGrp="1"/>
+          </p:cNvSpPr>
+          <p:nvPr>
+            <p:ph type="ftr" sz="quarter" idx="11"/>
+          </p:nvPr>
+        </p:nvSpPr>
+        <p:spPr/>
+        <p:txBody>
+          <a:bodyPr/>
+          <a:lstStyle/>
+          <a:p>
+            <a:r>
+              <a:rPr lang="en-GB" smtClean="0"/>
+              <a:t>Jan Deriu</a:t>
+            </a:r>
+            <a:endParaRPr lang="en-GB" dirty="0"/>
+          </a:p>
+        </p:txBody>
+      </p:sp>
+      <p:sp>
+        <p:nvSpPr>
+          <p:cNvPr id="6" name="Slide Number Placeholder 5"/>
+          <p:cNvSpPr>
+            <a:spLocks noGrp="1"/>
+          </p:cNvSpPr>
+          <p:nvPr>
+            <p:ph type="sldNum" sz="quarter" idx="12"/>
+          </p:nvPr>
+        </p:nvSpPr>
+        <p:spPr/>
+        <p:txBody>
+          <a:bodyPr/>
+          <a:lstStyle/>
+          <a:p>
+            <a:fld id="{6C6AE60A-B69C-4790-82F7-3882EDF23186}" type="slidenum">
+              <a:rPr lang="en-GB" smtClean="0"/>
+              <a:t>2</a:t>
+            </a:fld>
+            <a:endParaRPr lang="en-GB" dirty="0"/>
+          </a:p>
+        </p:txBody>
+      </p:sp>
+      <p:sp>
+        <p:nvSpPr>
+          <p:cNvPr id="8" name="Title 7"/>
+          <p:cNvSpPr>
+            <a:spLocks noGrp="1"/>
+          </p:cNvSpPr>
+          <p:nvPr>
+            <p:ph type="title"/>
+          </p:nvPr>
+        </p:nvSpPr>
+        <p:spPr/>
+        <p:txBody>
+          <a:bodyPr/>
+          <a:lstStyle/>
+          <a:p>
+            <a:r>
+              <a:rPr lang="de-CH" dirty="0" smtClean="0"/>
+              <a:t>Sentiment Analysis Task</a:t>
+            </a:r>
+            <a:endParaRPr lang="de-CH" dirty="0"/>
+          </a:p>
+        </p:txBody>
+      </p:sp>
       <p:pic>
         <p:nvPicPr>
-          <p:cNvPr id="9" name="Bildplatzhalter 8"/>
+          <p:cNvPr id="1026" name="Picture 2" descr="https://oprahismyreligion.files.wordpress.com/2015/09/positive-negative.png"/>
           <p:cNvPicPr>
-            <a:picLocks noGrp="1" noChangeAspect="1"/>
+            <a:picLocks noChangeAspect="1" noChangeArrowheads="1"/>
           </p:cNvPicPr>
-          <p:nvPr>
-            <p:ph type="pic" sz="quarter" idx="10"/>
-          </p:nvPr>
+          <p:nvPr/>
         </p:nvPicPr>
         <p:blipFill>
           <a:blip r:embed="rId2">
@@ -48330,235 +48211,35 @@
               </a:ext>
             </a:extLst>
           </a:blip>
-          <a:srcRect t="5" b="5"/>
+          <a:srcRect/>
           <a:stretch>
             <a:fillRect/>
           </a:stretch>
         </p:blipFill>
-        <p:spPr/>
-      </p:pic>
-      <p:sp>
-        <p:nvSpPr>
-          <p:cNvPr id="3" name="Titel 2"/>
-          <p:cNvSpPr>
-            <a:spLocks noGrp="1"/>
-          </p:cNvSpPr>
-          <p:nvPr>
-            <p:ph type="ctrTitle"/>
-          </p:nvPr>
-        </p:nvSpPr>
-        <p:spPr/>
-        <p:txBody>
-          <a:bodyPr/>
-          <a:lstStyle/>
-          <a:p>
-            <a:endParaRPr lang="en-GB" dirty="0"/>
-          </a:p>
-        </p:txBody>
-      </p:sp>
-      <p:sp>
-        <p:nvSpPr>
-          <p:cNvPr id="6" name="Untertitel 5"/>
-          <p:cNvSpPr>
-            <a:spLocks noGrp="1"/>
-          </p:cNvSpPr>
-          <p:nvPr>
-            <p:ph type="subTitle" idx="1"/>
-          </p:nvPr>
-        </p:nvSpPr>
-        <p:spPr/>
-        <p:txBody>
-          <a:bodyPr/>
-          <a:lstStyle/>
-          <a:p>
-            <a:endParaRPr lang="en-GB" dirty="0"/>
-          </a:p>
-        </p:txBody>
-      </p:sp>
-      <p:grpSp>
-        <p:nvGrpSpPr>
-          <p:cNvPr id="10" name="Gruppieren 9"/>
-          <p:cNvGrpSpPr/>
-          <p:nvPr/>
-        </p:nvGrpSpPr>
-        <p:grpSpPr>
+        <p:spPr bwMode="auto">
           <a:xfrm>
-            <a:off x="144463" y="152401"/>
-            <a:ext cx="11897959" cy="612775"/>
-            <a:chOff x="144463" y="152401"/>
-            <a:chExt cx="11897959" cy="612775"/>
-          </a:xfrm>
-          <a:solidFill>
-            <a:schemeClr val="accent1"/>
-          </a:solidFill>
-        </p:grpSpPr>
-        <p:sp>
-          <p:nvSpPr>
-            <p:cNvPr id="11" name="Rechteck 10"/>
-            <p:cNvSpPr/>
-            <p:nvPr userDrawn="1"/>
-          </p:nvSpPr>
-          <p:spPr>
-            <a:xfrm>
-              <a:off x="144463" y="152401"/>
-              <a:ext cx="11896725" cy="471600"/>
-            </a:xfrm>
-            <a:prstGeom prst="rect">
-              <a:avLst/>
-            </a:prstGeom>
-            <a:grpFill/>
-            <a:ln>
-              <a:noFill/>
-            </a:ln>
-          </p:spPr>
-          <p:style>
-            <a:lnRef idx="2">
-              <a:schemeClr val="accent1">
-                <a:shade val="50000"/>
-              </a:schemeClr>
-            </a:lnRef>
-            <a:fillRef idx="1">
-              <a:schemeClr val="accent1"/>
-            </a:fillRef>
-            <a:effectRef idx="0">
-              <a:schemeClr val="accent1"/>
-            </a:effectRef>
-            <a:fontRef idx="minor">
-              <a:schemeClr val="lt1"/>
-            </a:fontRef>
-          </p:style>
-          <p:txBody>
-            <a:bodyPr rtlCol="0" anchor="ctr"/>
-            <a:lstStyle/>
-            <a:p>
-              <a:pPr algn="ctr"/>
-              <a:endParaRPr lang="en-GB" dirty="0"/>
-            </a:p>
-          </p:txBody>
-        </p:sp>
-        <p:sp>
-          <p:nvSpPr>
-            <p:cNvPr id="12" name="Rechteck 11"/>
-            <p:cNvSpPr/>
-            <p:nvPr userDrawn="1"/>
-          </p:nvSpPr>
-          <p:spPr>
-            <a:xfrm>
-              <a:off x="144463" y="597695"/>
-              <a:ext cx="186361" cy="167481"/>
-            </a:xfrm>
-            <a:prstGeom prst="rect">
-              <a:avLst/>
-            </a:prstGeom>
-            <a:grpFill/>
-            <a:ln>
-              <a:noFill/>
-            </a:ln>
-          </p:spPr>
-          <p:style>
-            <a:lnRef idx="2">
-              <a:schemeClr val="accent1">
-                <a:shade val="50000"/>
-              </a:schemeClr>
-            </a:lnRef>
-            <a:fillRef idx="1">
-              <a:schemeClr val="accent1"/>
-            </a:fillRef>
-            <a:effectRef idx="0">
-              <a:schemeClr val="accent1"/>
-            </a:effectRef>
-            <a:fontRef idx="minor">
-              <a:schemeClr val="lt1"/>
-            </a:fontRef>
-          </p:style>
-          <p:txBody>
-            <a:bodyPr rtlCol="0" anchor="ctr"/>
-            <a:lstStyle/>
-            <a:p>
-              <a:pPr algn="ctr"/>
-              <a:endParaRPr lang="en-GB" dirty="0"/>
-            </a:p>
-          </p:txBody>
-        </p:sp>
-        <p:sp>
-          <p:nvSpPr>
-            <p:cNvPr id="13" name="Rechteck 12"/>
-            <p:cNvSpPr/>
-            <p:nvPr userDrawn="1"/>
-          </p:nvSpPr>
-          <p:spPr>
-            <a:xfrm>
-              <a:off x="11855222" y="597694"/>
-              <a:ext cx="187200" cy="167481"/>
-            </a:xfrm>
-            <a:prstGeom prst="rect">
-              <a:avLst/>
-            </a:prstGeom>
-            <a:grpFill/>
-            <a:ln>
-              <a:noFill/>
-            </a:ln>
-          </p:spPr>
-          <p:style>
-            <a:lnRef idx="2">
-              <a:schemeClr val="accent1">
-                <a:shade val="50000"/>
-              </a:schemeClr>
-            </a:lnRef>
-            <a:fillRef idx="1">
-              <a:schemeClr val="accent1"/>
-            </a:fillRef>
-            <a:effectRef idx="0">
-              <a:schemeClr val="accent1"/>
-            </a:effectRef>
-            <a:fontRef idx="minor">
-              <a:schemeClr val="lt1"/>
-            </a:fontRef>
-          </p:style>
-          <p:txBody>
-            <a:bodyPr rtlCol="0" anchor="ctr"/>
-            <a:lstStyle/>
-            <a:p>
-              <a:pPr algn="ctr"/>
-              <a:endParaRPr lang="en-GB" dirty="0"/>
-            </a:p>
-          </p:txBody>
-        </p:sp>
-      </p:grpSp>
-      <p:pic>
-        <p:nvPicPr>
-          <p:cNvPr id="14" name="Bild 18" descr="g_eth_logo_kurz_neg_Schutzraum.eps"/>
-          <p:cNvPicPr>
-            <a:picLocks noChangeAspect="1"/>
-          </p:cNvPicPr>
-          <p:nvPr/>
-        </p:nvPicPr>
-        <p:blipFill>
-          <a:blip r:embed="rId3">
-            <a:extLst>
-              <a:ext uri="{28A0092B-C50C-407E-A947-70E740481C1C}">
-                <a14:useLocalDpi xmlns:a14="http://schemas.microsoft.com/office/drawing/2010/main" val="0"/>
-              </a:ext>
-            </a:extLst>
-          </a:blip>
-          <a:stretch>
-            <a:fillRect/>
-          </a:stretch>
-        </p:blipFill>
-        <p:spPr>
-          <a:xfrm>
-            <a:off x="324000" y="306000"/>
-            <a:ext cx="971061" cy="158400"/>
+            <a:off x="2493219" y="2276872"/>
+            <a:ext cx="7944828" cy="3469357"/>
           </a:xfrm>
           <a:prstGeom prst="rect">
             <a:avLst/>
           </a:prstGeom>
+          <a:noFill/>
+          <a:extLst>
+            <a:ext uri="{909E8E84-426E-40DD-AFC4-6F175D3DCCD1}">
+              <a14:hiddenFill xmlns:a14="http://schemas.microsoft.com/office/drawing/2010/main">
+                <a:solidFill>
+                  <a:srgbClr val="FFFFFF"/>
+                </a:solidFill>
+              </a14:hiddenFill>
+            </a:ext>
+          </a:extLst>
         </p:spPr>
       </p:pic>
     </p:spTree>
     <p:extLst>
       <p:ext uri="{BB962C8B-B14F-4D97-AF65-F5344CB8AC3E}">
-        <p14:creationId xmlns:p14="http://schemas.microsoft.com/office/powerpoint/2010/main" val="2956227373"/>
+        <p14:creationId xmlns:p14="http://schemas.microsoft.com/office/powerpoint/2010/main" val="1192194295"/>
       </p:ext>
     </p:extLst>
   </p:cSld>
@@ -48597,6 +48278,52 @@
       </p:grpSpPr>
       <p:sp>
         <p:nvSpPr>
+          <p:cNvPr id="11" name="Titel 10"/>
+          <p:cNvSpPr>
+            <a:spLocks noGrp="1"/>
+          </p:cNvSpPr>
+          <p:nvPr>
+            <p:ph type="ctrTitle"/>
+          </p:nvPr>
+        </p:nvSpPr>
+        <p:spPr/>
+        <p:txBody>
+          <a:bodyPr/>
+          <a:lstStyle/>
+          <a:p>
+            <a:r>
+              <a:rPr lang="en-GB" dirty="0" smtClean="0"/>
+              <a:t>2-Layer </a:t>
+            </a:r>
+            <a:r>
+              <a:rPr lang="en-GB" dirty="0" smtClean="0"/>
+              <a:t>Convolutional Neural Network</a:t>
+            </a:r>
+            <a:endParaRPr lang="en-GB" dirty="0"/>
+          </a:p>
+        </p:txBody>
+      </p:sp>
+      <p:sp>
+        <p:nvSpPr>
+          <p:cNvPr id="12" name="Untertitel 11"/>
+          <p:cNvSpPr>
+            <a:spLocks noGrp="1"/>
+          </p:cNvSpPr>
+          <p:nvPr>
+            <p:ph type="subTitle" idx="1"/>
+          </p:nvPr>
+        </p:nvSpPr>
+        <p:spPr/>
+        <p:txBody>
+          <a:bodyPr/>
+          <a:lstStyle/>
+          <a:p>
+            <a:endParaRPr lang="en-GB" dirty="0"/>
+          </a:p>
+        </p:txBody>
+      </p:sp>
+      <p:sp>
+        <p:nvSpPr>
           <p:cNvPr id="4" name="Datumsplatzhalter 3"/>
           <p:cNvSpPr>
             <a:spLocks noGrp="1"/>
@@ -48610,9 +48337,9 @@
           <a:bodyPr/>
           <a:lstStyle/>
           <a:p>
-            <a:fld id="{2F1731C5-FA0A-48E9-9F4F-2B8ECA2CC175}" type="datetime1">
+            <a:fld id="{9B952DB0-0507-496A-9BCF-7B1FAFB77518}" type="datetime1">
               <a:rPr lang="en-US" smtClean="0"/>
-              <a:t>6/11/2016</a:t>
+              <a:t>6/14/2016</a:t>
             </a:fld>
             <a:endParaRPr lang="en-GB" dirty="0"/>
           </a:p>
@@ -48665,22 +48392,38 @@
           </a:p>
         </p:txBody>
       </p:sp>
-      <p:sp>
-        <p:nvSpPr>
-          <p:cNvPr id="8" name="Picture Placeholder 7"/>
-          <p:cNvSpPr>
-            <a:spLocks noGrp="1"/>
-          </p:cNvSpPr>
+      <p:pic>
+        <p:nvPicPr>
+          <p:cNvPr id="2" name="Picture Placeholder 1" descr="cnn1.pdf - Adobe Acrobat Reader DC"/>
+          <p:cNvPicPr>
+            <a:picLocks noGrp="1" noChangeAspect="1"/>
+          </p:cNvPicPr>
           <p:nvPr>
             <p:ph type="pic" sz="quarter" idx="13"/>
           </p:nvPr>
-        </p:nvSpPr>
-        <p:spPr/>
-      </p:sp>
+        </p:nvPicPr>
+        <p:blipFill rotWithShape="1">
+          <a:blip r:embed="rId3">
+            <a:extLst>
+              <a:ext uri="{28A0092B-C50C-407E-A947-70E740481C1C}">
+                <a14:useLocalDpi xmlns:a14="http://schemas.microsoft.com/office/drawing/2010/main" val="0"/>
+              </a:ext>
+            </a:extLst>
+          </a:blip>
+          <a:srcRect l="11557" t="32157" r="12412" b="19858"/>
+          <a:stretch/>
+        </p:blipFill>
+        <p:spPr>
+          <a:xfrm>
+            <a:off x="365647" y="781771"/>
+            <a:ext cx="11511334" cy="3962099"/>
+          </a:xfrm>
+        </p:spPr>
+      </p:pic>
     </p:spTree>
     <p:extLst>
       <p:ext uri="{BB962C8B-B14F-4D97-AF65-F5344CB8AC3E}">
-        <p14:creationId xmlns:p14="http://schemas.microsoft.com/office/powerpoint/2010/main" val="3737279567"/>
+        <p14:creationId xmlns:p14="http://schemas.microsoft.com/office/powerpoint/2010/main" val="3801771638"/>
       </p:ext>
     </p:extLst>
   </p:cSld>
@@ -48717,186 +48460,6 @@
           <a:chExt cx="0" cy="0"/>
         </a:xfrm>
       </p:grpSpPr>
-      <p:sp>
-        <p:nvSpPr>
-          <p:cNvPr id="11" name="Titel 10"/>
-          <p:cNvSpPr>
-            <a:spLocks noGrp="1"/>
-          </p:cNvSpPr>
-          <p:nvPr>
-            <p:ph type="ctrTitle"/>
-          </p:nvPr>
-        </p:nvSpPr>
-        <p:spPr/>
-        <p:txBody>
-          <a:bodyPr/>
-          <a:lstStyle/>
-          <a:p>
-            <a:r>
-              <a:rPr lang="en-GB" dirty="0" smtClean="0"/>
-              <a:t>2 Layer Convolutional Neural Network</a:t>
-            </a:r>
-            <a:endParaRPr lang="en-GB" dirty="0"/>
-          </a:p>
-        </p:txBody>
-      </p:sp>
-      <p:sp>
-        <p:nvSpPr>
-          <p:cNvPr id="12" name="Untertitel 11"/>
-          <p:cNvSpPr>
-            <a:spLocks noGrp="1"/>
-          </p:cNvSpPr>
-          <p:nvPr>
-            <p:ph type="subTitle" idx="1"/>
-          </p:nvPr>
-        </p:nvSpPr>
-        <p:spPr/>
-        <p:txBody>
-          <a:bodyPr/>
-          <a:lstStyle/>
-          <a:p>
-            <a:endParaRPr lang="en-GB" dirty="0"/>
-          </a:p>
-        </p:txBody>
-      </p:sp>
-      <p:sp>
-        <p:nvSpPr>
-          <p:cNvPr id="4" name="Datumsplatzhalter 3"/>
-          <p:cNvSpPr>
-            <a:spLocks noGrp="1"/>
-          </p:cNvSpPr>
-          <p:nvPr>
-            <p:ph type="dt" sz="half" idx="10"/>
-          </p:nvPr>
-        </p:nvSpPr>
-        <p:spPr/>
-        <p:txBody>
-          <a:bodyPr/>
-          <a:lstStyle/>
-          <a:p>
-            <a:fld id="{9B952DB0-0507-496A-9BCF-7B1FAFB77518}" type="datetime1">
-              <a:rPr lang="en-US" smtClean="0"/>
-              <a:t>6/11/2016</a:t>
-            </a:fld>
-            <a:endParaRPr lang="en-GB" dirty="0"/>
-          </a:p>
-        </p:txBody>
-      </p:sp>
-      <p:sp>
-        <p:nvSpPr>
-          <p:cNvPr id="5" name="Fußzeilenplatzhalter 4"/>
-          <p:cNvSpPr>
-            <a:spLocks noGrp="1"/>
-          </p:cNvSpPr>
-          <p:nvPr>
-            <p:ph type="ftr" sz="quarter" idx="11"/>
-          </p:nvPr>
-        </p:nvSpPr>
-        <p:spPr/>
-        <p:txBody>
-          <a:bodyPr/>
-          <a:lstStyle/>
-          <a:p>
-            <a:r>
-              <a:rPr lang="en-GB" smtClean="0"/>
-              <a:t>Jan Deriu</a:t>
-            </a:r>
-            <a:endParaRPr lang="en-GB" dirty="0"/>
-          </a:p>
-        </p:txBody>
-      </p:sp>
-      <p:sp>
-        <p:nvSpPr>
-          <p:cNvPr id="6" name="Foliennummernplatzhalter 5"/>
-          <p:cNvSpPr>
-            <a:spLocks noGrp="1"/>
-          </p:cNvSpPr>
-          <p:nvPr>
-            <p:ph type="sldNum" sz="quarter" idx="12"/>
-          </p:nvPr>
-        </p:nvSpPr>
-        <p:spPr/>
-        <p:txBody>
-          <a:bodyPr/>
-          <a:lstStyle/>
-          <a:p>
-            <a:fld id="{6C6AE60A-B69C-4790-82F7-3882EDF23186}" type="slidenum">
-              <a:rPr lang="en-GB" smtClean="0"/>
-              <a:pPr/>
-              <a:t>4</a:t>
-            </a:fld>
-            <a:endParaRPr lang="en-GB" dirty="0"/>
-          </a:p>
-        </p:txBody>
-      </p:sp>
-      <p:pic>
-        <p:nvPicPr>
-          <p:cNvPr id="2" name="Picture Placeholder 1" descr="cnn1.pdf - Adobe Acrobat Reader DC"/>
-          <p:cNvPicPr>
-            <a:picLocks noGrp="1" noChangeAspect="1"/>
-          </p:cNvPicPr>
-          <p:nvPr>
-            <p:ph type="pic" sz="quarter" idx="13"/>
-          </p:nvPr>
-        </p:nvPicPr>
-        <p:blipFill rotWithShape="1">
-          <a:blip r:embed="rId3">
-            <a:extLst>
-              <a:ext uri="{28A0092B-C50C-407E-A947-70E740481C1C}">
-                <a14:useLocalDpi xmlns:a14="http://schemas.microsoft.com/office/drawing/2010/main" val="0"/>
-              </a:ext>
-            </a:extLst>
-          </a:blip>
-          <a:srcRect l="11557" t="32157" r="12412" b="19858"/>
-          <a:stretch/>
-        </p:blipFill>
-        <p:spPr>
-          <a:xfrm>
-            <a:off x="350466" y="620688"/>
-            <a:ext cx="11511334" cy="3962099"/>
-          </a:xfrm>
-        </p:spPr>
-      </p:pic>
-    </p:spTree>
-    <p:extLst>
-      <p:ext uri="{BB962C8B-B14F-4D97-AF65-F5344CB8AC3E}">
-        <p14:creationId xmlns:p14="http://schemas.microsoft.com/office/powerpoint/2010/main" val="3801771638"/>
-      </p:ext>
-    </p:extLst>
-  </p:cSld>
-  <p:clrMapOvr>
-    <a:masterClrMapping/>
-  </p:clrMapOvr>
-  <p:transition>
-    <p:fade/>
-  </p:transition>
-  <p:timing>
-    <p:tnLst>
-      <p:par>
-        <p:cTn id="1" dur="indefinite" restart="never" nodeType="tmRoot"/>
-      </p:par>
-    </p:tnLst>
-  </p:timing>
-</p:sld>
-</file>
-
-<file path=ppt/slides/slide5.xml><?xml version="1.0" encoding="utf-8"?>
-<p:sld xmlns:a="http://schemas.openxmlformats.org/drawingml/2006/main" xmlns:r="http://schemas.openxmlformats.org/officeDocument/2006/relationships" xmlns:p="http://schemas.openxmlformats.org/presentationml/2006/main">
-  <p:cSld>
-    <p:spTree>
-      <p:nvGrpSpPr>
-        <p:cNvPr id="1" name=""/>
-        <p:cNvGrpSpPr/>
-        <p:nvPr/>
-      </p:nvGrpSpPr>
-      <p:grpSpPr>
-        <a:xfrm>
-          <a:off x="0" y="0"/>
-          <a:ext cx="0" cy="0"/>
-          <a:chOff x="0" y="0"/>
-          <a:chExt cx="0" cy="0"/>
-        </a:xfrm>
-      </p:grpSpPr>
       <p:graphicFrame>
         <p:nvGraphicFramePr>
           <p:cNvPr id="2" name="Content Placeholder 1"/>
@@ -48907,7 +48470,7 @@
             <p:ph idx="1"/>
             <p:extLst>
               <p:ext uri="{D42A27DB-BD31-4B8C-83A1-F6EECF244321}">
-                <p14:modId xmlns:p14="http://schemas.microsoft.com/office/powerpoint/2010/main" val="2083331733"/>
+                <p14:modId xmlns:p14="http://schemas.microsoft.com/office/powerpoint/2010/main" val="1199066242"/>
               </p:ext>
             </p:extLst>
           </p:nvPr>
@@ -49127,11 +48690,11 @@
                     <a:p>
                       <a:r>
                         <a:rPr lang="de-CH" dirty="0" smtClean="0"/>
-                        <a:t>Pooling&amp;Striding</a:t>
+                        <a:t>Pooling &amp; Striding</a:t>
                       </a:r>
                       <a:r>
                         <a:rPr lang="de-CH" baseline="0" dirty="0" smtClean="0"/>
-                        <a:t> Lenght</a:t>
+                        <a:t> Length</a:t>
                       </a:r>
                       <a:endParaRPr lang="de-CH" dirty="0"/>
                     </a:p>
@@ -49276,7 +48839,7 @@
           <a:p>
             <a:fld id="{46C36DBD-1C70-4DC5-A9CD-B0DA57B42D53}" type="datetime1">
               <a:rPr lang="en-US" smtClean="0"/>
-              <a:t>6/11/2016</a:t>
+              <a:t>6/14/2016</a:t>
             </a:fld>
             <a:endParaRPr lang="en-GB" dirty="0"/>
           </a:p>
@@ -49327,7 +48890,7 @@
             <a:fld id="{6C6AE60A-B69C-4790-82F7-3882EDF23186}" type="slidenum">
               <a:rPr lang="en-GB" smtClean="0"/>
               <a:pPr/>
-              <a:t>5</a:t>
+              <a:t>4</a:t>
             </a:fld>
             <a:endParaRPr lang="en-GB" dirty="0"/>
           </a:p>
@@ -49477,7 +49040,15 @@
                 </a:r>
                 <a:r>
                   <a:rPr lang="de-CH" dirty="0" smtClean="0"/>
-                  <a:t>: No Regularization, No Dropout</a:t>
+                  <a:t>: No </a:t>
+                </a:r>
+                <a:r>
+                  <a:rPr lang="de-CH" dirty="0" smtClean="0"/>
+                  <a:t>Regularization, No </a:t>
+                </a:r>
+                <a:r>
+                  <a:rPr lang="de-CH" dirty="0" smtClean="0"/>
+                  <a:t>Dropout</a:t>
                 </a:r>
               </a:p>
               <a:p>
@@ -49495,7 +49066,19 @@
                 </a:r>
                 <a:r>
                   <a:rPr lang="de-CH" dirty="0" smtClean="0"/>
-                  <a:t>: L2  Regularization, No Dropout</a:t>
+                  <a:t>: L2 </a:t>
+                </a:r>
+                <a:r>
+                  <a:rPr lang="de-CH" dirty="0"/>
+                  <a:t> </a:t>
+                </a:r>
+                <a:r>
+                  <a:rPr lang="de-CH" dirty="0" smtClean="0"/>
+                  <a:t>Regularization, No </a:t>
+                </a:r>
+                <a:r>
+                  <a:rPr lang="de-CH" dirty="0" smtClean="0"/>
+                  <a:t>Dropout</a:t>
                 </a:r>
               </a:p>
               <a:p>
@@ -49566,7 +49149,7 @@
 </p:sld>
 </file>
 
-<file path=ppt/slides/slide6.xml><?xml version="1.0" encoding="utf-8"?>
+<file path=ppt/slides/slide5.xml><?xml version="1.0" encoding="utf-8"?>
 <p:sld xmlns:a="http://schemas.openxmlformats.org/drawingml/2006/main" xmlns:r="http://schemas.openxmlformats.org/officeDocument/2006/relationships" xmlns:p="http://schemas.openxmlformats.org/presentationml/2006/main">
   <p:cSld>
     <p:spTree>
@@ -49648,7 +49231,7 @@
           <a:p>
             <a:fld id="{E3193CEB-AE1C-4C4B-8F39-D67F30340B8E}" type="datetime1">
               <a:rPr lang="en-US" smtClean="0"/>
-              <a:t>6/11/2016</a:t>
+              <a:t>6/14/2016</a:t>
             </a:fld>
             <a:endParaRPr lang="en-GB" dirty="0"/>
           </a:p>
@@ -49695,7 +49278,7 @@
             <a:fld id="{6C6AE60A-B69C-4790-82F7-3882EDF23186}" type="slidenum">
               <a:rPr lang="en-GB" smtClean="0"/>
               <a:pPr/>
-              <a:t>6</a:t>
+              <a:t>5</a:t>
             </a:fld>
             <a:endParaRPr lang="en-GB" dirty="0"/>
           </a:p>
@@ -49724,7 +49307,7 @@
 </p:sld>
 </file>
 
-<file path=ppt/slides/slide7.xml><?xml version="1.0" encoding="utf-8"?>
+<file path=ppt/slides/slide6.xml><?xml version="1.0" encoding="utf-8"?>
 <p:sld xmlns:a="http://schemas.openxmlformats.org/drawingml/2006/main" xmlns:r="http://schemas.openxmlformats.org/officeDocument/2006/relationships" xmlns:p="http://schemas.openxmlformats.org/presentationml/2006/main">
   <p:cSld>
     <p:spTree>
@@ -49758,7 +49341,7 @@
           <a:p>
             <a:fld id="{C0B3CA8A-B0CF-4C68-B1AF-120B962ADEC6}" type="datetime1">
               <a:rPr lang="en-US" smtClean="0"/>
-              <a:t>6/11/2016</a:t>
+              <a:t>6/14/2016</a:t>
             </a:fld>
             <a:endParaRPr lang="en-GB" dirty="0"/>
           </a:p>
@@ -49805,7 +49388,7 @@
             <a:fld id="{6C6AE60A-B69C-4790-82F7-3882EDF23186}" type="slidenum">
               <a:rPr lang="en-GB" smtClean="0"/>
               <a:pPr/>
-              <a:t>7</a:t>
+              <a:t>6</a:t>
             </a:fld>
             <a:endParaRPr lang="en-GB" dirty="0"/>
           </a:p>
@@ -49881,7 +49464,7 @@
 </p:sld>
 </file>
 
-<file path=ppt/slides/slide8.xml><?xml version="1.0" encoding="utf-8"?>
+<file path=ppt/slides/slide7.xml><?xml version="1.0" encoding="utf-8"?>
 <p:sld xmlns:a="http://schemas.openxmlformats.org/drawingml/2006/main" xmlns:r="http://schemas.openxmlformats.org/officeDocument/2006/relationships" xmlns:p="http://schemas.openxmlformats.org/presentationml/2006/main">
   <p:cSld>
     <p:spTree>
@@ -49946,7 +49529,7 @@
           <a:p>
             <a:fld id="{38ADB25F-1182-4ADA-9A33-1B2E6F23FEC7}" type="datetime1">
               <a:rPr lang="en-US" smtClean="0"/>
-              <a:t>6/11/2016</a:t>
+              <a:t>6/14/2016</a:t>
             </a:fld>
             <a:endParaRPr lang="en-GB" dirty="0"/>
           </a:p>
@@ -49970,7 +49553,7 @@
             <a:fld id="{6C6AE60A-B69C-4790-82F7-3882EDF23186}" type="slidenum">
               <a:rPr lang="en-GB" smtClean="0"/>
               <a:pPr/>
-              <a:t>8</a:t>
+              <a:t>7</a:t>
             </a:fld>
             <a:endParaRPr lang="en-GB" dirty="0"/>
           </a:p>
@@ -50111,7 +49694,7 @@
 </p:sld>
 </file>
 
-<file path=ppt/slides/slide9.xml><?xml version="1.0" encoding="utf-8"?>
+<file path=ppt/slides/slide8.xml><?xml version="1.0" encoding="utf-8"?>
 <p:sld xmlns:a="http://schemas.openxmlformats.org/drawingml/2006/main" xmlns:r="http://schemas.openxmlformats.org/officeDocument/2006/relationships" xmlns:p="http://schemas.openxmlformats.org/presentationml/2006/main">
   <p:cSld>
     <p:spTree>
@@ -50145,7 +49728,7 @@
           <a:p>
             <a:fld id="{4DA79D6E-E7D3-46E3-BE8B-A79EA7458B0E}" type="datetime1">
               <a:rPr lang="en-US" smtClean="0"/>
-              <a:t>6/11/2016</a:t>
+              <a:t>6/14/2016</a:t>
             </a:fld>
             <a:endParaRPr lang="en-GB" dirty="0"/>
           </a:p>
@@ -50192,7 +49775,7 @@
             <a:fld id="{6C6AE60A-B69C-4790-82F7-3882EDF23186}" type="slidenum">
               <a:rPr lang="en-GB" smtClean="0"/>
               <a:pPr/>
-              <a:t>9</a:t>
+              <a:t>8</a:t>
             </a:fld>
             <a:endParaRPr lang="en-GB" dirty="0"/>
           </a:p>
@@ -50250,6 +49833,277 @@
     <p:extLst>
       <p:ext uri="{BB962C8B-B14F-4D97-AF65-F5344CB8AC3E}">
         <p14:creationId xmlns:p14="http://schemas.microsoft.com/office/powerpoint/2010/main" val="1019193639"/>
+      </p:ext>
+    </p:extLst>
+  </p:cSld>
+  <p:clrMapOvr>
+    <a:masterClrMapping/>
+  </p:clrMapOvr>
+  <p:transition>
+    <p:fade/>
+  </p:transition>
+  <p:timing>
+    <p:tnLst>
+      <p:par>
+        <p:cTn id="1" dur="indefinite" restart="never" nodeType="tmRoot"/>
+      </p:par>
+    </p:tnLst>
+  </p:timing>
+</p:sld>
+</file>
+
+<file path=ppt/slides/slide9.xml><?xml version="1.0" encoding="utf-8"?>
+<p:sld xmlns:a="http://schemas.openxmlformats.org/drawingml/2006/main" xmlns:r="http://schemas.openxmlformats.org/officeDocument/2006/relationships" xmlns:p="http://schemas.openxmlformats.org/presentationml/2006/main">
+  <p:cSld>
+    <p:spTree>
+      <p:nvGrpSpPr>
+        <p:cNvPr id="1" name=""/>
+        <p:cNvGrpSpPr/>
+        <p:nvPr/>
+      </p:nvGrpSpPr>
+      <p:grpSpPr>
+        <a:xfrm>
+          <a:off x="0" y="0"/>
+          <a:ext cx="0" cy="0"/>
+          <a:chOff x="0" y="0"/>
+          <a:chExt cx="0" cy="0"/>
+        </a:xfrm>
+      </p:grpSpPr>
+      <p:sp>
+        <p:nvSpPr>
+          <p:cNvPr id="2" name="Content Placeholder 1"/>
+          <p:cNvSpPr>
+            <a:spLocks noGrp="1"/>
+          </p:cNvSpPr>
+          <p:nvPr>
+            <p:ph idx="1"/>
+          </p:nvPr>
+        </p:nvSpPr>
+        <p:spPr/>
+        <p:txBody>
+          <a:bodyPr/>
+          <a:lstStyle/>
+          <a:p>
+            <a:pPr marL="0" indent="0">
+              <a:buNone/>
+            </a:pPr>
+            <a:r>
+              <a:rPr lang="de-CH" b="1" dirty="0" smtClean="0"/>
+              <a:t>Supervised Phase: </a:t>
+            </a:r>
+            <a:r>
+              <a:rPr lang="de-CH" dirty="0" smtClean="0"/>
+              <a:t>Shows a lot of variance</a:t>
+            </a:r>
+          </a:p>
+          <a:p>
+            <a:pPr marL="0" indent="0">
+              <a:buNone/>
+            </a:pPr>
+            <a:r>
+              <a:rPr lang="de-CH" b="1" dirty="0" smtClean="0"/>
+              <a:t>Goal: </a:t>
+            </a:r>
+            <a:r>
+              <a:rPr lang="de-CH" dirty="0" smtClean="0"/>
+              <a:t>Increase Robustness</a:t>
+            </a:r>
+            <a:endParaRPr lang="de-CH" b="1" dirty="0"/>
+          </a:p>
+          <a:p>
+            <a:pPr marL="0" indent="0">
+              <a:buNone/>
+            </a:pPr>
+            <a:r>
+              <a:rPr lang="de-CH" b="1" dirty="0" smtClean="0"/>
+              <a:t>Solution: </a:t>
+            </a:r>
+            <a:r>
+              <a:rPr lang="de-CH" dirty="0" smtClean="0"/>
+              <a:t>Use Meta Classifier</a:t>
+            </a:r>
+            <a:r>
+              <a:rPr lang="de-CH" b="1" dirty="0"/>
+              <a:t>	 </a:t>
+            </a:r>
+            <a:r>
+              <a:rPr lang="de-CH" b="1" dirty="0" smtClean="0"/>
+              <a:t>     </a:t>
+            </a:r>
+          </a:p>
+          <a:p>
+            <a:pPr marL="0" indent="0">
+              <a:buNone/>
+            </a:pPr>
+            <a:endParaRPr lang="de-CH" b="1" dirty="0"/>
+          </a:p>
+          <a:p>
+            <a:pPr marL="0" indent="0">
+              <a:buNone/>
+            </a:pPr>
+            <a:endParaRPr lang="de-CH" b="1" dirty="0" smtClean="0"/>
+          </a:p>
+          <a:p>
+            <a:pPr marL="0" indent="0">
+              <a:buNone/>
+            </a:pPr>
+            <a:endParaRPr lang="de-CH" b="1" dirty="0" smtClean="0"/>
+          </a:p>
+          <a:p>
+            <a:pPr marL="0" indent="0">
+              <a:buNone/>
+            </a:pPr>
+            <a:r>
+              <a:rPr lang="de-CH" b="1" dirty="0" smtClean="0"/>
+              <a:t>System 1: </a:t>
+            </a:r>
+            <a:r>
+              <a:rPr lang="de-CH" dirty="0" smtClean="0"/>
+              <a:t>Trained for different number of epochs</a:t>
+            </a:r>
+            <a:endParaRPr lang="de-CH" b="1" dirty="0" smtClean="0"/>
+          </a:p>
+          <a:p>
+            <a:pPr marL="0" indent="0">
+              <a:buNone/>
+            </a:pPr>
+            <a:r>
+              <a:rPr lang="de-CH" b="1" dirty="0" smtClean="0"/>
+              <a:t>System 2: </a:t>
+            </a:r>
+            <a:r>
+              <a:rPr lang="de-CH" dirty="0" smtClean="0"/>
+              <a:t>Trained until it reached good scores on all validation sets</a:t>
+            </a:r>
+            <a:endParaRPr lang="de-CH" b="1" dirty="0"/>
+          </a:p>
+        </p:txBody>
+      </p:sp>
+      <p:sp>
+        <p:nvSpPr>
+          <p:cNvPr id="3" name="Date Placeholder 2"/>
+          <p:cNvSpPr>
+            <a:spLocks noGrp="1"/>
+          </p:cNvSpPr>
+          <p:nvPr>
+            <p:ph type="dt" sz="half" idx="10"/>
+          </p:nvPr>
+        </p:nvSpPr>
+        <p:spPr/>
+        <p:txBody>
+          <a:bodyPr/>
+          <a:lstStyle/>
+          <a:p>
+            <a:fld id="{6BECE804-E277-4628-BF60-AC7558D59A6B}" type="datetime1">
+              <a:rPr lang="en-US" smtClean="0"/>
+              <a:t>6/14/2016</a:t>
+            </a:fld>
+            <a:endParaRPr lang="en-GB" dirty="0"/>
+          </a:p>
+        </p:txBody>
+      </p:sp>
+      <p:sp>
+        <p:nvSpPr>
+          <p:cNvPr id="4" name="Footer Placeholder 3"/>
+          <p:cNvSpPr>
+            <a:spLocks noGrp="1"/>
+          </p:cNvSpPr>
+          <p:nvPr>
+            <p:ph type="ftr" sz="quarter" idx="11"/>
+          </p:nvPr>
+        </p:nvSpPr>
+        <p:spPr/>
+        <p:txBody>
+          <a:bodyPr/>
+          <a:lstStyle/>
+          <a:p>
+            <a:r>
+              <a:rPr lang="en-GB" smtClean="0"/>
+              <a:t>Jan Deriu</a:t>
+            </a:r>
+            <a:endParaRPr lang="en-GB" dirty="0"/>
+          </a:p>
+        </p:txBody>
+      </p:sp>
+      <p:sp>
+        <p:nvSpPr>
+          <p:cNvPr id="5" name="Slide Number Placeholder 4"/>
+          <p:cNvSpPr>
+            <a:spLocks noGrp="1"/>
+          </p:cNvSpPr>
+          <p:nvPr>
+            <p:ph type="sldNum" sz="quarter" idx="12"/>
+          </p:nvPr>
+        </p:nvSpPr>
+        <p:spPr/>
+        <p:txBody>
+          <a:bodyPr/>
+          <a:lstStyle/>
+          <a:p>
+            <a:fld id="{6C6AE60A-B69C-4790-82F7-3882EDF23186}" type="slidenum">
+              <a:rPr lang="en-GB" smtClean="0"/>
+              <a:t>9</a:t>
+            </a:fld>
+            <a:endParaRPr lang="en-GB" dirty="0"/>
+          </a:p>
+        </p:txBody>
+      </p:sp>
+      <p:sp>
+        <p:nvSpPr>
+          <p:cNvPr id="6" name="Title 5"/>
+          <p:cNvSpPr>
+            <a:spLocks noGrp="1"/>
+          </p:cNvSpPr>
+          <p:nvPr>
+            <p:ph type="title"/>
+          </p:nvPr>
+        </p:nvSpPr>
+        <p:spPr/>
+        <p:txBody>
+          <a:bodyPr/>
+          <a:lstStyle/>
+          <a:p>
+            <a:r>
+              <a:rPr lang="de-CH" dirty="0" smtClean="0"/>
+              <a:t>Meta Classifier</a:t>
+            </a:r>
+            <a:endParaRPr lang="de-CH" dirty="0"/>
+          </a:p>
+        </p:txBody>
+      </p:sp>
+      <p:pic>
+        <p:nvPicPr>
+          <p:cNvPr id="7" name="Picture 6" descr="training_score_over_time_L3A.pdf - Adobe Acrobat Reader DC"/>
+          <p:cNvPicPr>
+            <a:picLocks noChangeAspect="1"/>
+          </p:cNvPicPr>
+          <p:nvPr/>
+        </p:nvPicPr>
+        <p:blipFill rotWithShape="1">
+          <a:blip r:embed="rId2" cstate="print">
+            <a:extLst>
+              <a:ext uri="{28A0092B-C50C-407E-A947-70E740481C1C}">
+                <a14:useLocalDpi xmlns:a14="http://schemas.microsoft.com/office/drawing/2010/main" val="0"/>
+              </a:ext>
+            </a:extLst>
+          </a:blip>
+          <a:srcRect l="9614" t="18048" r="27705" b="3576"/>
+          <a:stretch/>
+        </p:blipFill>
+        <p:spPr>
+          <a:xfrm>
+            <a:off x="6453659" y="1268760"/>
+            <a:ext cx="4971032" cy="3390468"/>
+          </a:xfrm>
+          <a:prstGeom prst="rect">
+            <a:avLst/>
+          </a:prstGeom>
+        </p:spPr>
+      </p:pic>
+    </p:spTree>
+    <p:extLst>
+      <p:ext uri="{BB962C8B-B14F-4D97-AF65-F5344CB8AC3E}">
+        <p14:creationId xmlns:p14="http://schemas.microsoft.com/office/powerpoint/2010/main" val="1115327486"/>
       </p:ext>
     </p:extLst>
   </p:cSld>
@@ -50679,7 +50533,7 @@
   </a:custClrLst>
   <a:extLst>
     <a:ext uri="{05A4C25C-085E-4340-85A3-A5531E510DB2}">
-      <thm15:themeFamily xmlns="" xmlns:thm15="http://schemas.microsoft.com/office/thememl/2012/main" name="eth_praesentation_16zu9_ETH1_d" id="{F9B539DF-8A69-4439-8089-24A40A980317}" vid="{5D9C827C-5BA7-402A-8ABB-C7F0BA4B4DEC}"/>
+      <thm15:themeFamily xmlns:thm15="http://schemas.microsoft.com/office/thememl/2012/main" xmlns="" name="eth_praesentation_16zu9_ETH1_d" id="{F9B539DF-8A69-4439-8089-24A40A980317}" vid="{5D9C827C-5BA7-402A-8ABB-C7F0BA4B4DEC}"/>
     </a:ext>
   </a:extLst>
 </a:theme>
@@ -51700,7 +51554,7 @@
   </a:custClrLst>
   <a:extLst>
     <a:ext uri="{05A4C25C-085E-4340-85A3-A5531E510DB2}">
-      <thm15:themeFamily xmlns="" xmlns:thm15="http://schemas.microsoft.com/office/thememl/2012/main" name="eth_praesentation_16zu9_ETH1_d" id="{F9B539DF-8A69-4439-8089-24A40A980317}" vid="{5D9C827C-5BA7-402A-8ABB-C7F0BA4B4DEC}"/>
+      <thm15:themeFamily xmlns:thm15="http://schemas.microsoft.com/office/thememl/2012/main" xmlns="" name="eth_praesentation_16zu9_ETH1_d" id="{F9B539DF-8A69-4439-8089-24A40A980317}" vid="{5D9C827C-5BA7-402A-8ABB-C7F0BA4B4DEC}"/>
     </a:ext>
   </a:extLst>
 </a:theme>
@@ -52116,7 +51970,7 @@
   </a:custClrLst>
   <a:extLst>
     <a:ext uri="{05A4C25C-085E-4340-85A3-A5531E510DB2}">
-      <thm15:themeFamily xmlns="" xmlns:thm15="http://schemas.microsoft.com/office/thememl/2012/main" name="eth_praesentation_16zu9_ETH1_d" id="{F9B539DF-8A69-4439-8089-24A40A980317}" vid="{5D9C827C-5BA7-402A-8ABB-C7F0BA4B4DEC}"/>
+      <thm15:themeFamily xmlns:thm15="http://schemas.microsoft.com/office/thememl/2012/main" xmlns="" name="eth_praesentation_16zu9_ETH1_d" id="{F9B539DF-8A69-4439-8089-24A40A980317}" vid="{5D9C827C-5BA7-402A-8ABB-C7F0BA4B4DEC}"/>
     </a:ext>
   </a:extLst>
 </a:theme>
@@ -52532,7 +52386,7 @@
   </a:custClrLst>
   <a:extLst>
     <a:ext uri="{05A4C25C-085E-4340-85A3-A5531E510DB2}">
-      <thm15:themeFamily xmlns="" xmlns:thm15="http://schemas.microsoft.com/office/thememl/2012/main" name="eth_praesentation_16zu9_ETH1_d" id="{F9B539DF-8A69-4439-8089-24A40A980317}" vid="{5D9C827C-5BA7-402A-8ABB-C7F0BA4B4DEC}"/>
+      <thm15:themeFamily xmlns:thm15="http://schemas.microsoft.com/office/thememl/2012/main" xmlns="" name="eth_praesentation_16zu9_ETH1_d" id="{F9B539DF-8A69-4439-8089-24A40A980317}" vid="{5D9C827C-5BA7-402A-8ABB-C7F0BA4B4DEC}"/>
     </a:ext>
   </a:extLst>
 </a:theme>
@@ -52948,7 +52802,7 @@
   </a:custClrLst>
   <a:extLst>
     <a:ext uri="{05A4C25C-085E-4340-85A3-A5531E510DB2}">
-      <thm15:themeFamily xmlns="" xmlns:thm15="http://schemas.microsoft.com/office/thememl/2012/main" name="eth_praesentation_16zu9_ETH1_d" id="{F9B539DF-8A69-4439-8089-24A40A980317}" vid="{5D9C827C-5BA7-402A-8ABB-C7F0BA4B4DEC}"/>
+      <thm15:themeFamily xmlns:thm15="http://schemas.microsoft.com/office/thememl/2012/main" xmlns="" name="eth_praesentation_16zu9_ETH1_d" id="{F9B539DF-8A69-4439-8089-24A40A980317}" vid="{5D9C827C-5BA7-402A-8ABB-C7F0BA4B4DEC}"/>
     </a:ext>
   </a:extLst>
 </a:theme>
@@ -53364,7 +53218,7 @@
   </a:custClrLst>
   <a:extLst>
     <a:ext uri="{05A4C25C-085E-4340-85A3-A5531E510DB2}">
-      <thm15:themeFamily xmlns="" xmlns:thm15="http://schemas.microsoft.com/office/thememl/2012/main" name="eth_praesentation_16zu9_ETH1_d" id="{F9B539DF-8A69-4439-8089-24A40A980317}" vid="{5D9C827C-5BA7-402A-8ABB-C7F0BA4B4DEC}"/>
+      <thm15:themeFamily xmlns:thm15="http://schemas.microsoft.com/office/thememl/2012/main" xmlns="" name="eth_praesentation_16zu9_ETH1_d" id="{F9B539DF-8A69-4439-8089-24A40A980317}" vid="{5D9C827C-5BA7-402A-8ABB-C7F0BA4B4DEC}"/>
     </a:ext>
   </a:extLst>
 </a:theme>
@@ -53780,7 +53634,7 @@
   </a:custClrLst>
   <a:extLst>
     <a:ext uri="{05A4C25C-085E-4340-85A3-A5531E510DB2}">
-      <thm15:themeFamily xmlns="" xmlns:thm15="http://schemas.microsoft.com/office/thememl/2012/main" name="eth_praesentation_16zu9_ETH1_d" id="{F9B539DF-8A69-4439-8089-24A40A980317}" vid="{5D9C827C-5BA7-402A-8ABB-C7F0BA4B4DEC}"/>
+      <thm15:themeFamily xmlns:thm15="http://schemas.microsoft.com/office/thememl/2012/main" xmlns="" name="eth_praesentation_16zu9_ETH1_d" id="{F9B539DF-8A69-4439-8089-24A40A980317}" vid="{5D9C827C-5BA7-402A-8ABB-C7F0BA4B4DEC}"/>
     </a:ext>
   </a:extLst>
 </a:theme>
@@ -54196,7 +54050,7 @@
   </a:custClrLst>
   <a:extLst>
     <a:ext uri="{05A4C25C-085E-4340-85A3-A5531E510DB2}">
-      <thm15:themeFamily xmlns="" xmlns:thm15="http://schemas.microsoft.com/office/thememl/2012/main" name="eth_praesentation_16zu9_ETH1_d" id="{F9B539DF-8A69-4439-8089-24A40A980317}" vid="{5D9C827C-5BA7-402A-8ABB-C7F0BA4B4DEC}"/>
+      <thm15:themeFamily xmlns:thm15="http://schemas.microsoft.com/office/thememl/2012/main" xmlns="" name="eth_praesentation_16zu9_ETH1_d" id="{F9B539DF-8A69-4439-8089-24A40A980317}" vid="{5D9C827C-5BA7-402A-8ABB-C7F0BA4B4DEC}"/>
     </a:ext>
   </a:extLst>
 </a:theme>
@@ -54612,7 +54466,7 @@
   </a:custClrLst>
   <a:extLst>
     <a:ext uri="{05A4C25C-085E-4340-85A3-A5531E510DB2}">
-      <thm15:themeFamily xmlns="" xmlns:thm15="http://schemas.microsoft.com/office/thememl/2012/main" name="eth_praesentation_16zu9_ETH1_d" id="{F9B539DF-8A69-4439-8089-24A40A980317}" vid="{5D9C827C-5BA7-402A-8ABB-C7F0BA4B4DEC}"/>
+      <thm15:themeFamily xmlns:thm15="http://schemas.microsoft.com/office/thememl/2012/main" xmlns="" name="eth_praesentation_16zu9_ETH1_d" id="{F9B539DF-8A69-4439-8089-24A40A980317}" vid="{5D9C827C-5BA7-402A-8ABB-C7F0BA4B4DEC}"/>
     </a:ext>
   </a:extLst>
 </a:theme>

--- a/Poster/SwissCheese.pptx
+++ b/Poster/SwissCheese.pptx
@@ -130,7 +130,7 @@
   </p:defaultTextStyle>
   <p:extLst>
     <p:ext uri="{EFAFB233-063F-42B5-8137-9DF3F51BA10A}">
-      <p15:sldGuideLst xmlns:p15="http://schemas.microsoft.com/office/powerpoint/2012/main" xmlns="">
+      <p15:sldGuideLst xmlns:p15="http://schemas.microsoft.com/office/powerpoint/2012/main">
         <p15:guide id="1" orient="horz" pos="391">
           <p15:clr>
             <a:srgbClr val="A4A3A4"/>
@@ -191,7 +191,26 @@
             <a:srgbClr val="A4A3A4"/>
           </p15:clr>
         </p15:guide>
+        <p15:guide id="13" orient="horz" pos="482">
+          <p15:clr>
+            <a:srgbClr val="A4A3A4"/>
+          </p15:clr>
+        </p15:guide>
       </p15:sldGuideLst>
+    </p:ext>
+    <p:ext uri="{2D200454-40CA-4A62-9FC3-DE9A4176ACB9}">
+      <p15:notesGuideLst xmlns:p15="http://schemas.microsoft.com/office/powerpoint/2012/main">
+        <p15:guide id="1" orient="horz" pos="3223">
+          <p15:clr>
+            <a:srgbClr val="A4A3A4"/>
+          </p15:clr>
+        </p15:guide>
+        <p15:guide id="2" pos="2236">
+          <p15:clr>
+            <a:srgbClr val="A4A3A4"/>
+          </p15:clr>
+        </p15:guide>
+      </p15:notesGuideLst>
     </p:ext>
   </p:extLst>
 </p:presentation>
@@ -200,7 +219,7 @@
 <file path=ppt/charts/chart1.xml><?xml version="1.0" encoding="utf-8"?>
 <c:chartSpace xmlns:c="http://schemas.openxmlformats.org/drawingml/2006/chart" xmlns:a="http://schemas.openxmlformats.org/drawingml/2006/main" xmlns:r="http://schemas.openxmlformats.org/officeDocument/2006/relationships">
   <c:date1904 val="0"/>
-  <c:lang val="de-CH"/>
+  <c:lang val="en-US"/>
   <c:roundedCorners val="0"/>
   <mc:AlternateContent xmlns:mc="http://schemas.openxmlformats.org/markup-compatibility/2006">
     <mc:Choice xmlns:c14="http://schemas.microsoft.com/office/drawing/2007/8/2/chart" Requires="c14">
@@ -356,11 +375,11 @@
           <c:showBubbleSize val="0"/>
         </c:dLbls>
         <c:gapWidth val="150"/>
-        <c:axId val="201643520"/>
-        <c:axId val="201645056"/>
+        <c:axId val="-2077577248"/>
+        <c:axId val="-2077574336"/>
       </c:barChart>
       <c:catAx>
-        <c:axId val="201643520"/>
+        <c:axId val="-2077577248"/>
         <c:scaling>
           <c:orientation val="minMax"/>
         </c:scaling>
@@ -369,7 +388,7 @@
         <c:majorTickMark val="out"/>
         <c:minorTickMark val="none"/>
         <c:tickLblPos val="nextTo"/>
-        <c:crossAx val="201645056"/>
+        <c:crossAx val="-2077574336"/>
         <c:crosses val="autoZero"/>
         <c:auto val="1"/>
         <c:lblAlgn val="ctr"/>
@@ -377,10 +396,10 @@
         <c:noMultiLvlLbl val="0"/>
       </c:catAx>
       <c:valAx>
-        <c:axId val="201645056"/>
+        <c:axId val="-2077574336"/>
         <c:scaling>
           <c:orientation val="minMax"/>
-          <c:min val="50"/>
+          <c:min val="50.0"/>
         </c:scaling>
         <c:delete val="0"/>
         <c:axPos val="l"/>
@@ -389,7 +408,7 @@
         <c:majorTickMark val="out"/>
         <c:minorTickMark val="none"/>
         <c:tickLblPos val="nextTo"/>
-        <c:crossAx val="201643520"/>
+        <c:crossAx val="-2077577248"/>
         <c:crosses val="autoZero"/>
         <c:crossBetween val="between"/>
       </c:valAx>
@@ -410,7 +429,7 @@
       <a:pPr>
         <a:defRPr sz="1800"/>
       </a:pPr>
-      <a:endParaRPr lang="de-DE"/>
+      <a:endParaRPr lang="en-US"/>
     </a:p>
   </c:txPr>
   <c:externalData r:id="rId1">
@@ -422,7 +441,7 @@
 <file path=ppt/charts/chart2.xml><?xml version="1.0" encoding="utf-8"?>
 <c:chartSpace xmlns:c="http://schemas.openxmlformats.org/drawingml/2006/chart" xmlns:a="http://schemas.openxmlformats.org/drawingml/2006/main" xmlns:r="http://schemas.openxmlformats.org/officeDocument/2006/relationships">
   <c:date1904 val="0"/>
-  <c:lang val="de-CH"/>
+  <c:lang val="en-US"/>
   <c:roundedCorners val="0"/>
   <mc:AlternateContent xmlns:mc="http://schemas.openxmlformats.org/markup-compatibility/2006">
     <mc:Choice xmlns:c14="http://schemas.microsoft.com/office/drawing/2007/8/2/chart" Requires="c14">
@@ -535,7 +554,7 @@
                   <c:v>60.72</c:v>
                 </c:pt>
                 <c:pt idx="3">
-                  <c:v>61</c:v>
+                  <c:v>61.0</c:v>
                 </c:pt>
                 <c:pt idx="4">
                   <c:v>61.43</c:v>
@@ -716,11 +735,11 @@
         </c:dLbls>
         <c:marker val="1"/>
         <c:smooth val="0"/>
-        <c:axId val="201574272"/>
-        <c:axId val="201576448"/>
+        <c:axId val="-2082596800"/>
+        <c:axId val="-2082590784"/>
       </c:lineChart>
       <c:catAx>
-        <c:axId val="201574272"/>
+        <c:axId val="-2082596800"/>
         <c:scaling>
           <c:orientation val="minMax"/>
         </c:scaling>
@@ -729,7 +748,7 @@
         <c:majorTickMark val="none"/>
         <c:minorTickMark val="none"/>
         <c:tickLblPos val="nextTo"/>
-        <c:crossAx val="201576448"/>
+        <c:crossAx val="-2082590784"/>
         <c:crosses val="autoZero"/>
         <c:auto val="1"/>
         <c:lblAlgn val="ctr"/>
@@ -737,10 +756,10 @@
         <c:noMultiLvlLbl val="0"/>
       </c:catAx>
       <c:valAx>
-        <c:axId val="201576448"/>
+        <c:axId val="-2082590784"/>
         <c:scaling>
           <c:orientation val="minMax"/>
-          <c:min val="59"/>
+          <c:min val="59.0"/>
         </c:scaling>
         <c:delete val="0"/>
         <c:axPos val="l"/>
@@ -773,7 +792,7 @@
         <c:majorTickMark val="none"/>
         <c:minorTickMark val="none"/>
         <c:tickLblPos val="nextTo"/>
-        <c:crossAx val="201574272"/>
+        <c:crossAx val="-2082596800"/>
         <c:crosses val="autoZero"/>
         <c:crossBetween val="between"/>
       </c:valAx>
@@ -825,7 +844,7 @@
           <a:cs typeface="+mn-cs"/>
         </a:defRPr>
       </a:pPr>
-      <a:endParaRPr lang="de-DE"/>
+      <a:endParaRPr lang="en-US"/>
     </a:p>
   </c:txPr>
   <c:externalData r:id="rId2">
@@ -4048,7 +4067,7 @@
               <a:rPr lang="de-DE" smtClean="0">
                 <a:latin typeface="Arial" panose="020B0604020202020204" pitchFamily="34" charset="0"/>
               </a:rPr>
-              <a:t>14.06.2016</a:t>
+              <a:t>15.06.16</a:t>
             </a:fld>
             <a:endParaRPr lang="de-DE" dirty="0">
               <a:latin typeface="Arial" panose="020B0604020202020204" pitchFamily="34" charset="0"/>
@@ -4227,7 +4246,7 @@
             <a:fld id="{BCDB334D-D17F-49C4-91DD-37BB7E818209}" type="datetimeFigureOut">
               <a:rPr lang="de-CH" smtClean="0"/>
               <a:pPr/>
-              <a:t>14.06.2016</a:t>
+              <a:t>15.06.16</a:t>
             </a:fld>
             <a:endParaRPr lang="de-CH" dirty="0"/>
           </a:p>
@@ -4742,7 +4761,7 @@
           <a:p>
             <a:fld id="{6A7B04B9-9AC5-4743-BF2D-5134D1823B07}" type="datetime1">
               <a:rPr lang="en-US" smtClean="0"/>
-              <a:t>6/14/2016</a:t>
+              <a:t>6/15/16</a:t>
             </a:fld>
             <a:endParaRPr lang="en-GB" dirty="0"/>
           </a:p>
@@ -5047,7 +5066,7 @@
           <a:p>
             <a:fld id="{4FC3C4BB-92EC-4277-AA05-728BE23471C6}" type="datetime1">
               <a:rPr lang="en-US" smtClean="0"/>
-              <a:t>6/14/2016</a:t>
+              <a:t>6/15/16</a:t>
             </a:fld>
             <a:endParaRPr lang="en-GB" dirty="0"/>
           </a:p>
@@ -5395,7 +5414,7 @@
           <a:p>
             <a:fld id="{6F1F84AB-0E5D-493A-AAE0-1A1B41795646}" type="datetime1">
               <a:rPr lang="en-US" smtClean="0"/>
-              <a:t>6/14/2016</a:t>
+              <a:t>6/15/16</a:t>
             </a:fld>
             <a:endParaRPr lang="en-GB" dirty="0"/>
           </a:p>
@@ -5703,7 +5722,7 @@
           <a:p>
             <a:fld id="{2DD4AEAC-29AA-4CF4-87B6-7EBC9CD7C65F}" type="datetime1">
               <a:rPr lang="en-US" smtClean="0"/>
-              <a:t>6/14/2016</a:t>
+              <a:t>6/15/16</a:t>
             </a:fld>
             <a:endParaRPr lang="en-GB" dirty="0"/>
           </a:p>
@@ -5810,7 +5829,7 @@
   </p:timing>
   <p:extLst mod="1">
     <p:ext uri="{DCECCB84-F9BA-43D5-87BE-67443E8EF086}">
-      <p15:sldGuideLst xmlns:p15="http://schemas.microsoft.com/office/powerpoint/2012/main" xmlns=""/>
+      <p15:sldGuideLst xmlns:p15="http://schemas.microsoft.com/office/powerpoint/2012/main"/>
     </p:ext>
   </p:extLst>
 </p:sldLayout>
@@ -6996,7 +7015,7 @@
           <a:p>
             <a:fld id="{1FB59854-AA05-4C6F-AA61-4145EE0421BF}" type="datetime1">
               <a:rPr lang="en-US" smtClean="0"/>
-              <a:t>6/14/2016</a:t>
+              <a:t>6/15/16</a:t>
             </a:fld>
             <a:endParaRPr lang="en-GB" dirty="0"/>
           </a:p>
@@ -7414,7 +7433,7 @@
           <a:p>
             <a:fld id="{3A62AFEC-574A-40CF-B51D-BAB997A79D93}" type="datetime1">
               <a:rPr lang="en-US" smtClean="0"/>
-              <a:t>6/14/2016</a:t>
+              <a:t>6/15/16</a:t>
             </a:fld>
             <a:endParaRPr lang="en-GB" dirty="0"/>
           </a:p>
@@ -7558,7 +7577,7 @@
           <a:p>
             <a:fld id="{0DB09B45-BDA3-41BB-885D-35647899D581}" type="datetime1">
               <a:rPr lang="en-US" smtClean="0"/>
-              <a:t>6/14/2016</a:t>
+              <a:t>6/15/16</a:t>
             </a:fld>
             <a:endParaRPr lang="en-GB" dirty="0"/>
           </a:p>
@@ -7699,7 +7718,7 @@
           <a:p>
             <a:fld id="{B12E0BD5-1749-492D-A18B-AFFC2B11E56E}" type="datetime1">
               <a:rPr lang="en-US" smtClean="0"/>
-              <a:t>6/14/2016</a:t>
+              <a:t>6/15/16</a:t>
             </a:fld>
             <a:endParaRPr lang="en-GB" dirty="0"/>
           </a:p>
@@ -7887,7 +7906,7 @@
           <a:p>
             <a:fld id="{AD828B19-E35F-493E-8E5B-6E5769F62EAA}" type="datetime1">
               <a:rPr lang="en-US" smtClean="0"/>
-              <a:t>6/14/2016</a:t>
+              <a:t>6/15/16</a:t>
             </a:fld>
             <a:endParaRPr lang="en-GB" dirty="0"/>
           </a:p>
@@ -8149,7 +8168,7 @@
           <a:p>
             <a:fld id="{7F0E1CA0-1120-470C-B2E9-CF5854E1E1E9}" type="datetime1">
               <a:rPr lang="en-US" smtClean="0"/>
-              <a:t>6/14/2016</a:t>
+              <a:t>6/15/16</a:t>
             </a:fld>
             <a:endParaRPr lang="en-GB" dirty="0"/>
           </a:p>
@@ -8497,7 +8516,7 @@
           <a:p>
             <a:fld id="{075D72B4-5C16-422F-B700-29142F7AC408}" type="datetime1">
               <a:rPr lang="en-US" smtClean="0"/>
-              <a:t>6/14/2016</a:t>
+              <a:t>6/15/16</a:t>
             </a:fld>
             <a:endParaRPr lang="en-GB" dirty="0"/>
           </a:p>
@@ -8809,7 +8828,7 @@
           <a:p>
             <a:fld id="{9F07C485-FF53-4D95-A343-6DDE70705EB1}" type="datetime1">
               <a:rPr lang="en-US" smtClean="0"/>
-              <a:t>6/14/2016</a:t>
+              <a:t>6/15/16</a:t>
             </a:fld>
             <a:endParaRPr lang="en-GB" dirty="0"/>
           </a:p>
@@ -9117,7 +9136,7 @@
           <a:p>
             <a:fld id="{EB0137D9-F2C4-4909-BC5A-FFE1FDFEBBF7}" type="datetime1">
               <a:rPr lang="en-US" smtClean="0"/>
-              <a:t>6/14/2016</a:t>
+              <a:t>6/15/16</a:t>
             </a:fld>
             <a:endParaRPr lang="en-GB" dirty="0"/>
           </a:p>
@@ -9224,7 +9243,7 @@
   </p:timing>
   <p:extLst mod="1">
     <p:ext uri="{DCECCB84-F9BA-43D5-87BE-67443E8EF086}">
-      <p15:sldGuideLst xmlns:p15="http://schemas.microsoft.com/office/powerpoint/2012/main" xmlns=""/>
+      <p15:sldGuideLst xmlns:p15="http://schemas.microsoft.com/office/powerpoint/2012/main"/>
     </p:ext>
   </p:extLst>
 </p:sldLayout>
@@ -10410,7 +10429,7 @@
           <a:p>
             <a:fld id="{696567E5-AED8-446B-B59E-54A5D7266EFB}" type="datetime1">
               <a:rPr lang="en-US" smtClean="0"/>
-              <a:t>6/14/2016</a:t>
+              <a:t>6/15/16</a:t>
             </a:fld>
             <a:endParaRPr lang="en-GB" dirty="0"/>
           </a:p>
@@ -10828,7 +10847,7 @@
           <a:p>
             <a:fld id="{F9059B79-89B6-421D-8E35-A5C05358A1C6}" type="datetime1">
               <a:rPr lang="en-US" smtClean="0"/>
-              <a:t>6/14/2016</a:t>
+              <a:t>6/15/16</a:t>
             </a:fld>
             <a:endParaRPr lang="en-GB" dirty="0"/>
           </a:p>
@@ -10972,7 +10991,7 @@
           <a:p>
             <a:fld id="{819AE76F-7490-4EF1-BC12-E6DB4DD56235}" type="datetime1">
               <a:rPr lang="en-US" smtClean="0"/>
-              <a:t>6/14/2016</a:t>
+              <a:t>6/15/16</a:t>
             </a:fld>
             <a:endParaRPr lang="en-GB" dirty="0"/>
           </a:p>
@@ -11113,7 +11132,7 @@
           <a:p>
             <a:fld id="{D1DEF222-2203-4EB6-9B63-B8B6C8E275D6}" type="datetime1">
               <a:rPr lang="en-US" smtClean="0"/>
-              <a:t>6/14/2016</a:t>
+              <a:t>6/15/16</a:t>
             </a:fld>
             <a:endParaRPr lang="en-GB" dirty="0"/>
           </a:p>
@@ -11301,7 +11320,7 @@
           <a:p>
             <a:fld id="{50313CB5-34C0-49E6-BB22-0757E4871D9A}" type="datetime1">
               <a:rPr lang="en-US" smtClean="0"/>
-              <a:t>6/14/2016</a:t>
+              <a:t>6/15/16</a:t>
             </a:fld>
             <a:endParaRPr lang="en-GB" dirty="0"/>
           </a:p>
@@ -11563,7 +11582,7 @@
           <a:p>
             <a:fld id="{86D44FCE-D02B-4A4A-B856-568EB044BC67}" type="datetime1">
               <a:rPr lang="en-US" smtClean="0"/>
-              <a:t>6/14/2016</a:t>
+              <a:t>6/15/16</a:t>
             </a:fld>
             <a:endParaRPr lang="en-GB" dirty="0"/>
           </a:p>
@@ -11911,7 +11930,7 @@
           <a:p>
             <a:fld id="{BADD32F3-2B15-404A-9157-F58009A178F8}" type="datetime1">
               <a:rPr lang="en-US" smtClean="0"/>
-              <a:t>6/14/2016</a:t>
+              <a:t>6/15/16</a:t>
             </a:fld>
             <a:endParaRPr lang="en-GB" dirty="0"/>
           </a:p>
@@ -12219,7 +12238,7 @@
           <a:p>
             <a:fld id="{DAA9486E-A38E-435F-A640-5F5DEB0566A8}" type="datetime1">
               <a:rPr lang="en-US" smtClean="0"/>
-              <a:t>6/14/2016</a:t>
+              <a:t>6/15/16</a:t>
             </a:fld>
             <a:endParaRPr lang="en-GB" dirty="0"/>
           </a:p>
@@ -12326,7 +12345,7 @@
   </p:timing>
   <p:extLst mod="1">
     <p:ext uri="{DCECCB84-F9BA-43D5-87BE-67443E8EF086}">
-      <p15:sldGuideLst xmlns:p15="http://schemas.microsoft.com/office/powerpoint/2012/main" xmlns=""/>
+      <p15:sldGuideLst xmlns:p15="http://schemas.microsoft.com/office/powerpoint/2012/main"/>
     </p:ext>
   </p:extLst>
 </p:sldLayout>
@@ -12532,7 +12551,7 @@
           <a:p>
             <a:fld id="{C72DEBC2-9CA8-458F-94CD-B3588D840EE0}" type="datetime1">
               <a:rPr lang="en-US" smtClean="0"/>
-              <a:t>6/14/2016</a:t>
+              <a:t>6/15/16</a:t>
             </a:fld>
             <a:endParaRPr lang="en-GB" dirty="0"/>
           </a:p>
@@ -12639,7 +12658,7 @@
   </p:timing>
   <p:extLst mod="1">
     <p:ext uri="{DCECCB84-F9BA-43D5-87BE-67443E8EF086}">
-      <p15:sldGuideLst xmlns:p15="http://schemas.microsoft.com/office/powerpoint/2012/main" xmlns=""/>
+      <p15:sldGuideLst xmlns:p15="http://schemas.microsoft.com/office/powerpoint/2012/main"/>
     </p:ext>
   </p:extLst>
 </p:sldLayout>
@@ -13825,7 +13844,7 @@
           <a:p>
             <a:fld id="{9C9D0E88-030B-41DB-AE2D-52FF1F8D1872}" type="datetime1">
               <a:rPr lang="en-US" smtClean="0"/>
-              <a:t>6/14/2016</a:t>
+              <a:t>6/15/16</a:t>
             </a:fld>
             <a:endParaRPr lang="en-GB" dirty="0"/>
           </a:p>
@@ -14243,7 +14262,7 @@
           <a:p>
             <a:fld id="{2DE91492-1921-4C04-A0F2-C13038DC4959}" type="datetime1">
               <a:rPr lang="en-US" smtClean="0"/>
-              <a:t>6/14/2016</a:t>
+              <a:t>6/15/16</a:t>
             </a:fld>
             <a:endParaRPr lang="en-GB" dirty="0"/>
           </a:p>
@@ -14387,7 +14406,7 @@
           <a:p>
             <a:fld id="{20CDF2AB-5B4F-42B5-AA18-52F99DB78B32}" type="datetime1">
               <a:rPr lang="en-US" smtClean="0"/>
-              <a:t>6/14/2016</a:t>
+              <a:t>6/15/16</a:t>
             </a:fld>
             <a:endParaRPr lang="en-GB" dirty="0"/>
           </a:p>
@@ -14528,7 +14547,7 @@
           <a:p>
             <a:fld id="{F5841912-212A-48D5-8F13-E762F4E3D330}" type="datetime1">
               <a:rPr lang="en-US" smtClean="0"/>
-              <a:t>6/14/2016</a:t>
+              <a:t>6/15/16</a:t>
             </a:fld>
             <a:endParaRPr lang="en-GB" dirty="0"/>
           </a:p>
@@ -14716,7 +14735,7 @@
           <a:p>
             <a:fld id="{7862A90D-743A-45B6-92CA-66A7CDD7B5BD}" type="datetime1">
               <a:rPr lang="en-US" smtClean="0"/>
-              <a:t>6/14/2016</a:t>
+              <a:t>6/15/16</a:t>
             </a:fld>
             <a:endParaRPr lang="en-GB" dirty="0"/>
           </a:p>
@@ -14978,7 +14997,7 @@
           <a:p>
             <a:fld id="{FAB5C8E8-1D9F-4B1B-AB53-6FAEA3CBF467}" type="datetime1">
               <a:rPr lang="en-US" smtClean="0"/>
-              <a:t>6/14/2016</a:t>
+              <a:t>6/15/16</a:t>
             </a:fld>
             <a:endParaRPr lang="en-GB" dirty="0"/>
           </a:p>
@@ -15326,7 +15345,7 @@
           <a:p>
             <a:fld id="{392AFB38-E72D-489B-A0BC-EC99D551F4F1}" type="datetime1">
               <a:rPr lang="en-US" smtClean="0"/>
-              <a:t>6/14/2016</a:t>
+              <a:t>6/15/16</a:t>
             </a:fld>
             <a:endParaRPr lang="en-GB" dirty="0"/>
           </a:p>
@@ -15634,7 +15653,7 @@
           <a:p>
             <a:fld id="{B20CF3FE-3215-4F5A-BB68-1AC94D5C3131}" type="datetime1">
               <a:rPr lang="en-US" smtClean="0"/>
-              <a:t>6/14/2016</a:t>
+              <a:t>6/15/16</a:t>
             </a:fld>
             <a:endParaRPr lang="en-GB" dirty="0"/>
           </a:p>
@@ -15741,7 +15760,7 @@
   </p:timing>
   <p:extLst mod="1">
     <p:ext uri="{DCECCB84-F9BA-43D5-87BE-67443E8EF086}">
-      <p15:sldGuideLst xmlns:p15="http://schemas.microsoft.com/office/powerpoint/2012/main" xmlns=""/>
+      <p15:sldGuideLst xmlns:p15="http://schemas.microsoft.com/office/powerpoint/2012/main"/>
     </p:ext>
   </p:extLst>
 </p:sldLayout>
@@ -17968,7 +17987,7 @@
           <a:p>
             <a:fld id="{9AC3A63B-15F6-48DD-A19F-70D462FFBE4B}" type="datetime1">
               <a:rPr lang="en-US" smtClean="0"/>
-              <a:t>6/14/2016</a:t>
+              <a:t>6/15/16</a:t>
             </a:fld>
             <a:endParaRPr lang="en-GB" dirty="0"/>
           </a:p>
@@ -18386,7 +18405,7 @@
           <a:p>
             <a:fld id="{ED0127FD-C8E1-4DF4-8724-07D0384925A0}" type="datetime1">
               <a:rPr lang="en-US" smtClean="0"/>
-              <a:t>6/14/2016</a:t>
+              <a:t>6/15/16</a:t>
             </a:fld>
             <a:endParaRPr lang="en-GB" dirty="0"/>
           </a:p>
@@ -18530,7 +18549,7 @@
           <a:p>
             <a:fld id="{F3216040-88C3-48F5-9938-992EAA66ADA5}" type="datetime1">
               <a:rPr lang="en-US" smtClean="0"/>
-              <a:t>6/14/2016</a:t>
+              <a:t>6/15/16</a:t>
             </a:fld>
             <a:endParaRPr lang="en-GB" dirty="0"/>
           </a:p>
@@ -18671,7 +18690,7 @@
           <a:p>
             <a:fld id="{7DA0D912-8CF0-4E65-98C3-6E2C8B3C031B}" type="datetime1">
               <a:rPr lang="en-US" smtClean="0"/>
-              <a:t>6/14/2016</a:t>
+              <a:t>6/15/16</a:t>
             </a:fld>
             <a:endParaRPr lang="en-GB" dirty="0"/>
           </a:p>
@@ -18859,7 +18878,7 @@
           <a:p>
             <a:fld id="{6BA246C4-F248-4762-A3F1-A827E4E7B9C7}" type="datetime1">
               <a:rPr lang="en-US" smtClean="0"/>
-              <a:t>6/14/2016</a:t>
+              <a:t>6/15/16</a:t>
             </a:fld>
             <a:endParaRPr lang="en-GB" dirty="0"/>
           </a:p>
@@ -19121,7 +19140,7 @@
           <a:p>
             <a:fld id="{9A55D6B4-AC1A-413D-A42C-79437AE675CD}" type="datetime1">
               <a:rPr lang="en-US" smtClean="0"/>
-              <a:t>6/14/2016</a:t>
+              <a:t>6/15/16</a:t>
             </a:fld>
             <a:endParaRPr lang="en-GB" dirty="0"/>
           </a:p>
@@ -19469,7 +19488,7 @@
           <a:p>
             <a:fld id="{6BFD2898-44B1-413B-89C0-8D19583B15F2}" type="datetime1">
               <a:rPr lang="en-US" smtClean="0"/>
-              <a:t>6/14/2016</a:t>
+              <a:t>6/15/16</a:t>
             </a:fld>
             <a:endParaRPr lang="en-GB" dirty="0"/>
           </a:p>
@@ -19777,7 +19796,7 @@
           <a:p>
             <a:fld id="{CD15F820-ADDA-41F5-9F1B-38581F420DB2}" type="datetime1">
               <a:rPr lang="en-US" smtClean="0"/>
-              <a:t>6/14/2016</a:t>
+              <a:t>6/15/16</a:t>
             </a:fld>
             <a:endParaRPr lang="en-GB" dirty="0"/>
           </a:p>
@@ -19884,7 +19903,7 @@
   </p:timing>
   <p:extLst mod="1">
     <p:ext uri="{DCECCB84-F9BA-43D5-87BE-67443E8EF086}">
-      <p15:sldGuideLst xmlns:p15="http://schemas.microsoft.com/office/powerpoint/2012/main" xmlns=""/>
+      <p15:sldGuideLst xmlns:p15="http://schemas.microsoft.com/office/powerpoint/2012/main"/>
     </p:ext>
   </p:extLst>
 </p:sldLayout>
@@ -21070,7 +21089,7 @@
           <a:p>
             <a:fld id="{6BECE804-E277-4628-BF60-AC7558D59A6B}" type="datetime1">
               <a:rPr lang="en-US" smtClean="0"/>
-              <a:t>6/14/2016</a:t>
+              <a:t>6/15/16</a:t>
             </a:fld>
             <a:endParaRPr lang="en-GB" dirty="0"/>
           </a:p>
@@ -21314,7 +21333,7 @@
           <a:p>
             <a:fld id="{C797275A-E172-44BE-9CFC-C3168AEF5C6F}" type="datetime1">
               <a:rPr lang="en-US" smtClean="0"/>
-              <a:t>6/14/2016</a:t>
+              <a:t>6/15/16</a:t>
             </a:fld>
             <a:endParaRPr lang="en-GB" dirty="0"/>
           </a:p>
@@ -21732,7 +21751,7 @@
           <a:p>
             <a:fld id="{1AEA0BE4-1BD2-42DD-B229-1B8DAD9BC421}" type="datetime1">
               <a:rPr lang="en-US" smtClean="0"/>
-              <a:t>6/14/2016</a:t>
+              <a:t>6/15/16</a:t>
             </a:fld>
             <a:endParaRPr lang="en-GB" dirty="0"/>
           </a:p>
@@ -21876,7 +21895,7 @@
           <a:p>
             <a:fld id="{B02C2020-E7BE-46BC-B4A2-7F5E65370E92}" type="datetime1">
               <a:rPr lang="en-US" smtClean="0"/>
-              <a:t>6/14/2016</a:t>
+              <a:t>6/15/16</a:t>
             </a:fld>
             <a:endParaRPr lang="en-GB" dirty="0"/>
           </a:p>
@@ -22017,7 +22036,7 @@
           <a:p>
             <a:fld id="{8DCA095F-DBC7-48FA-89B7-C7880B4D48B5}" type="datetime1">
               <a:rPr lang="en-US" smtClean="0"/>
-              <a:t>6/14/2016</a:t>
+              <a:t>6/15/16</a:t>
             </a:fld>
             <a:endParaRPr lang="en-GB" dirty="0"/>
           </a:p>
@@ -22205,7 +22224,7 @@
           <a:p>
             <a:fld id="{E491384C-515E-4BF4-8C20-E8B19802AEB2}" type="datetime1">
               <a:rPr lang="en-US" smtClean="0"/>
-              <a:t>6/14/2016</a:t>
+              <a:t>6/15/16</a:t>
             </a:fld>
             <a:endParaRPr lang="en-GB" dirty="0"/>
           </a:p>
@@ -22467,7 +22486,7 @@
           <a:p>
             <a:fld id="{1354CA01-5410-4D64-954E-80584FFCA751}" type="datetime1">
               <a:rPr lang="en-US" smtClean="0"/>
-              <a:t>6/14/2016</a:t>
+              <a:t>6/15/16</a:t>
             </a:fld>
             <a:endParaRPr lang="en-GB" dirty="0"/>
           </a:p>
@@ -22815,7 +22834,7 @@
           <a:p>
             <a:fld id="{FE945507-B485-4BE0-A049-7B787839054D}" type="datetime1">
               <a:rPr lang="en-US" smtClean="0"/>
-              <a:t>6/14/2016</a:t>
+              <a:t>6/15/16</a:t>
             </a:fld>
             <a:endParaRPr lang="en-GB" dirty="0"/>
           </a:p>
@@ -23123,7 +23142,7 @@
           <a:p>
             <a:fld id="{56C049AC-E14A-447C-9581-B0A214A0D4BD}" type="datetime1">
               <a:rPr lang="en-US" smtClean="0"/>
-              <a:t>6/14/2016</a:t>
+              <a:t>6/15/16</a:t>
             </a:fld>
             <a:endParaRPr lang="en-GB" dirty="0"/>
           </a:p>
@@ -23230,7 +23249,7 @@
   </p:timing>
   <p:extLst mod="1">
     <p:ext uri="{DCECCB84-F9BA-43D5-87BE-67443E8EF086}">
-      <p15:sldGuideLst xmlns:p15="http://schemas.microsoft.com/office/powerpoint/2012/main" xmlns=""/>
+      <p15:sldGuideLst xmlns:p15="http://schemas.microsoft.com/office/powerpoint/2012/main"/>
     </p:ext>
   </p:extLst>
 </p:sldLayout>
@@ -24416,7 +24435,7 @@
           <a:p>
             <a:fld id="{3A8972DF-ED09-4DDB-89D7-CA454FD959E8}" type="datetime1">
               <a:rPr lang="en-US" smtClean="0"/>
-              <a:t>6/14/2016</a:t>
+              <a:t>6/15/16</a:t>
             </a:fld>
             <a:endParaRPr lang="en-GB" dirty="0"/>
           </a:p>
@@ -24834,7 +24853,7 @@
           <a:p>
             <a:fld id="{782CF910-7AD8-4202-9FFA-CB6293889387}" type="datetime1">
               <a:rPr lang="en-US" smtClean="0"/>
-              <a:t>6/14/2016</a:t>
+              <a:t>6/15/16</a:t>
             </a:fld>
             <a:endParaRPr lang="en-GB" dirty="0"/>
           </a:p>
@@ -25247,7 +25266,7 @@
           <a:p>
             <a:fld id="{43AA01B7-1D8E-4E5A-ABB7-25B135A2E02A}" type="datetime1">
               <a:rPr lang="en-US" smtClean="0"/>
-              <a:t>6/14/2016</a:t>
+              <a:t>6/15/16</a:t>
             </a:fld>
             <a:endParaRPr lang="en-GB" dirty="0"/>
           </a:p>
@@ -25391,7 +25410,7 @@
           <a:p>
             <a:fld id="{51B16C9D-A602-4CD7-B64A-B57955D9BACE}" type="datetime1">
               <a:rPr lang="en-US" smtClean="0"/>
-              <a:t>6/14/2016</a:t>
+              <a:t>6/15/16</a:t>
             </a:fld>
             <a:endParaRPr lang="en-GB" dirty="0"/>
           </a:p>
@@ -25532,7 +25551,7 @@
           <a:p>
             <a:fld id="{C9B1975D-BA2A-41EF-92EB-D5193678D4C2}" type="datetime1">
               <a:rPr lang="en-US" smtClean="0"/>
-              <a:t>6/14/2016</a:t>
+              <a:t>6/15/16</a:t>
             </a:fld>
             <a:endParaRPr lang="en-GB" dirty="0"/>
           </a:p>
@@ -25720,7 +25739,7 @@
           <a:p>
             <a:fld id="{50CE462B-C5B3-45EF-8366-4120DCB830C5}" type="datetime1">
               <a:rPr lang="en-US" smtClean="0"/>
-              <a:t>6/14/2016</a:t>
+              <a:t>6/15/16</a:t>
             </a:fld>
             <a:endParaRPr lang="en-GB" dirty="0"/>
           </a:p>
@@ -25982,7 +26001,7 @@
           <a:p>
             <a:fld id="{DDD8E68C-C6F0-4A1F-86C6-3F4E5F730CBD}" type="datetime1">
               <a:rPr lang="en-US" smtClean="0"/>
-              <a:t>6/14/2016</a:t>
+              <a:t>6/15/16</a:t>
             </a:fld>
             <a:endParaRPr lang="en-GB" dirty="0"/>
           </a:p>
@@ -26330,7 +26349,7 @@
           <a:p>
             <a:fld id="{E396D49C-3D7E-4135-8E7C-6A81E7E84611}" type="datetime1">
               <a:rPr lang="en-US" smtClean="0"/>
-              <a:t>6/14/2016</a:t>
+              <a:t>6/15/16</a:t>
             </a:fld>
             <a:endParaRPr lang="en-GB" dirty="0"/>
           </a:p>
@@ -26638,7 +26657,7 @@
           <a:p>
             <a:fld id="{BDCCA45A-67D7-460C-94A7-F85CB4028C36}" type="datetime1">
               <a:rPr lang="en-US" smtClean="0"/>
-              <a:t>6/14/2016</a:t>
+              <a:t>6/15/16</a:t>
             </a:fld>
             <a:endParaRPr lang="en-GB" dirty="0"/>
           </a:p>
@@ -26745,7 +26764,7 @@
   </p:timing>
   <p:extLst mod="1">
     <p:ext uri="{DCECCB84-F9BA-43D5-87BE-67443E8EF086}">
-      <p15:sldGuideLst xmlns:p15="http://schemas.microsoft.com/office/powerpoint/2012/main" xmlns=""/>
+      <p15:sldGuideLst xmlns:p15="http://schemas.microsoft.com/office/powerpoint/2012/main"/>
     </p:ext>
   </p:extLst>
 </p:sldLayout>
@@ -27931,7 +27950,7 @@
           <a:p>
             <a:fld id="{C02ED278-B7A8-469A-8E71-547AF8912FAF}" type="datetime1">
               <a:rPr lang="en-US" smtClean="0"/>
-              <a:t>6/14/2016</a:t>
+              <a:t>6/15/16</a:t>
             </a:fld>
             <a:endParaRPr lang="en-GB" dirty="0"/>
           </a:p>
@@ -28349,7 +28368,7 @@
           <a:p>
             <a:fld id="{91B0549C-8580-4EE0-88ED-530574F906B4}" type="datetime1">
               <a:rPr lang="en-US" smtClean="0"/>
-              <a:t>6/14/2016</a:t>
+              <a:t>6/15/16</a:t>
             </a:fld>
             <a:endParaRPr lang="en-GB" dirty="0"/>
           </a:p>
@@ -28493,7 +28512,7 @@
           <a:p>
             <a:fld id="{37D84958-4D9A-4DFA-BE76-D07513FE2EF4}" type="datetime1">
               <a:rPr lang="en-US" smtClean="0"/>
-              <a:t>6/14/2016</a:t>
+              <a:t>6/15/16</a:t>
             </a:fld>
             <a:endParaRPr lang="en-GB" dirty="0"/>
           </a:p>
@@ -28629,7 +28648,7 @@
           <a:p>
             <a:fld id="{F238C8A7-3A43-4BCD-BAB3-67E208D82E7B}" type="datetime1">
               <a:rPr lang="en-US" smtClean="0"/>
-              <a:t>6/14/2016</a:t>
+              <a:t>6/15/16</a:t>
             </a:fld>
             <a:endParaRPr lang="en-GB" dirty="0"/>
           </a:p>
@@ -28770,7 +28789,7 @@
           <a:p>
             <a:fld id="{07C31D46-BDA5-4F47-8C11-30560B4D268F}" type="datetime1">
               <a:rPr lang="en-US" smtClean="0"/>
-              <a:t>6/14/2016</a:t>
+              <a:t>6/15/16</a:t>
             </a:fld>
             <a:endParaRPr lang="en-GB" dirty="0"/>
           </a:p>
@@ -28958,7 +28977,7 @@
           <a:p>
             <a:fld id="{58819A6B-8DEF-4632-A029-A39E9463BAE7}" type="datetime1">
               <a:rPr lang="en-US" smtClean="0"/>
-              <a:t>6/14/2016</a:t>
+              <a:t>6/15/16</a:t>
             </a:fld>
             <a:endParaRPr lang="en-GB" dirty="0"/>
           </a:p>
@@ -29220,7 +29239,7 @@
           <a:p>
             <a:fld id="{C735D59A-2A62-4395-BD49-69E513778E1A}" type="datetime1">
               <a:rPr lang="en-US" smtClean="0"/>
-              <a:t>6/14/2016</a:t>
+              <a:t>6/15/16</a:t>
             </a:fld>
             <a:endParaRPr lang="en-GB" dirty="0"/>
           </a:p>
@@ -29568,7 +29587,7 @@
           <a:p>
             <a:fld id="{F529ACE0-2BBC-4AA3-AFB6-BC83197D40DF}" type="datetime1">
               <a:rPr lang="en-US" smtClean="0"/>
-              <a:t>6/14/2016</a:t>
+              <a:t>6/15/16</a:t>
             </a:fld>
             <a:endParaRPr lang="en-GB" dirty="0"/>
           </a:p>
@@ -29876,7 +29895,7 @@
           <a:p>
             <a:fld id="{1EC5E99E-0B8C-4216-9F4B-A605D97D5BA0}" type="datetime1">
               <a:rPr lang="en-US" smtClean="0"/>
-              <a:t>6/14/2016</a:t>
+              <a:t>6/15/16</a:t>
             </a:fld>
             <a:endParaRPr lang="en-GB" dirty="0"/>
           </a:p>
@@ -29983,7 +30002,7 @@
   </p:timing>
   <p:extLst mod="1">
     <p:ext uri="{DCECCB84-F9BA-43D5-87BE-67443E8EF086}">
-      <p15:sldGuideLst xmlns:p15="http://schemas.microsoft.com/office/powerpoint/2012/main" xmlns=""/>
+      <p15:sldGuideLst xmlns:p15="http://schemas.microsoft.com/office/powerpoint/2012/main"/>
     </p:ext>
   </p:extLst>
 </p:sldLayout>
@@ -31169,7 +31188,7 @@
           <a:p>
             <a:fld id="{2B203643-CD52-4376-BD23-A85D6D2B73C7}" type="datetime1">
               <a:rPr lang="en-US" smtClean="0"/>
-              <a:t>6/14/2016</a:t>
+              <a:t>6/15/16</a:t>
             </a:fld>
             <a:endParaRPr lang="en-GB" dirty="0"/>
           </a:p>
@@ -31587,7 +31606,7 @@
           <a:p>
             <a:fld id="{AEC1A687-9411-4652-8B97-7508ADA2CCA9}" type="datetime1">
               <a:rPr lang="en-US" smtClean="0"/>
-              <a:t>6/14/2016</a:t>
+              <a:t>6/15/16</a:t>
             </a:fld>
             <a:endParaRPr lang="en-GB" dirty="0"/>
           </a:p>
@@ -31731,7 +31750,7 @@
           <a:p>
             <a:fld id="{CA0D0B5F-7D17-42BE-A6E4-C95C5EEC3558}" type="datetime1">
               <a:rPr lang="en-US" smtClean="0"/>
-              <a:t>6/14/2016</a:t>
+              <a:t>6/15/16</a:t>
             </a:fld>
             <a:endParaRPr lang="en-GB" dirty="0"/>
           </a:p>
@@ -31872,7 +31891,7 @@
           <a:p>
             <a:fld id="{3FE87F81-5497-4C59-98AC-AB4C39FCC140}" type="datetime1">
               <a:rPr lang="en-US" smtClean="0"/>
-              <a:t>6/14/2016</a:t>
+              <a:t>6/15/16</a:t>
             </a:fld>
             <a:endParaRPr lang="en-GB" dirty="0"/>
           </a:p>
@@ -32014,7 +32033,7 @@
           <a:p>
             <a:fld id="{E9555C18-FD7A-418B-973F-88E5D820445B}" type="datetime1">
               <a:rPr lang="en-US" smtClean="0"/>
-              <a:t>6/14/2016</a:t>
+              <a:t>6/15/16</a:t>
             </a:fld>
             <a:endParaRPr lang="en-GB" dirty="0"/>
           </a:p>
@@ -32202,7 +32221,7 @@
           <a:p>
             <a:fld id="{09DCDB52-5292-49CC-8396-BD2F75DB0C4F}" type="datetime1">
               <a:rPr lang="en-US" smtClean="0"/>
-              <a:t>6/14/2016</a:t>
+              <a:t>6/15/16</a:t>
             </a:fld>
             <a:endParaRPr lang="en-GB" dirty="0"/>
           </a:p>
@@ -32387,7 +32406,7 @@
           <a:p>
             <a:fld id="{907A73EC-D0C7-4375-871E-F24FBC8EC939}" type="datetime1">
               <a:rPr lang="en-US" smtClean="0"/>
-              <a:t>6/14/2016</a:t>
+              <a:t>6/15/16</a:t>
             </a:fld>
             <a:endParaRPr lang="en-GB" dirty="0"/>
           </a:p>
@@ -33232,7 +33251,7 @@
           <a:p>
             <a:fld id="{5385EC9C-8A6E-47C6-B150-7DB08793E12F}" type="datetime1">
               <a:rPr lang="en-US" smtClean="0"/>
-              <a:t>6/14/2016</a:t>
+              <a:t>6/15/16</a:t>
             </a:fld>
             <a:endParaRPr lang="en-GB" dirty="0"/>
           </a:p>
@@ -33885,7 +33904,7 @@
   </p:txStyles>
   <p:extLst mod="1">
     <p:ext uri="{27BBF7A9-308A-43DC-89C8-2F10F3537804}">
-      <p15:sldGuideLst xmlns:p15="http://schemas.microsoft.com/office/powerpoint/2012/main" xmlns="">
+      <p15:sldGuideLst xmlns:p15="http://schemas.microsoft.com/office/powerpoint/2012/main">
         <p15:guide id="1" pos="92" userDrawn="1">
           <p15:clr>
             <a:srgbClr val="F26B43"/>
@@ -34687,7 +34706,7 @@
           <a:p>
             <a:fld id="{6EF57FE9-98F9-432E-AC70-7677CCD42196}" type="datetime1">
               <a:rPr lang="en-US" smtClean="0"/>
-              <a:t>6/14/2016</a:t>
+              <a:t>6/15/16</a:t>
             </a:fld>
             <a:endParaRPr lang="en-GB" dirty="0"/>
           </a:p>
@@ -35385,7 +35404,7 @@
   </p:txStyles>
   <p:extLst mod="1">
     <p:ext uri="{27BBF7A9-308A-43DC-89C8-2F10F3537804}">
-      <p15:sldGuideLst xmlns:p15="http://schemas.microsoft.com/office/powerpoint/2012/main" xmlns="">
+      <p15:sldGuideLst xmlns:p15="http://schemas.microsoft.com/office/powerpoint/2012/main">
         <p15:guide id="1" pos="92" userDrawn="1">
           <p15:clr>
             <a:srgbClr val="F26B43"/>
@@ -36187,7 +36206,7 @@
           <a:p>
             <a:fld id="{97839D77-1687-4253-A53A-4E73B54291DC}" type="datetime1">
               <a:rPr lang="en-US" smtClean="0"/>
-              <a:t>6/14/2016</a:t>
+              <a:t>6/15/16</a:t>
             </a:fld>
             <a:endParaRPr lang="en-GB" dirty="0"/>
           </a:p>
@@ -36885,7 +36904,7 @@
   </p:txStyles>
   <p:extLst mod="1">
     <p:ext uri="{27BBF7A9-308A-43DC-89C8-2F10F3537804}">
-      <p15:sldGuideLst xmlns:p15="http://schemas.microsoft.com/office/powerpoint/2012/main" xmlns="">
+      <p15:sldGuideLst xmlns:p15="http://schemas.microsoft.com/office/powerpoint/2012/main">
         <p15:guide id="1" pos="92" userDrawn="1">
           <p15:clr>
             <a:srgbClr val="F26B43"/>
@@ -37687,7 +37706,7 @@
           <a:p>
             <a:fld id="{2E44BD0A-0D45-4899-B58A-8982333AB5E7}" type="datetime1">
               <a:rPr lang="en-US" smtClean="0"/>
-              <a:t>6/14/2016</a:t>
+              <a:t>6/15/16</a:t>
             </a:fld>
             <a:endParaRPr lang="en-GB" dirty="0"/>
           </a:p>
@@ -38385,7 +38404,7 @@
   </p:txStyles>
   <p:extLst mod="1">
     <p:ext uri="{27BBF7A9-308A-43DC-89C8-2F10F3537804}">
-      <p15:sldGuideLst xmlns:p15="http://schemas.microsoft.com/office/powerpoint/2012/main" xmlns="">
+      <p15:sldGuideLst xmlns:p15="http://schemas.microsoft.com/office/powerpoint/2012/main">
         <p15:guide id="1" pos="92" userDrawn="1">
           <p15:clr>
             <a:srgbClr val="F26B43"/>
@@ -39187,7 +39206,7 @@
           <a:p>
             <a:fld id="{46572082-A843-4DFD-BD6B-D8F0268CA42E}" type="datetime1">
               <a:rPr lang="en-US" smtClean="0"/>
-              <a:t>6/14/2016</a:t>
+              <a:t>6/15/16</a:t>
             </a:fld>
             <a:endParaRPr lang="en-GB" dirty="0"/>
           </a:p>
@@ -39885,7 +39904,7 @@
   </p:txStyles>
   <p:extLst mod="1">
     <p:ext uri="{27BBF7A9-308A-43DC-89C8-2F10F3537804}">
-      <p15:sldGuideLst xmlns:p15="http://schemas.microsoft.com/office/powerpoint/2012/main" xmlns="">
+      <p15:sldGuideLst xmlns:p15="http://schemas.microsoft.com/office/powerpoint/2012/main">
         <p15:guide id="1" pos="92" userDrawn="1">
           <p15:clr>
             <a:srgbClr val="F26B43"/>
@@ -40687,7 +40706,7 @@
           <a:p>
             <a:fld id="{72B4157D-E943-4631-AEF2-1C1B92F2CECB}" type="datetime1">
               <a:rPr lang="en-US" smtClean="0"/>
-              <a:t>6/14/2016</a:t>
+              <a:t>6/15/16</a:t>
             </a:fld>
             <a:endParaRPr lang="en-GB" dirty="0"/>
           </a:p>
@@ -41385,7 +41404,7 @@
   </p:txStyles>
   <p:extLst mod="1">
     <p:ext uri="{27BBF7A9-308A-43DC-89C8-2F10F3537804}">
-      <p15:sldGuideLst xmlns:p15="http://schemas.microsoft.com/office/powerpoint/2012/main" xmlns="">
+      <p15:sldGuideLst xmlns:p15="http://schemas.microsoft.com/office/powerpoint/2012/main">
         <p15:guide id="1" pos="92" userDrawn="1">
           <p15:clr>
             <a:srgbClr val="F26B43"/>
@@ -42187,7 +42206,7 @@
           <a:p>
             <a:fld id="{FF46E5E2-F28F-42A1-BA7D-A071CD0D7504}" type="datetime1">
               <a:rPr lang="en-US" smtClean="0"/>
-              <a:t>6/14/2016</a:t>
+              <a:t>6/15/16</a:t>
             </a:fld>
             <a:endParaRPr lang="en-GB" dirty="0"/>
           </a:p>
@@ -42885,7 +42904,7 @@
   </p:txStyles>
   <p:extLst mod="1">
     <p:ext uri="{27BBF7A9-308A-43DC-89C8-2F10F3537804}">
-      <p15:sldGuideLst xmlns:p15="http://schemas.microsoft.com/office/powerpoint/2012/main" xmlns="">
+      <p15:sldGuideLst xmlns:p15="http://schemas.microsoft.com/office/powerpoint/2012/main">
         <p15:guide id="1" pos="92" userDrawn="1">
           <p15:clr>
             <a:srgbClr val="F26B43"/>
@@ -43687,7 +43706,7 @@
           <a:p>
             <a:fld id="{6A31644F-E21F-4802-9BCB-0E3CD82F05A8}" type="datetime1">
               <a:rPr lang="en-US" smtClean="0"/>
-              <a:t>6/14/2016</a:t>
+              <a:t>6/15/16</a:t>
             </a:fld>
             <a:endParaRPr lang="en-GB" dirty="0"/>
           </a:p>
@@ -44385,7 +44404,7 @@
   </p:txStyles>
   <p:extLst mod="1">
     <p:ext uri="{27BBF7A9-308A-43DC-89C8-2F10F3537804}">
-      <p15:sldGuideLst xmlns:p15="http://schemas.microsoft.com/office/powerpoint/2012/main" xmlns="">
+      <p15:sldGuideLst xmlns:p15="http://schemas.microsoft.com/office/powerpoint/2012/main">
         <p15:guide id="1" pos="92" userDrawn="1">
           <p15:clr>
             <a:srgbClr val="F26B43"/>
@@ -45187,7 +45206,7 @@
           <a:p>
             <a:fld id="{61648ABE-87B9-4651-A134-A20DFBAF1EF0}" type="datetime1">
               <a:rPr lang="en-US" smtClean="0"/>
-              <a:t>6/14/2016</a:t>
+              <a:t>6/15/16</a:t>
             </a:fld>
             <a:endParaRPr lang="en-GB" dirty="0"/>
           </a:p>
@@ -45885,7 +45904,7 @@
   </p:txStyles>
   <p:extLst mod="1">
     <p:ext uri="{27BBF7A9-308A-43DC-89C8-2F10F3537804}">
-      <p15:sldGuideLst xmlns:p15="http://schemas.microsoft.com/office/powerpoint/2012/main" xmlns="">
+      <p15:sldGuideLst xmlns:p15="http://schemas.microsoft.com/office/powerpoint/2012/main">
         <p15:guide id="1" pos="92" userDrawn="1">
           <p15:clr>
             <a:srgbClr val="F26B43"/>
@@ -46102,6 +46121,16 @@
               <a:t> </a:t>
             </a:r>
             <a:r>
+              <a:rPr lang="de-CH" sz="1200" b="1" dirty="0" err="1">
+                <a:solidFill>
+                  <a:schemeClr val="bg1">
+                    <a:lumMod val="85000"/>
+                  </a:schemeClr>
+                </a:solidFill>
+              </a:rPr>
+              <a:t>Aurelien</a:t>
+            </a:r>
+            <a:r>
               <a:rPr lang="de-CH" sz="1200" b="1" dirty="0">
                 <a:solidFill>
                   <a:schemeClr val="bg1">
@@ -46109,7 +46138,27 @@
                   </a:schemeClr>
                 </a:solidFill>
               </a:rPr>
-              <a:t>Aurelien Lucchi </a:t>
+              <a:t> </a:t>
+            </a:r>
+            <a:r>
+              <a:rPr lang="de-CH" sz="1200" b="1" dirty="0" err="1" smtClean="0">
+                <a:solidFill>
+                  <a:schemeClr val="bg1">
+                    <a:lumMod val="85000"/>
+                  </a:schemeClr>
+                </a:solidFill>
+              </a:rPr>
+              <a:t>Lucchi</a:t>
+            </a:r>
+            <a:r>
+              <a:rPr lang="en-US" sz="1200" b="1" baseline="30000" dirty="0" smtClean="0">
+                <a:solidFill>
+                  <a:schemeClr val="bg1">
+                    <a:lumMod val="85000"/>
+                  </a:schemeClr>
+                </a:solidFill>
+              </a:rPr>
+              <a:t>1</a:t>
             </a:r>
             <a:r>
               <a:rPr lang="en-US" sz="1200" b="1" baseline="30000" dirty="0">
@@ -46119,7 +46168,7 @@
                   </a:schemeClr>
                 </a:solidFill>
               </a:rPr>
-              <a:t>1,</a:t>
+              <a:t>,</a:t>
             </a:r>
             <a:r>
               <a:rPr lang="en-US" sz="1200" b="1" dirty="0">
@@ -46139,7 +46188,27 @@
                   </a:schemeClr>
                 </a:solidFill>
               </a:rPr>
-              <a:t>Valeria De Luca </a:t>
+              <a:t>Valeria De </a:t>
+            </a:r>
+            <a:r>
+              <a:rPr lang="de-CH" sz="1200" b="1" dirty="0" smtClean="0">
+                <a:solidFill>
+                  <a:schemeClr val="bg1">
+                    <a:lumMod val="85000"/>
+                  </a:schemeClr>
+                </a:solidFill>
+              </a:rPr>
+              <a:t>Luca</a:t>
+            </a:r>
+            <a:r>
+              <a:rPr lang="en-US" sz="1200" b="1" baseline="30000" dirty="0" smtClean="0">
+                <a:solidFill>
+                  <a:schemeClr val="bg1">
+                    <a:lumMod val="85000"/>
+                  </a:schemeClr>
+                </a:solidFill>
+              </a:rPr>
+              <a:t>2</a:t>
             </a:r>
             <a:r>
               <a:rPr lang="en-US" sz="1200" b="1" baseline="30000" dirty="0">
@@ -46149,7 +46218,7 @@
                   </a:schemeClr>
                 </a:solidFill>
               </a:rPr>
-              <a:t>2,</a:t>
+              <a:t>,</a:t>
             </a:r>
             <a:r>
               <a:rPr lang="en-US" sz="1200" b="1" dirty="0">
@@ -46169,7 +46238,17 @@
                   </a:schemeClr>
                 </a:solidFill>
               </a:rPr>
-              <a:t>Martin Jaggi </a:t>
+              <a:t>Martin </a:t>
+            </a:r>
+            <a:r>
+              <a:rPr lang="de-CH" sz="1200" b="1" dirty="0" smtClean="0">
+                <a:solidFill>
+                  <a:schemeClr val="bg1">
+                    <a:lumMod val="85000"/>
+                  </a:schemeClr>
+                </a:solidFill>
+              </a:rPr>
+              <a:t>Jaggi</a:t>
             </a:r>
             <a:r>
               <a:rPr lang="en-US" sz="1200" b="1" baseline="30000" dirty="0" smtClean="0">
@@ -46199,6 +46278,16 @@
                   </a:schemeClr>
                 </a:solidFill>
               </a:rPr>
+              <a:t>		</a:t>
+            </a:r>
+            <a:r>
+              <a:rPr lang="en-US" sz="1200" baseline="30000" dirty="0" smtClean="0">
+                <a:solidFill>
+                  <a:schemeClr val="bg1">
+                    <a:lumMod val="85000"/>
+                  </a:schemeClr>
+                </a:solidFill>
+              </a:rPr>
               <a:t>1</a:t>
             </a:r>
             <a:r>
@@ -46212,16 +46301,6 @@
               <a:t> </a:t>
             </a:r>
             <a:r>
-              <a:rPr lang="de-CH" sz="1200" b="1" dirty="0">
-                <a:solidFill>
-                  <a:schemeClr val="bg1">
-                    <a:lumMod val="85000"/>
-                  </a:schemeClr>
-                </a:solidFill>
-              </a:rPr>
-              <a:t>Data Analytics Laboratory</a:t>
-            </a:r>
-            <a:r>
               <a:rPr lang="de-CH" sz="1200" dirty="0">
                 <a:solidFill>
                   <a:schemeClr val="bg1">
@@ -46229,17 +46308,27 @@
                   </a:schemeClr>
                 </a:solidFill>
               </a:rPr>
-              <a:t> </a:t>
-            </a:r>
-            <a:r>
-              <a:rPr lang="en-US" sz="1200" b="1" dirty="0">
+              <a:t>Data Analytics </a:t>
+            </a:r>
+            <a:r>
+              <a:rPr lang="de-CH" sz="1200" dirty="0" smtClean="0">
                 <a:solidFill>
                   <a:schemeClr val="bg1">
                     <a:lumMod val="85000"/>
                   </a:schemeClr>
                 </a:solidFill>
               </a:rPr>
-              <a:t>, ETH Zurich</a:t>
+              <a:t>Laboratory</a:t>
+            </a:r>
+            <a:r>
+              <a:rPr lang="en-US" sz="1200" dirty="0" smtClean="0">
+                <a:solidFill>
+                  <a:schemeClr val="bg1">
+                    <a:lumMod val="85000"/>
+                  </a:schemeClr>
+                </a:solidFill>
+              </a:rPr>
+              <a:t>, </a:t>
             </a:r>
             <a:r>
               <a:rPr lang="en-US" sz="1200" dirty="0">
@@ -46249,10 +46338,39 @@
                   </a:schemeClr>
                 </a:solidFill>
               </a:rPr>
-              <a:t>; </a:t>
-            </a:r>
-            <a:r>
-              <a:rPr lang="en-US" sz="1200" baseline="30000" dirty="0">
+              <a:t>ETH </a:t>
+            </a:r>
+            <a:r>
+              <a:rPr lang="en-US" sz="1200" dirty="0" smtClean="0">
+                <a:solidFill>
+                  <a:schemeClr val="bg1">
+                    <a:lumMod val="85000"/>
+                  </a:schemeClr>
+                </a:solidFill>
+              </a:rPr>
+              <a:t>Zurich</a:t>
+            </a:r>
+            <a:br>
+              <a:rPr lang="en-US" sz="1200" dirty="0" smtClean="0">
+                <a:solidFill>
+                  <a:schemeClr val="bg1">
+                    <a:lumMod val="85000"/>
+                  </a:schemeClr>
+                </a:solidFill>
+              </a:rPr>
+            </a:br>
+            <a:r>
+              <a:rPr lang="en-US" sz="1200" dirty="0" smtClean="0">
+                <a:solidFill>
+                  <a:schemeClr val="bg1">
+                    <a:lumMod val="85000"/>
+                  </a:schemeClr>
+                </a:solidFill>
+              </a:rPr>
+              <a:t>		</a:t>
+            </a:r>
+            <a:r>
+              <a:rPr lang="en-US" sz="1200" baseline="30000" dirty="0" smtClean="0">
                 <a:solidFill>
                   <a:schemeClr val="bg1">
                     <a:lumMod val="85000"/>
@@ -46262,6 +46380,16 @@
               <a:t>2</a:t>
             </a:r>
             <a:r>
+              <a:rPr lang="de-CH" sz="1200" dirty="0" smtClean="0">
+                <a:solidFill>
+                  <a:schemeClr val="bg1">
+                    <a:lumMod val="85000"/>
+                  </a:schemeClr>
+                </a:solidFill>
+              </a:rPr>
+              <a:t> </a:t>
+            </a:r>
+            <a:r>
               <a:rPr lang="de-CH" sz="1200" dirty="0">
                 <a:solidFill>
                   <a:schemeClr val="bg1">
@@ -46269,17 +46397,116 @@
                   </a:schemeClr>
                 </a:solidFill>
               </a:rPr>
-              <a:t> </a:t>
-            </a:r>
-            <a:r>
-              <a:rPr lang="de-CH" sz="1200" b="1" dirty="0">
+              <a:t>Computer Vision </a:t>
+            </a:r>
+            <a:r>
+              <a:rPr lang="de-CH" sz="1200" dirty="0" smtClean="0">
                 <a:solidFill>
                   <a:schemeClr val="bg1">
                     <a:lumMod val="85000"/>
                   </a:schemeClr>
                 </a:solidFill>
               </a:rPr>
-              <a:t>Computer Vision Laboratory</a:t>
+              <a:t>Laboratory</a:t>
+            </a:r>
+            <a:r>
+              <a:rPr lang="en-US" sz="1200" dirty="0" smtClean="0">
+                <a:solidFill>
+                  <a:schemeClr val="bg1">
+                    <a:lumMod val="85000"/>
+                  </a:schemeClr>
+                </a:solidFill>
+              </a:rPr>
+              <a:t>, </a:t>
+            </a:r>
+            <a:r>
+              <a:rPr lang="en-US" sz="1200" dirty="0">
+                <a:solidFill>
+                  <a:schemeClr val="bg1">
+                    <a:lumMod val="85000"/>
+                  </a:schemeClr>
+                </a:solidFill>
+              </a:rPr>
+              <a:t>ETH </a:t>
+            </a:r>
+            <a:r>
+              <a:rPr lang="en-US" sz="1200" dirty="0" smtClean="0">
+                <a:solidFill>
+                  <a:schemeClr val="bg1">
+                    <a:lumMod val="85000"/>
+                  </a:schemeClr>
+                </a:solidFill>
+              </a:rPr>
+              <a:t>Zurich</a:t>
+            </a:r>
+            <a:br>
+              <a:rPr lang="en-US" sz="1200" dirty="0" smtClean="0">
+                <a:solidFill>
+                  <a:schemeClr val="bg1">
+                    <a:lumMod val="85000"/>
+                  </a:schemeClr>
+                </a:solidFill>
+              </a:rPr>
+            </a:br>
+            <a:r>
+              <a:rPr lang="en-US" sz="1200" dirty="0" smtClean="0">
+                <a:solidFill>
+                  <a:schemeClr val="bg1">
+                    <a:lumMod val="85000"/>
+                  </a:schemeClr>
+                </a:solidFill>
+              </a:rPr>
+              <a:t>		</a:t>
+            </a:r>
+            <a:r>
+              <a:rPr lang="en-US" sz="1200" baseline="30000" dirty="0" smtClean="0">
+                <a:solidFill>
+                  <a:schemeClr val="bg1">
+                    <a:lumMod val="85000"/>
+                  </a:schemeClr>
+                </a:solidFill>
+              </a:rPr>
+              <a:t>3</a:t>
+            </a:r>
+            <a:r>
+              <a:rPr lang="de-CH" sz="1200" dirty="0" smtClean="0">
+                <a:solidFill>
+                  <a:schemeClr val="bg1">
+                    <a:lumMod val="85000"/>
+                  </a:schemeClr>
+                </a:solidFill>
+              </a:rPr>
+              <a:t> </a:t>
+            </a:r>
+            <a:r>
+              <a:rPr lang="de-CH" sz="1200" dirty="0" smtClean="0">
+                <a:solidFill>
+                  <a:schemeClr val="bg1">
+                    <a:lumMod val="85000"/>
+                  </a:schemeClr>
+                </a:solidFill>
+              </a:rPr>
+              <a:t>ZHAW </a:t>
+            </a:r>
+            <a:r>
+              <a:rPr lang="de-CH" sz="1200" dirty="0" err="1" smtClean="0">
+                <a:solidFill>
+                  <a:schemeClr val="bg1">
+                    <a:lumMod val="85000"/>
+                  </a:schemeClr>
+                </a:solidFill>
+              </a:rPr>
+              <a:t>Zurich</a:t>
+            </a:r>
+            <a:r>
+              <a:rPr lang="de-CH" sz="1200" dirty="0" smtClean="0">
+                <a:solidFill>
+                  <a:schemeClr val="bg1">
+                    <a:lumMod val="85000"/>
+                  </a:schemeClr>
+                </a:solidFill>
+              </a:rPr>
+              <a:t> </a:t>
             </a:r>
             <a:r>
               <a:rPr lang="de-CH" sz="1200" dirty="0">
@@ -46289,47 +46516,17 @@
                   </a:schemeClr>
                 </a:solidFill>
               </a:rPr>
-              <a:t> </a:t>
-            </a:r>
-            <a:r>
-              <a:rPr lang="en-US" sz="1200" dirty="0">
+              <a:t>University </a:t>
+            </a:r>
+            <a:r>
+              <a:rPr lang="de-CH" sz="1200" dirty="0" err="1">
                 <a:solidFill>
                   <a:schemeClr val="bg1">
                     <a:lumMod val="85000"/>
                   </a:schemeClr>
                 </a:solidFill>
               </a:rPr>
-              <a:t>, </a:t>
-            </a:r>
-            <a:r>
-              <a:rPr lang="en-US" sz="1200" b="1" dirty="0">
-                <a:solidFill>
-                  <a:schemeClr val="bg1">
-                    <a:lumMod val="85000"/>
-                  </a:schemeClr>
-                </a:solidFill>
-              </a:rPr>
-              <a:t>ETH Zurich</a:t>
-            </a:r>
-            <a:r>
-              <a:rPr lang="en-US" sz="1200" dirty="0">
-                <a:solidFill>
-                  <a:schemeClr val="bg1">
-                    <a:lumMod val="85000"/>
-                  </a:schemeClr>
-                </a:solidFill>
-              </a:rPr>
-              <a:t>; </a:t>
-            </a:r>
-            <a:r>
-              <a:rPr lang="en-US" sz="1200" baseline="30000" dirty="0">
-                <a:solidFill>
-                  <a:schemeClr val="bg1">
-                    <a:lumMod val="85000"/>
-                  </a:schemeClr>
-                </a:solidFill>
-              </a:rPr>
-              <a:t>3</a:t>
+              <a:t>of</a:t>
             </a:r>
             <a:r>
               <a:rPr lang="de-CH" sz="1200" dirty="0">
@@ -46339,49 +46536,19 @@
                   </a:schemeClr>
                 </a:solidFill>
               </a:rPr>
-              <a:t> </a:t>
-            </a:r>
-            <a:r>
-              <a:rPr lang="de-CH" sz="1200" b="1" dirty="0">
+              <a:t> Applied </a:t>
+            </a:r>
+            <a:r>
+              <a:rPr lang="de-CH" sz="1200" dirty="0" err="1" smtClean="0">
                 <a:solidFill>
                   <a:schemeClr val="bg1">
                     <a:lumMod val="85000"/>
                   </a:schemeClr>
                 </a:solidFill>
               </a:rPr>
-              <a:t>Institut für angewandte Informations­technologie</a:t>
-            </a:r>
-            <a:r>
-              <a:rPr lang="de-CH" sz="1200" dirty="0">
-                <a:solidFill>
-                  <a:schemeClr val="bg1">
-                    <a:lumMod val="85000"/>
-                  </a:schemeClr>
-                </a:solidFill>
-              </a:rPr>
-              <a:t> </a:t>
-            </a:r>
-            <a:r>
-              <a:rPr lang="en-US" sz="1200" dirty="0">
-                <a:solidFill>
-                  <a:schemeClr val="bg1">
-                    <a:lumMod val="85000"/>
-                  </a:schemeClr>
-                </a:solidFill>
-              </a:rPr>
-              <a:t>, </a:t>
-            </a:r>
-            <a:r>
-              <a:rPr lang="en-US" sz="1200" b="1" dirty="0">
-                <a:solidFill>
-                  <a:schemeClr val="bg1">
-                    <a:lumMod val="85000"/>
-                  </a:schemeClr>
-                </a:solidFill>
-              </a:rPr>
-              <a:t>ZHAW</a:t>
-            </a:r>
-            <a:endParaRPr lang="de-CH" sz="1200" b="1" dirty="0">
+              <a:t>Sciences</a:t>
+            </a:r>
+            <a:endParaRPr lang="de-CH" sz="1200" dirty="0">
               <a:solidFill>
                 <a:schemeClr val="bg1">
                   <a:lumMod val="85000"/>
@@ -46411,7 +46578,7 @@
           <a:p>
             <a:fld id="{EEE2D816-90E4-4105-8795-5E6A0518533F}" type="datetime1">
               <a:rPr lang="en-US" smtClean="0"/>
-              <a:t>6/14/2016</a:t>
+              <a:t>6/15/16</a:t>
             </a:fld>
             <a:endParaRPr lang="en-GB" dirty="0"/>
           </a:p>
@@ -46570,7 +46737,7 @@
             <p:ph idx="1"/>
             <p:extLst>
               <p:ext uri="{D42A27DB-BD31-4B8C-83A1-F6EECF244321}">
-                <p14:modId xmlns:p14="http://schemas.microsoft.com/office/powerpoint/2010/main" val="2872770837"/>
+                <p14:modId xmlns:p14="http://schemas.microsoft.com/office/powerpoint/2010/main" val="1936733585"/>
               </p:ext>
             </p:extLst>
           </p:nvPr>
@@ -46854,7 +47021,7 @@
                       </a:endParaRPr>
                     </a:p>
                   </a:txBody>
-                  <a:tcPr marL="13192" marR="13192" marT="13192" marB="0"/>
+                  <a:tcPr/>
                 </a:tc>
                 <a:tc>
                   <a:txBody>
@@ -46877,7 +47044,7 @@
                       </a:endParaRPr>
                     </a:p>
                   </a:txBody>
-                  <a:tcPr marL="13192" marR="13192" marT="13192" marB="0"/>
+                  <a:tcPr/>
                 </a:tc>
                 <a:tc>
                   <a:txBody>
@@ -46900,7 +47067,7 @@
                       </a:endParaRPr>
                     </a:p>
                   </a:txBody>
-                  <a:tcPr marL="13192" marR="13192" marT="13192" marB="0"/>
+                  <a:tcPr/>
                 </a:tc>
                 <a:tc>
                   <a:txBody>
@@ -46923,7 +47090,7 @@
                       </a:endParaRPr>
                     </a:p>
                   </a:txBody>
-                  <a:tcPr marL="13192" marR="13192" marT="13192" marB="0"/>
+                  <a:tcPr/>
                 </a:tc>
                 <a:tc>
                   <a:txBody>
@@ -46946,7 +47113,7 @@
                       </a:endParaRPr>
                     </a:p>
                   </a:txBody>
-                  <a:tcPr marL="13192" marR="13192" marT="13192" marB="0"/>
+                  <a:tcPr/>
                 </a:tc>
                 <a:tc>
                   <a:txBody>
@@ -46969,7 +47136,7 @@
                       </a:endParaRPr>
                     </a:p>
                   </a:txBody>
-                  <a:tcPr marL="13192" marR="13192" marT="13192" marB="0"/>
+                  <a:tcPr/>
                 </a:tc>
                 <a:tc>
                   <a:txBody>
@@ -46992,7 +47159,7 @@
                       </a:endParaRPr>
                     </a:p>
                   </a:txBody>
-                  <a:tcPr marL="13192" marR="13192" marT="13192" marB="0"/>
+                  <a:tcPr/>
                 </a:tc>
                 <a:tc>
                   <a:txBody>
@@ -47015,7 +47182,14 @@
                       </a:endParaRPr>
                     </a:p>
                   </a:txBody>
-                  <a:tcPr marL="13192" marR="13192" marT="13192" marB="0"/>
+                  <a:tcPr>
+                    <a:solidFill>
+                      <a:schemeClr val="accent5">
+                        <a:lumMod val="60000"/>
+                        <a:lumOff val="40000"/>
+                      </a:schemeClr>
+                    </a:solidFill>
+                  </a:tcPr>
                 </a:tc>
               </a:tr>
               <a:tr h="531675">
@@ -47063,7 +47237,7 @@
                       </a:endParaRPr>
                     </a:p>
                   </a:txBody>
-                  <a:tcPr marL="13192" marR="13192" marT="13192" marB="0"/>
+                  <a:tcPr/>
                 </a:tc>
                 <a:tc>
                   <a:txBody>
@@ -47086,7 +47260,7 @@
                       </a:endParaRPr>
                     </a:p>
                   </a:txBody>
-                  <a:tcPr marL="13192" marR="13192" marT="13192" marB="0"/>
+                  <a:tcPr/>
                 </a:tc>
                 <a:tc>
                   <a:txBody>
@@ -47109,7 +47283,7 @@
                       </a:endParaRPr>
                     </a:p>
                   </a:txBody>
-                  <a:tcPr marL="13192" marR="13192" marT="13192" marB="0"/>
+                  <a:tcPr/>
                 </a:tc>
                 <a:tc>
                   <a:txBody>
@@ -47132,7 +47306,7 @@
                       </a:endParaRPr>
                     </a:p>
                   </a:txBody>
-                  <a:tcPr marL="13192" marR="13192" marT="13192" marB="0"/>
+                  <a:tcPr/>
                 </a:tc>
                 <a:tc>
                   <a:txBody>
@@ -47155,7 +47329,7 @@
                       </a:endParaRPr>
                     </a:p>
                   </a:txBody>
-                  <a:tcPr marL="13192" marR="13192" marT="13192" marB="0"/>
+                  <a:tcPr/>
                 </a:tc>
                 <a:tc>
                   <a:txBody>
@@ -47178,7 +47352,7 @@
                       </a:endParaRPr>
                     </a:p>
                   </a:txBody>
-                  <a:tcPr marL="13192" marR="13192" marT="13192" marB="0"/>
+                  <a:tcPr/>
                 </a:tc>
                 <a:tc>
                   <a:txBody>
@@ -47201,7 +47375,7 @@
                       </a:endParaRPr>
                     </a:p>
                   </a:txBody>
-                  <a:tcPr marL="13192" marR="13192" marT="13192" marB="0"/>
+                  <a:tcPr/>
                 </a:tc>
                 <a:tc>
                   <a:txBody>
@@ -47224,7 +47398,14 @@
                       </a:endParaRPr>
                     </a:p>
                   </a:txBody>
-                  <a:tcPr marL="13192" marR="13192" marT="13192" marB="0"/>
+                  <a:tcPr>
+                    <a:solidFill>
+                      <a:schemeClr val="accent5">
+                        <a:lumMod val="60000"/>
+                        <a:lumOff val="40000"/>
+                      </a:schemeClr>
+                    </a:solidFill>
+                  </a:tcPr>
                 </a:tc>
               </a:tr>
               <a:tr h="531675">
@@ -47272,7 +47453,7 @@
                       </a:endParaRPr>
                     </a:p>
                   </a:txBody>
-                  <a:tcPr marL="13192" marR="13192" marT="13192" marB="0"/>
+                  <a:tcPr/>
                 </a:tc>
                 <a:tc>
                   <a:txBody>
@@ -47295,7 +47476,7 @@
                       </a:endParaRPr>
                     </a:p>
                   </a:txBody>
-                  <a:tcPr marL="13192" marR="13192" marT="13192" marB="0"/>
+                  <a:tcPr/>
                 </a:tc>
                 <a:tc>
                   <a:txBody>
@@ -47318,7 +47499,7 @@
                       </a:endParaRPr>
                     </a:p>
                   </a:txBody>
-                  <a:tcPr marL="13192" marR="13192" marT="13192" marB="0"/>
+                  <a:tcPr/>
                 </a:tc>
                 <a:tc>
                   <a:txBody>
@@ -47341,7 +47522,7 @@
                       </a:endParaRPr>
                     </a:p>
                   </a:txBody>
-                  <a:tcPr marL="13192" marR="13192" marT="13192" marB="0"/>
+                  <a:tcPr/>
                 </a:tc>
                 <a:tc>
                   <a:txBody>
@@ -47364,7 +47545,7 @@
                       </a:endParaRPr>
                     </a:p>
                   </a:txBody>
-                  <a:tcPr marL="13192" marR="13192" marT="13192" marB="0"/>
+                  <a:tcPr/>
                 </a:tc>
                 <a:tc>
                   <a:txBody>
@@ -47387,7 +47568,7 @@
                       </a:endParaRPr>
                     </a:p>
                   </a:txBody>
-                  <a:tcPr marL="13192" marR="13192" marT="13192" marB="0"/>
+                  <a:tcPr/>
                 </a:tc>
                 <a:tc>
                   <a:txBody>
@@ -47410,7 +47591,7 @@
                       </a:endParaRPr>
                     </a:p>
                   </a:txBody>
-                  <a:tcPr marL="13192" marR="13192" marT="13192" marB="0"/>
+                  <a:tcPr/>
                 </a:tc>
                 <a:tc>
                   <a:txBody>
@@ -47433,7 +47614,14 @@
                       </a:endParaRPr>
                     </a:p>
                   </a:txBody>
-                  <a:tcPr marL="13192" marR="13192" marT="13192" marB="0"/>
+                  <a:tcPr>
+                    <a:solidFill>
+                      <a:schemeClr val="accent5">
+                        <a:lumMod val="60000"/>
+                        <a:lumOff val="40000"/>
+                      </a:schemeClr>
+                    </a:solidFill>
+                  </a:tcPr>
                 </a:tc>
               </a:tr>
               <a:tr h="507508">
@@ -47481,7 +47669,7 @@
                       </a:endParaRPr>
                     </a:p>
                   </a:txBody>
-                  <a:tcPr marL="13192" marR="13192" marT="13192" marB="0"/>
+                  <a:tcPr/>
                 </a:tc>
                 <a:tc>
                   <a:txBody>
@@ -47504,7 +47692,7 @@
                       </a:endParaRPr>
                     </a:p>
                   </a:txBody>
-                  <a:tcPr marL="13192" marR="13192" marT="13192" marB="0"/>
+                  <a:tcPr/>
                 </a:tc>
                 <a:tc>
                   <a:txBody>
@@ -47527,7 +47715,7 @@
                       </a:endParaRPr>
                     </a:p>
                   </a:txBody>
-                  <a:tcPr marL="13192" marR="13192" marT="13192" marB="0"/>
+                  <a:tcPr/>
                 </a:tc>
                 <a:tc>
                   <a:txBody>
@@ -47550,7 +47738,7 @@
                       </a:endParaRPr>
                     </a:p>
                   </a:txBody>
-                  <a:tcPr marL="13192" marR="13192" marT="13192" marB="0"/>
+                  <a:tcPr/>
                 </a:tc>
                 <a:tc>
                   <a:txBody>
@@ -47573,7 +47761,7 @@
                       </a:endParaRPr>
                     </a:p>
                   </a:txBody>
-                  <a:tcPr marL="13192" marR="13192" marT="13192" marB="0"/>
+                  <a:tcPr/>
                 </a:tc>
                 <a:tc>
                   <a:txBody>
@@ -47596,7 +47784,7 @@
                       </a:endParaRPr>
                     </a:p>
                   </a:txBody>
-                  <a:tcPr marL="13192" marR="13192" marT="13192" marB="0"/>
+                  <a:tcPr/>
                 </a:tc>
                 <a:tc>
                   <a:txBody>
@@ -47619,7 +47807,7 @@
                       </a:endParaRPr>
                     </a:p>
                   </a:txBody>
-                  <a:tcPr marL="13192" marR="13192" marT="13192" marB="0"/>
+                  <a:tcPr/>
                 </a:tc>
                 <a:tc>
                   <a:txBody>
@@ -47642,7 +47830,14 @@
                       </a:endParaRPr>
                     </a:p>
                   </a:txBody>
-                  <a:tcPr marL="13192" marR="13192" marT="13192" marB="0"/>
+                  <a:tcPr>
+                    <a:solidFill>
+                      <a:schemeClr val="accent5">
+                        <a:lumMod val="60000"/>
+                        <a:lumOff val="40000"/>
+                      </a:schemeClr>
+                    </a:solidFill>
+                  </a:tcPr>
                 </a:tc>
               </a:tr>
             </a:tbl>
@@ -47666,7 +47861,7 @@
           <a:p>
             <a:fld id="{6BECE804-E277-4628-BF60-AC7558D59A6B}" type="datetime1">
               <a:rPr lang="en-US" smtClean="0"/>
-              <a:t>6/14/2016</a:t>
+              <a:t>6/15/16</a:t>
             </a:fld>
             <a:endParaRPr lang="en-GB" dirty="0"/>
           </a:p>
@@ -47806,7 +48001,11 @@
             </a:pPr>
             <a:r>
               <a:rPr lang="en-GB" sz="1800" b="1" dirty="0" smtClean="0"/>
-              <a:t>ETH Zurich</a:t>
+              <a:t>ETH Zurich </a:t>
+            </a:r>
+            <a:r>
+              <a:rPr lang="en-GB" sz="1800" dirty="0" smtClean="0"/>
+              <a:t>Data Analytics Lab</a:t>
             </a:r>
           </a:p>
           <a:p>
@@ -47814,36 +48013,12 @@
               <a:buNone/>
             </a:pPr>
             <a:r>
-              <a:rPr lang="en-GB" sz="1800" dirty="0" smtClean="0"/>
-              <a:t>Data Analytics Lab</a:t>
+              <a:rPr lang="en-GB" sz="1800" dirty="0" smtClean="0">
+                <a:hlinkClick r:id="rId2"/>
+              </a:rPr>
+              <a:t>www.da.inf.ethz.ch</a:t>
             </a:r>
             <a:endParaRPr lang="en-GB" sz="1800" dirty="0" smtClean="0"/>
-          </a:p>
-          <a:p>
-            <a:pPr marL="0" indent="0">
-              <a:buNone/>
-            </a:pPr>
-            <a:r>
-              <a:rPr lang="de-CH" sz="1800" dirty="0"/>
-              <a:t>Universitätstrasse </a:t>
-            </a:r>
-            <a:r>
-              <a:rPr lang="de-CH" sz="1800" dirty="0" smtClean="0"/>
-              <a:t>6</a:t>
-            </a:r>
-          </a:p>
-          <a:p>
-            <a:pPr marL="0" indent="0">
-              <a:buNone/>
-            </a:pPr>
-            <a:r>
-              <a:rPr lang="de-CH" sz="1800" dirty="0"/>
-              <a:t>8092 </a:t>
-            </a:r>
-            <a:r>
-              <a:rPr lang="de-CH" sz="1800" dirty="0" smtClean="0"/>
-              <a:t>Zürich</a:t>
-            </a:r>
           </a:p>
           <a:p>
             <a:pPr marL="0" indent="0">
@@ -47856,8 +48031,8 @@
               <a:buNone/>
             </a:pPr>
             <a:r>
-              <a:rPr lang="en-GB" sz="1800" dirty="0"/>
-              <a:t>www.ethz.ch/en.html</a:t>
+              <a:rPr lang="en-GB" sz="1800" dirty="0" smtClean="0"/>
+              <a:t>References:</a:t>
             </a:r>
           </a:p>
           <a:p>
@@ -47871,51 +48046,169 @@
               <a:buNone/>
             </a:pPr>
             <a:r>
-              <a:rPr lang="en-US" sz="1800" dirty="0"/>
-              <a:t>Publisher: </a:t>
-            </a:r>
-            <a:r>
-              <a:rPr lang="en-GB" sz="1800" dirty="0"/>
-              <a:t>Data Analytics </a:t>
-            </a:r>
-            <a:r>
-              <a:rPr lang="en-GB" sz="1800" dirty="0" smtClean="0"/>
-              <a:t>Lab</a:t>
+              <a:rPr lang="en-US" sz="1700" dirty="0" err="1" smtClean="0"/>
+              <a:t>Deriu</a:t>
+            </a:r>
+            <a:r>
+              <a:rPr lang="en-US" sz="1700" dirty="0"/>
+              <a:t>, J., </a:t>
+            </a:r>
+            <a:r>
+              <a:rPr lang="en-US" sz="1700" dirty="0" err="1"/>
+              <a:t>Gonzenbach</a:t>
+            </a:r>
+            <a:r>
+              <a:rPr lang="en-US" sz="1700" dirty="0"/>
+              <a:t>, M., </a:t>
+            </a:r>
+            <a:r>
+              <a:rPr lang="en-US" sz="1700" dirty="0" err="1"/>
+              <a:t>Uzdilli</a:t>
+            </a:r>
+            <a:r>
+              <a:rPr lang="en-US" sz="1700" dirty="0"/>
+              <a:t>, F., </a:t>
+            </a:r>
+            <a:r>
+              <a:rPr lang="en-US" sz="1700" dirty="0" err="1"/>
+              <a:t>Lucchi</a:t>
+            </a:r>
+            <a:r>
+              <a:rPr lang="en-US" sz="1700" dirty="0"/>
+              <a:t>, A., De Luca, V., &amp; Jaggi, M. (2016</a:t>
+            </a:r>
+            <a:r>
+              <a:rPr lang="en-US" sz="1700" dirty="0" smtClean="0"/>
+              <a:t>).</a:t>
+            </a:r>
+            <a:br>
+              <a:rPr lang="en-US" sz="1700" dirty="0" smtClean="0"/>
+            </a:br>
+            <a:r>
+              <a:rPr lang="en-US" sz="1700" b="1" dirty="0" err="1" smtClean="0"/>
+              <a:t>SwissCheese</a:t>
+            </a:r>
+            <a:r>
+              <a:rPr lang="en-US" sz="1700" b="1" dirty="0" smtClean="0"/>
+              <a:t> </a:t>
+            </a:r>
+            <a:r>
+              <a:rPr lang="en-US" sz="1700" b="1" dirty="0"/>
+              <a:t>at SemEval-2016 Task 4: Sentiment </a:t>
+            </a:r>
+            <a:r>
+              <a:rPr lang="en-US" sz="1700" b="1" dirty="0" smtClean="0"/>
+              <a:t>Classification </a:t>
+            </a:r>
+            <a:r>
+              <a:rPr lang="en-US" sz="1700" b="1" dirty="0"/>
+              <a:t>using an </a:t>
+            </a:r>
+            <a:r>
+              <a:rPr lang="en-US" sz="1700" b="1" dirty="0"/>
+              <a:t>E</a:t>
+            </a:r>
+            <a:r>
+              <a:rPr lang="en-US" sz="1700" b="1" dirty="0" smtClean="0"/>
+              <a:t>nsemble </a:t>
+            </a:r>
+            <a:r>
+              <a:rPr lang="en-US" sz="1700" b="1" dirty="0"/>
+              <a:t>of </a:t>
+            </a:r>
+            <a:r>
+              <a:rPr lang="en-US" sz="1700" b="1" dirty="0" smtClean="0"/>
+              <a:t>Convolutional Neural </a:t>
+            </a:r>
+            <a:r>
+              <a:rPr lang="en-US" sz="1700" b="1" dirty="0"/>
+              <a:t>N</a:t>
+            </a:r>
+            <a:r>
+              <a:rPr lang="en-US" sz="1700" b="1" dirty="0" smtClean="0"/>
+              <a:t>etworks </a:t>
+            </a:r>
+            <a:r>
+              <a:rPr lang="en-US" sz="1700" b="1" dirty="0"/>
+              <a:t>with </a:t>
+            </a:r>
+            <a:r>
+              <a:rPr lang="en-US" sz="1700" b="1" dirty="0" smtClean="0"/>
+              <a:t>Distant </a:t>
+            </a:r>
+            <a:r>
+              <a:rPr lang="en-US" sz="1700" b="1" dirty="0"/>
+              <a:t>S</a:t>
+            </a:r>
+            <a:r>
+              <a:rPr lang="en-US" sz="1700" b="1" dirty="0" smtClean="0"/>
+              <a:t>upervision</a:t>
+            </a:r>
+            <a:r>
+              <a:rPr lang="en-US" sz="1700" dirty="0" smtClean="0"/>
+              <a:t>.</a:t>
+            </a:r>
+            <a:br>
+              <a:rPr lang="en-US" sz="1700" dirty="0" smtClean="0"/>
+            </a:br>
+            <a:r>
+              <a:rPr lang="en-US" sz="1700" dirty="0" err="1" smtClean="0"/>
+              <a:t>SemEval</a:t>
+            </a:r>
+            <a:r>
+              <a:rPr lang="en-US" sz="1700" dirty="0" smtClean="0"/>
+              <a:t> </a:t>
+            </a:r>
+            <a:r>
+              <a:rPr lang="en-US" sz="1700" dirty="0"/>
+              <a:t>2016 </a:t>
+            </a:r>
+            <a:r>
+              <a:rPr lang="en-US" sz="1700" dirty="0" smtClean="0"/>
+              <a:t>- Proceedings </a:t>
+            </a:r>
+            <a:r>
+              <a:rPr lang="en-US" sz="1700" dirty="0"/>
+              <a:t>of the 10th International Workshop on Semantic </a:t>
+            </a:r>
+            <a:r>
+              <a:rPr lang="en-US" sz="1700" dirty="0" smtClean="0"/>
+              <a:t>Evaluation, San Diego: ACL.</a:t>
             </a:r>
           </a:p>
           <a:p>
             <a:pPr marL="0" indent="0">
               <a:buNone/>
             </a:pPr>
-            <a:r>
-              <a:rPr lang="en-US" sz="1800" dirty="0" smtClean="0"/>
-              <a:t>Images</a:t>
-            </a:r>
-            <a:r>
-              <a:rPr lang="en-US" sz="1800" dirty="0"/>
-              <a:t>: </a:t>
-            </a:r>
-            <a:endParaRPr lang="en-US" sz="1800" dirty="0" smtClean="0"/>
+            <a:endParaRPr lang="en-GB" sz="1700" dirty="0" smtClean="0"/>
           </a:p>
           <a:p>
             <a:pPr marL="0" indent="0">
               <a:buNone/>
             </a:pPr>
             <a:r>
-              <a:rPr lang="en-US" sz="1800" dirty="0" smtClean="0"/>
-              <a:t>https</a:t>
-            </a:r>
-            <a:r>
-              <a:rPr lang="en-US" sz="1800" dirty="0"/>
-              <a:t>://oprahismyreligion.files.wordpress.com/2015/09/positive-negative.png (</a:t>
-            </a:r>
-            <a:r>
-              <a:rPr lang="en-US" sz="1800" dirty="0"/>
-              <a:t>slide </a:t>
-            </a:r>
-            <a:r>
-              <a:rPr lang="en-US" sz="1800" dirty="0" smtClean="0"/>
-              <a:t>2), </a:t>
+              <a:rPr lang="en-US" sz="1700" dirty="0"/>
+              <a:t>Kim, Y. (2014</a:t>
+            </a:r>
+            <a:r>
+              <a:rPr lang="en-US" sz="1700" dirty="0" smtClean="0"/>
+              <a:t>). </a:t>
+            </a:r>
+            <a:r>
+              <a:rPr lang="en-US" sz="1700" b="1" dirty="0" smtClean="0"/>
+              <a:t>Convolutional </a:t>
+            </a:r>
+            <a:r>
+              <a:rPr lang="en-US" sz="1700" b="1" dirty="0"/>
+              <a:t>Neural Networks for Sentence </a:t>
+            </a:r>
+            <a:r>
+              <a:rPr lang="en-US" sz="1700" b="1" dirty="0" smtClean="0"/>
+              <a:t>Classification</a:t>
+            </a:r>
+            <a:r>
+              <a:rPr lang="en-US" sz="1700" dirty="0" smtClean="0"/>
+              <a:t>. EMNLP</a:t>
             </a:r>
           </a:p>
           <a:p>
@@ -47923,33 +48216,42 @@
               <a:buNone/>
             </a:pPr>
             <a:r>
-              <a:rPr lang="en-US" sz="1800" dirty="0" smtClean="0"/>
-              <a:t>Jan </a:t>
-            </a:r>
-            <a:r>
-              <a:rPr lang="en-US" sz="1800" dirty="0" err="1" smtClean="0"/>
-              <a:t>Deriu</a:t>
-            </a:r>
-            <a:r>
-              <a:rPr lang="en-US" sz="1800" dirty="0" smtClean="0"/>
-              <a:t> 2016 (slide 3,6,8,9)</a:t>
-            </a:r>
-            <a:endParaRPr lang="en-US" sz="1800" dirty="0" smtClean="0"/>
-          </a:p>
-          <a:p>
-            <a:pPr marL="0" indent="0">
-              <a:buNone/>
-            </a:pPr>
-            <a:endParaRPr lang="en-GB" sz="1800" dirty="0" smtClean="0"/>
-          </a:p>
-          <a:p>
-            <a:pPr marL="0" indent="0">
-              <a:buNone/>
-            </a:pPr>
-            <a:r>
-              <a:rPr lang="en-GB" sz="1800" dirty="0"/>
-              <a:t>© ETH Zurich, December 2013</a:t>
-            </a:r>
+              <a:rPr lang="en-US" sz="1700" dirty="0" err="1"/>
+              <a:t>Severyn</a:t>
+            </a:r>
+            <a:r>
+              <a:rPr lang="en-US" sz="1700" dirty="0"/>
+              <a:t>, A., &amp; </a:t>
+            </a:r>
+            <a:r>
+              <a:rPr lang="en-US" sz="1700" dirty="0" err="1"/>
+              <a:t>Moschitti</a:t>
+            </a:r>
+            <a:r>
+              <a:rPr lang="en-US" sz="1700" dirty="0"/>
+              <a:t>, A. (2015</a:t>
+            </a:r>
+            <a:r>
+              <a:rPr lang="en-US" sz="1700" dirty="0" smtClean="0"/>
+              <a:t>). </a:t>
+            </a:r>
+            <a:r>
+              <a:rPr lang="en-US" sz="1700" b="1" dirty="0" smtClean="0"/>
+              <a:t>Twitter </a:t>
+            </a:r>
+            <a:r>
+              <a:rPr lang="en-US" sz="1700" b="1" dirty="0"/>
+              <a:t>Sentiment Analysis with Deep Convolutional Neural </a:t>
+            </a:r>
+            <a:r>
+              <a:rPr lang="en-US" sz="1700" b="1" dirty="0" smtClean="0"/>
+              <a:t>Networks</a:t>
+            </a:r>
+            <a:r>
+              <a:rPr lang="en-US" sz="1700" dirty="0" smtClean="0"/>
+              <a:t>. SIGIR</a:t>
+            </a:r>
+            <a:endParaRPr lang="en-GB" sz="1700" dirty="0" smtClean="0"/>
           </a:p>
         </p:txBody>
       </p:sp>
@@ -47970,7 +48272,7 @@
           <a:p>
             <a:fld id="{B70A900D-201B-4EE2-A83E-277BE7D79119}" type="datetime1">
               <a:rPr lang="en-US" smtClean="0"/>
-              <a:t>6/14/2016</a:t>
+              <a:t>6/15/16</a:t>
             </a:fld>
             <a:endParaRPr lang="en-GB" dirty="0"/>
           </a:p>
@@ -48038,9 +48340,10 @@
           <a:lstStyle/>
           <a:p>
             <a:r>
-              <a:rPr lang="en-GB" dirty="0"/>
-              <a:t>Contact information and credits</a:t>
-            </a:r>
+              <a:rPr lang="en-GB" dirty="0" smtClean="0"/>
+              <a:t>Thanks</a:t>
+            </a:r>
+            <a:endParaRPr lang="en-GB" dirty="0"/>
           </a:p>
         </p:txBody>
       </p:sp>
@@ -48120,7 +48423,7 @@
           <a:p>
             <a:fld id="{075D72B4-5C16-422F-B700-29142F7AC408}" type="datetime1">
               <a:rPr lang="en-US" smtClean="0"/>
-              <a:t>6/14/2016</a:t>
+              <a:t>6/15/16</a:t>
             </a:fld>
             <a:endParaRPr lang="en-GB" dirty="0"/>
           </a:p>
@@ -48293,11 +48596,7 @@
           <a:p>
             <a:r>
               <a:rPr lang="en-GB" dirty="0" smtClean="0"/>
-              <a:t>2-Layer </a:t>
-            </a:r>
-            <a:r>
-              <a:rPr lang="en-GB" dirty="0" smtClean="0"/>
-              <a:t>Convolutional Neural Network</a:t>
+              <a:t>2-Layer Convolutional Neural Network</a:t>
             </a:r>
             <a:endParaRPr lang="en-GB" dirty="0"/>
           </a:p>
@@ -48339,7 +48638,7 @@
           <a:p>
             <a:fld id="{9B952DB0-0507-496A-9BCF-7B1FAFB77518}" type="datetime1">
               <a:rPr lang="en-US" smtClean="0"/>
-              <a:t>6/14/2016</a:t>
+              <a:t>6/15/16</a:t>
             </a:fld>
             <a:endParaRPr lang="en-GB" dirty="0"/>
           </a:p>
@@ -48839,7 +49138,7 @@
           <a:p>
             <a:fld id="{46C36DBD-1C70-4DC5-A9CD-B0DA57B42D53}" type="datetime1">
               <a:rPr lang="en-US" smtClean="0"/>
-              <a:t>6/14/2016</a:t>
+              <a:t>6/15/16</a:t>
             </a:fld>
             <a:endParaRPr lang="en-GB" dirty="0"/>
           </a:p>
@@ -48919,8 +49218,8 @@
           </a:p>
         </p:txBody>
       </p:sp>
-      <mc:AlternateContent xmlns:mc="http://schemas.openxmlformats.org/markup-compatibility/2006">
-        <mc:Choice xmlns:a14="http://schemas.microsoft.com/office/drawing/2010/main" Requires="a14">
+      <mc:AlternateContent xmlns:mc="http://schemas.openxmlformats.org/markup-compatibility/2006" xmlns:a14="http://schemas.microsoft.com/office/drawing/2010/main">
+        <mc:Choice Requires="a14">
           <p:sp>
             <p:nvSpPr>
               <p:cNvPr id="6" name="TextBox 5"/>
@@ -48985,7 +49284,7 @@
                       <m:sSupPr>
                         <m:ctrlPr>
                           <a:rPr lang="de-CH" b="0" i="1" smtClean="0">
-                            <a:latin typeface="Cambria Math"/>
+                            <a:latin typeface="Cambria Math" charset="0"/>
                             <a:ea typeface="Cambria Math"/>
                           </a:rPr>
                         </m:ctrlPr>
@@ -49040,15 +49339,7 @@
                 </a:r>
                 <a:r>
                   <a:rPr lang="de-CH" dirty="0" smtClean="0"/>
-                  <a:t>: No </a:t>
-                </a:r>
-                <a:r>
-                  <a:rPr lang="de-CH" dirty="0" smtClean="0"/>
-                  <a:t>Regularization, No </a:t>
-                </a:r>
-                <a:r>
-                  <a:rPr lang="de-CH" dirty="0" smtClean="0"/>
-                  <a:t>Dropout</a:t>
+                  <a:t>: No Regularization, No Dropout</a:t>
                 </a:r>
               </a:p>
               <a:p>
@@ -49074,11 +49365,7 @@
                 </a:r>
                 <a:r>
                   <a:rPr lang="de-CH" dirty="0" smtClean="0"/>
-                  <a:t>Regularization, No </a:t>
-                </a:r>
-                <a:r>
-                  <a:rPr lang="de-CH" dirty="0" smtClean="0"/>
-                  <a:t>Dropout</a:t>
+                  <a:t>Regularization, No Dropout</a:t>
                 </a:r>
               </a:p>
               <a:p>
@@ -49087,7 +49374,7 @@
             </p:txBody>
           </p:sp>
         </mc:Choice>
-        <mc:Fallback>
+        <mc:Fallback xmlns="">
           <p:sp>
             <p:nvSpPr>
               <p:cNvPr id="6" name="TextBox 5"/>
@@ -49231,7 +49518,7 @@
           <a:p>
             <a:fld id="{E3193CEB-AE1C-4C4B-8F39-D67F30340B8E}" type="datetime1">
               <a:rPr lang="en-US" smtClean="0"/>
-              <a:t>6/14/2016</a:t>
+              <a:t>6/15/16</a:t>
             </a:fld>
             <a:endParaRPr lang="en-GB" dirty="0"/>
           </a:p>
@@ -49341,7 +49628,7 @@
           <a:p>
             <a:fld id="{C0B3CA8A-B0CF-4C68-B1AF-120B962ADEC6}" type="datetime1">
               <a:rPr lang="en-US" smtClean="0"/>
-              <a:t>6/14/2016</a:t>
+              <a:t>6/15/16</a:t>
             </a:fld>
             <a:endParaRPr lang="en-GB" dirty="0"/>
           </a:p>
@@ -49529,7 +49816,7 @@
           <a:p>
             <a:fld id="{38ADB25F-1182-4ADA-9A33-1B2E6F23FEC7}" type="datetime1">
               <a:rPr lang="en-US" smtClean="0"/>
-              <a:t>6/14/2016</a:t>
+              <a:t>6/15/16</a:t>
             </a:fld>
             <a:endParaRPr lang="en-GB" dirty="0"/>
           </a:p>
@@ -49728,7 +50015,7 @@
           <a:p>
             <a:fld id="{4DA79D6E-E7D3-46E3-BE8B-A79EA7458B0E}" type="datetime1">
               <a:rPr lang="en-US" smtClean="0"/>
-              <a:t>6/14/2016</a:t>
+              <a:t>6/15/16</a:t>
             </a:fld>
             <a:endParaRPr lang="en-GB" dirty="0"/>
           </a:p>
@@ -49996,7 +50283,7 @@
           <a:p>
             <a:fld id="{6BECE804-E277-4628-BF60-AC7558D59A6B}" type="datetime1">
               <a:rPr lang="en-US" smtClean="0"/>
-              <a:t>6/14/2016</a:t>
+              <a:t>6/15/16</a:t>
             </a:fld>
             <a:endParaRPr lang="en-GB" dirty="0"/>
           </a:p>
@@ -50533,7 +50820,7 @@
   </a:custClrLst>
   <a:extLst>
     <a:ext uri="{05A4C25C-085E-4340-85A3-A5531E510DB2}">
-      <thm15:themeFamily xmlns:thm15="http://schemas.microsoft.com/office/thememl/2012/main" xmlns="" name="eth_praesentation_16zu9_ETH1_d" id="{F9B539DF-8A69-4439-8089-24A40A980317}" vid="{5D9C827C-5BA7-402A-8ABB-C7F0BA4B4DEC}"/>
+      <thm15:themeFamily xmlns:thm15="http://schemas.microsoft.com/office/thememl/2012/main" name="eth_praesentation_16zu9_ETH1_d" id="{F9B539DF-8A69-4439-8089-24A40A980317}" vid="{5D9C827C-5BA7-402A-8ABB-C7F0BA4B4DEC}"/>
     </a:ext>
   </a:extLst>
 </a:theme>
@@ -51554,7 +51841,7 @@
   </a:custClrLst>
   <a:extLst>
     <a:ext uri="{05A4C25C-085E-4340-85A3-A5531E510DB2}">
-      <thm15:themeFamily xmlns:thm15="http://schemas.microsoft.com/office/thememl/2012/main" xmlns="" name="eth_praesentation_16zu9_ETH1_d" id="{F9B539DF-8A69-4439-8089-24A40A980317}" vid="{5D9C827C-5BA7-402A-8ABB-C7F0BA4B4DEC}"/>
+      <thm15:themeFamily xmlns:thm15="http://schemas.microsoft.com/office/thememl/2012/main" name="eth_praesentation_16zu9_ETH1_d" id="{F9B539DF-8A69-4439-8089-24A40A980317}" vid="{5D9C827C-5BA7-402A-8ABB-C7F0BA4B4DEC}"/>
     </a:ext>
   </a:extLst>
 </a:theme>
@@ -51970,7 +52257,7 @@
   </a:custClrLst>
   <a:extLst>
     <a:ext uri="{05A4C25C-085E-4340-85A3-A5531E510DB2}">
-      <thm15:themeFamily xmlns:thm15="http://schemas.microsoft.com/office/thememl/2012/main" xmlns="" name="eth_praesentation_16zu9_ETH1_d" id="{F9B539DF-8A69-4439-8089-24A40A980317}" vid="{5D9C827C-5BA7-402A-8ABB-C7F0BA4B4DEC}"/>
+      <thm15:themeFamily xmlns:thm15="http://schemas.microsoft.com/office/thememl/2012/main" name="eth_praesentation_16zu9_ETH1_d" id="{F9B539DF-8A69-4439-8089-24A40A980317}" vid="{5D9C827C-5BA7-402A-8ABB-C7F0BA4B4DEC}"/>
     </a:ext>
   </a:extLst>
 </a:theme>
@@ -52386,7 +52673,7 @@
   </a:custClrLst>
   <a:extLst>
     <a:ext uri="{05A4C25C-085E-4340-85A3-A5531E510DB2}">
-      <thm15:themeFamily xmlns:thm15="http://schemas.microsoft.com/office/thememl/2012/main" xmlns="" name="eth_praesentation_16zu9_ETH1_d" id="{F9B539DF-8A69-4439-8089-24A40A980317}" vid="{5D9C827C-5BA7-402A-8ABB-C7F0BA4B4DEC}"/>
+      <thm15:themeFamily xmlns:thm15="http://schemas.microsoft.com/office/thememl/2012/main" name="eth_praesentation_16zu9_ETH1_d" id="{F9B539DF-8A69-4439-8089-24A40A980317}" vid="{5D9C827C-5BA7-402A-8ABB-C7F0BA4B4DEC}"/>
     </a:ext>
   </a:extLst>
 </a:theme>
@@ -52802,7 +53089,7 @@
   </a:custClrLst>
   <a:extLst>
     <a:ext uri="{05A4C25C-085E-4340-85A3-A5531E510DB2}">
-      <thm15:themeFamily xmlns:thm15="http://schemas.microsoft.com/office/thememl/2012/main" xmlns="" name="eth_praesentation_16zu9_ETH1_d" id="{F9B539DF-8A69-4439-8089-24A40A980317}" vid="{5D9C827C-5BA7-402A-8ABB-C7F0BA4B4DEC}"/>
+      <thm15:themeFamily xmlns:thm15="http://schemas.microsoft.com/office/thememl/2012/main" name="eth_praesentation_16zu9_ETH1_d" id="{F9B539DF-8A69-4439-8089-24A40A980317}" vid="{5D9C827C-5BA7-402A-8ABB-C7F0BA4B4DEC}"/>
     </a:ext>
   </a:extLst>
 </a:theme>
@@ -53218,7 +53505,7 @@
   </a:custClrLst>
   <a:extLst>
     <a:ext uri="{05A4C25C-085E-4340-85A3-A5531E510DB2}">
-      <thm15:themeFamily xmlns:thm15="http://schemas.microsoft.com/office/thememl/2012/main" xmlns="" name="eth_praesentation_16zu9_ETH1_d" id="{F9B539DF-8A69-4439-8089-24A40A980317}" vid="{5D9C827C-5BA7-402A-8ABB-C7F0BA4B4DEC}"/>
+      <thm15:themeFamily xmlns:thm15="http://schemas.microsoft.com/office/thememl/2012/main" name="eth_praesentation_16zu9_ETH1_d" id="{F9B539DF-8A69-4439-8089-24A40A980317}" vid="{5D9C827C-5BA7-402A-8ABB-C7F0BA4B4DEC}"/>
     </a:ext>
   </a:extLst>
 </a:theme>
@@ -53634,7 +53921,7 @@
   </a:custClrLst>
   <a:extLst>
     <a:ext uri="{05A4C25C-085E-4340-85A3-A5531E510DB2}">
-      <thm15:themeFamily xmlns:thm15="http://schemas.microsoft.com/office/thememl/2012/main" xmlns="" name="eth_praesentation_16zu9_ETH1_d" id="{F9B539DF-8A69-4439-8089-24A40A980317}" vid="{5D9C827C-5BA7-402A-8ABB-C7F0BA4B4DEC}"/>
+      <thm15:themeFamily xmlns:thm15="http://schemas.microsoft.com/office/thememl/2012/main" name="eth_praesentation_16zu9_ETH1_d" id="{F9B539DF-8A69-4439-8089-24A40A980317}" vid="{5D9C827C-5BA7-402A-8ABB-C7F0BA4B4DEC}"/>
     </a:ext>
   </a:extLst>
 </a:theme>
@@ -54050,7 +54337,7 @@
   </a:custClrLst>
   <a:extLst>
     <a:ext uri="{05A4C25C-085E-4340-85A3-A5531E510DB2}">
-      <thm15:themeFamily xmlns:thm15="http://schemas.microsoft.com/office/thememl/2012/main" xmlns="" name="eth_praesentation_16zu9_ETH1_d" id="{F9B539DF-8A69-4439-8089-24A40A980317}" vid="{5D9C827C-5BA7-402A-8ABB-C7F0BA4B4DEC}"/>
+      <thm15:themeFamily xmlns:thm15="http://schemas.microsoft.com/office/thememl/2012/main" name="eth_praesentation_16zu9_ETH1_d" id="{F9B539DF-8A69-4439-8089-24A40A980317}" vid="{5D9C827C-5BA7-402A-8ABB-C7F0BA4B4DEC}"/>
     </a:ext>
   </a:extLst>
 </a:theme>
@@ -54466,7 +54753,7 @@
   </a:custClrLst>
   <a:extLst>
     <a:ext uri="{05A4C25C-085E-4340-85A3-A5531E510DB2}">
-      <thm15:themeFamily xmlns:thm15="http://schemas.microsoft.com/office/thememl/2012/main" xmlns="" name="eth_praesentation_16zu9_ETH1_d" id="{F9B539DF-8A69-4439-8089-24A40A980317}" vid="{5D9C827C-5BA7-402A-8ABB-C7F0BA4B4DEC}"/>
+      <thm15:themeFamily xmlns:thm15="http://schemas.microsoft.com/office/thememl/2012/main" name="eth_praesentation_16zu9_ETH1_d" id="{F9B539DF-8A69-4439-8089-24A40A980317}" vid="{5D9C827C-5BA7-402A-8ABB-C7F0BA4B4DEC}"/>
     </a:ext>
   </a:extLst>
 </a:theme>
